--- a/docs/images/FinalReportCharts.pptx
+++ b/docs/images/FinalReportCharts.pptx
@@ -14,6 +14,7 @@
     <p:sldId id="262" r:id="rId8"/>
     <p:sldId id="258" r:id="rId9"/>
     <p:sldId id="263" r:id="rId10"/>
+    <p:sldId id="265" r:id="rId11"/>
   </p:sldIdLst>
   <p:sldSz cx="12192000" cy="6858000"/>
   <p:notesSz cx="6858000" cy="9144000"/>
@@ -2192,7 +2193,7 @@
           <a:p>
             <a:fld id="{96A3D2AD-4032-4BCB-95A5-82BD957A2F64}" type="datetimeFigureOut">
               <a:rPr lang="en-US" smtClean="0"/>
-              <a:t>6/14/2019</a:t>
+              <a:t>6/15/2019</a:t>
             </a:fld>
             <a:endParaRPr lang="en-US"/>
           </a:p>
@@ -2390,7 +2391,7 @@
           <a:p>
             <a:fld id="{96A3D2AD-4032-4BCB-95A5-82BD957A2F64}" type="datetimeFigureOut">
               <a:rPr lang="en-US" smtClean="0"/>
-              <a:t>6/14/2019</a:t>
+              <a:t>6/15/2019</a:t>
             </a:fld>
             <a:endParaRPr lang="en-US"/>
           </a:p>
@@ -2598,7 +2599,7 @@
           <a:p>
             <a:fld id="{96A3D2AD-4032-4BCB-95A5-82BD957A2F64}" type="datetimeFigureOut">
               <a:rPr lang="en-US" smtClean="0"/>
-              <a:t>6/14/2019</a:t>
+              <a:t>6/15/2019</a:t>
             </a:fld>
             <a:endParaRPr lang="en-US"/>
           </a:p>
@@ -2796,7 +2797,7 @@
           <a:p>
             <a:fld id="{96A3D2AD-4032-4BCB-95A5-82BD957A2F64}" type="datetimeFigureOut">
               <a:rPr lang="en-US" smtClean="0"/>
-              <a:t>6/14/2019</a:t>
+              <a:t>6/15/2019</a:t>
             </a:fld>
             <a:endParaRPr lang="en-US"/>
           </a:p>
@@ -3071,7 +3072,7 @@
           <a:p>
             <a:fld id="{96A3D2AD-4032-4BCB-95A5-82BD957A2F64}" type="datetimeFigureOut">
               <a:rPr lang="en-US" smtClean="0"/>
-              <a:t>6/14/2019</a:t>
+              <a:t>6/15/2019</a:t>
             </a:fld>
             <a:endParaRPr lang="en-US"/>
           </a:p>
@@ -3336,7 +3337,7 @@
           <a:p>
             <a:fld id="{96A3D2AD-4032-4BCB-95A5-82BD957A2F64}" type="datetimeFigureOut">
               <a:rPr lang="en-US" smtClean="0"/>
-              <a:t>6/14/2019</a:t>
+              <a:t>6/15/2019</a:t>
             </a:fld>
             <a:endParaRPr lang="en-US"/>
           </a:p>
@@ -3748,7 +3749,7 @@
           <a:p>
             <a:fld id="{96A3D2AD-4032-4BCB-95A5-82BD957A2F64}" type="datetimeFigureOut">
               <a:rPr lang="en-US" smtClean="0"/>
-              <a:t>6/14/2019</a:t>
+              <a:t>6/15/2019</a:t>
             </a:fld>
             <a:endParaRPr lang="en-US"/>
           </a:p>
@@ -3889,7 +3890,7 @@
           <a:p>
             <a:fld id="{96A3D2AD-4032-4BCB-95A5-82BD957A2F64}" type="datetimeFigureOut">
               <a:rPr lang="en-US" smtClean="0"/>
-              <a:t>6/14/2019</a:t>
+              <a:t>6/15/2019</a:t>
             </a:fld>
             <a:endParaRPr lang="en-US"/>
           </a:p>
@@ -4002,7 +4003,7 @@
           <a:p>
             <a:fld id="{96A3D2AD-4032-4BCB-95A5-82BD957A2F64}" type="datetimeFigureOut">
               <a:rPr lang="en-US" smtClean="0"/>
-              <a:t>6/14/2019</a:t>
+              <a:t>6/15/2019</a:t>
             </a:fld>
             <a:endParaRPr lang="en-US"/>
           </a:p>
@@ -4313,7 +4314,7 @@
           <a:p>
             <a:fld id="{96A3D2AD-4032-4BCB-95A5-82BD957A2F64}" type="datetimeFigureOut">
               <a:rPr lang="en-US" smtClean="0"/>
-              <a:t>6/14/2019</a:t>
+              <a:t>6/15/2019</a:t>
             </a:fld>
             <a:endParaRPr lang="en-US"/>
           </a:p>
@@ -4601,7 +4602,7 @@
           <a:p>
             <a:fld id="{96A3D2AD-4032-4BCB-95A5-82BD957A2F64}" type="datetimeFigureOut">
               <a:rPr lang="en-US" smtClean="0"/>
-              <a:t>6/14/2019</a:t>
+              <a:t>6/15/2019</a:t>
             </a:fld>
             <a:endParaRPr lang="en-US"/>
           </a:p>
@@ -4842,7 +4843,7 @@
           <a:p>
             <a:fld id="{96A3D2AD-4032-4BCB-95A5-82BD957A2F64}" type="datetimeFigureOut">
               <a:rPr lang="en-US" smtClean="0"/>
-              <a:t>6/14/2019</a:t>
+              <a:t>6/15/2019</a:t>
             </a:fld>
             <a:endParaRPr lang="en-US"/>
           </a:p>
@@ -6295,6 +6296,906 @@
     <p:extLst>
       <p:ext uri="{BB962C8B-B14F-4D97-AF65-F5344CB8AC3E}">
         <p14:creationId xmlns:p14="http://schemas.microsoft.com/office/powerpoint/2010/main" val="1074039092"/>
+      </p:ext>
+    </p:extLst>
+  </p:cSld>
+  <p:clrMapOvr>
+    <a:masterClrMapping/>
+  </p:clrMapOvr>
+</p:sld>
+</file>
+
+<file path=ppt/slides/slide10.xml><?xml version="1.0" encoding="utf-8"?>
+<p:sld xmlns:a="http://schemas.openxmlformats.org/drawingml/2006/main" xmlns:r="http://schemas.openxmlformats.org/officeDocument/2006/relationships" xmlns:p="http://schemas.openxmlformats.org/presentationml/2006/main">
+  <p:cSld>
+    <p:spTree>
+      <p:nvGrpSpPr>
+        <p:cNvPr id="1" name=""/>
+        <p:cNvGrpSpPr/>
+        <p:nvPr/>
+      </p:nvGrpSpPr>
+      <p:grpSpPr>
+        <a:xfrm>
+          <a:off x="0" y="0"/>
+          <a:ext cx="0" cy="0"/>
+          <a:chOff x="0" y="0"/>
+          <a:chExt cx="0" cy="0"/>
+        </a:xfrm>
+      </p:grpSpPr>
+      <p:pic>
+        <p:nvPicPr>
+          <p:cNvPr id="2" name="Picture 1" descr="A close up of a logo&#10;&#10;Description automatically generated">
+            <a:extLst>
+              <a:ext uri="{FF2B5EF4-FFF2-40B4-BE49-F238E27FC236}">
+                <a16:creationId xmlns:a16="http://schemas.microsoft.com/office/drawing/2014/main" id="{004B2CD1-5F27-4E3A-A5EB-6F6394E67664}"/>
+              </a:ext>
+            </a:extLst>
+          </p:cNvPr>
+          <p:cNvPicPr>
+            <a:picLocks noChangeAspect="1"/>
+          </p:cNvPicPr>
+          <p:nvPr/>
+        </p:nvPicPr>
+        <p:blipFill>
+          <a:blip r:embed="rId2">
+            <a:extLst>
+              <a:ext uri="{28A0092B-C50C-407E-A947-70E740481C1C}">
+                <a14:useLocalDpi xmlns:a14="http://schemas.microsoft.com/office/drawing/2010/main" val="0"/>
+              </a:ext>
+            </a:extLst>
+          </a:blip>
+          <a:stretch>
+            <a:fillRect/>
+          </a:stretch>
+        </p:blipFill>
+        <p:spPr>
+          <a:xfrm>
+            <a:off x="5814435" y="1711033"/>
+            <a:ext cx="563130" cy="563130"/>
+          </a:xfrm>
+          <a:prstGeom prst="rect">
+            <a:avLst/>
+          </a:prstGeom>
+        </p:spPr>
+      </p:pic>
+      <p:pic>
+        <p:nvPicPr>
+          <p:cNvPr id="3" name="Picture 2">
+            <a:extLst>
+              <a:ext uri="{FF2B5EF4-FFF2-40B4-BE49-F238E27FC236}">
+                <a16:creationId xmlns:a16="http://schemas.microsoft.com/office/drawing/2014/main" id="{DD039B37-161C-46BF-94B8-D4728736419D}"/>
+              </a:ext>
+            </a:extLst>
+          </p:cNvPr>
+          <p:cNvPicPr>
+            <a:picLocks noChangeAspect="1"/>
+          </p:cNvPicPr>
+          <p:nvPr/>
+        </p:nvPicPr>
+        <p:blipFill>
+          <a:blip r:embed="rId3">
+            <a:extLst>
+              <a:ext uri="{28A0092B-C50C-407E-A947-70E740481C1C}">
+                <a14:useLocalDpi xmlns:a14="http://schemas.microsoft.com/office/drawing/2010/main" val="0"/>
+              </a:ext>
+            </a:extLst>
+          </a:blip>
+          <a:stretch>
+            <a:fillRect/>
+          </a:stretch>
+        </p:blipFill>
+        <p:spPr>
+          <a:xfrm>
+            <a:off x="5814435" y="4619911"/>
+            <a:ext cx="563130" cy="563130"/>
+          </a:xfrm>
+          <a:prstGeom prst="rect">
+            <a:avLst/>
+          </a:prstGeom>
+        </p:spPr>
+      </p:pic>
+      <p:cxnSp>
+        <p:nvCxnSpPr>
+          <p:cNvPr id="4" name="Straight Arrow Connector 3">
+            <a:extLst>
+              <a:ext uri="{FF2B5EF4-FFF2-40B4-BE49-F238E27FC236}">
+                <a16:creationId xmlns:a16="http://schemas.microsoft.com/office/drawing/2014/main" id="{6A8027A8-FF44-450F-9360-58510CBA3CCF}"/>
+              </a:ext>
+            </a:extLst>
+          </p:cNvPr>
+          <p:cNvCxnSpPr>
+            <a:cxnSpLocks/>
+          </p:cNvCxnSpPr>
+          <p:nvPr/>
+        </p:nvCxnSpPr>
+        <p:spPr>
+          <a:xfrm flipH="1" flipV="1">
+            <a:off x="5073218" y="969816"/>
+            <a:ext cx="741217" cy="741217"/>
+          </a:xfrm>
+          <a:prstGeom prst="straightConnector1">
+            <a:avLst/>
+          </a:prstGeom>
+          <a:ln w="50800">
+            <a:solidFill>
+              <a:schemeClr val="bg1">
+                <a:lumMod val="65000"/>
+              </a:schemeClr>
+            </a:solidFill>
+            <a:tailEnd type="triangle"/>
+          </a:ln>
+        </p:spPr>
+        <p:style>
+          <a:lnRef idx="1">
+            <a:schemeClr val="dk1"/>
+          </a:lnRef>
+          <a:fillRef idx="0">
+            <a:schemeClr val="dk1"/>
+          </a:fillRef>
+          <a:effectRef idx="0">
+            <a:schemeClr val="dk1"/>
+          </a:effectRef>
+          <a:fontRef idx="minor">
+            <a:schemeClr val="tx1"/>
+          </a:fontRef>
+        </p:style>
+      </p:cxnSp>
+      <p:cxnSp>
+        <p:nvCxnSpPr>
+          <p:cNvPr id="5" name="Straight Connector 9">
+            <a:extLst>
+              <a:ext uri="{FF2B5EF4-FFF2-40B4-BE49-F238E27FC236}">
+                <a16:creationId xmlns:a16="http://schemas.microsoft.com/office/drawing/2014/main" id="{6AE120E9-BB03-48C8-9202-59603C6A500D}"/>
+              </a:ext>
+            </a:extLst>
+          </p:cNvPr>
+          <p:cNvCxnSpPr>
+            <a:cxnSpLocks/>
+            <a:stCxn id="2" idx="1"/>
+          </p:cNvCxnSpPr>
+          <p:nvPr/>
+        </p:nvCxnSpPr>
+        <p:spPr>
+          <a:xfrm rot="10800000">
+            <a:off x="5073219" y="1033008"/>
+            <a:ext cx="741217" cy="959591"/>
+          </a:xfrm>
+          <a:prstGeom prst="bentConnector2">
+            <a:avLst/>
+          </a:prstGeom>
+          <a:ln w="25400">
+            <a:solidFill>
+              <a:schemeClr val="bg1">
+                <a:lumMod val="65000"/>
+              </a:schemeClr>
+            </a:solidFill>
+            <a:prstDash val="sysDash"/>
+          </a:ln>
+        </p:spPr>
+        <p:style>
+          <a:lnRef idx="1">
+            <a:schemeClr val="dk1"/>
+          </a:lnRef>
+          <a:fillRef idx="0">
+            <a:schemeClr val="dk1"/>
+          </a:fillRef>
+          <a:effectRef idx="0">
+            <a:schemeClr val="dk1"/>
+          </a:effectRef>
+          <a:fontRef idx="minor">
+            <a:schemeClr val="tx1"/>
+          </a:fontRef>
+        </p:style>
+      </p:cxnSp>
+      <p:cxnSp>
+        <p:nvCxnSpPr>
+          <p:cNvPr id="6" name="Straight Arrow Connector 5">
+            <a:extLst>
+              <a:ext uri="{FF2B5EF4-FFF2-40B4-BE49-F238E27FC236}">
+                <a16:creationId xmlns:a16="http://schemas.microsoft.com/office/drawing/2014/main" id="{F82C557F-1751-4032-92E5-FFB0F0CD09FB}"/>
+              </a:ext>
+            </a:extLst>
+          </p:cNvPr>
+          <p:cNvCxnSpPr>
+            <a:cxnSpLocks/>
+          </p:cNvCxnSpPr>
+          <p:nvPr/>
+        </p:nvCxnSpPr>
+        <p:spPr>
+          <a:xfrm flipV="1">
+            <a:off x="6096000" y="3446605"/>
+            <a:ext cx="0" cy="315767"/>
+          </a:xfrm>
+          <a:prstGeom prst="straightConnector1">
+            <a:avLst/>
+          </a:prstGeom>
+          <a:ln w="50800">
+            <a:tailEnd type="triangle"/>
+          </a:ln>
+        </p:spPr>
+        <p:style>
+          <a:lnRef idx="1">
+            <a:schemeClr val="dk1"/>
+          </a:lnRef>
+          <a:fillRef idx="0">
+            <a:schemeClr val="dk1"/>
+          </a:fillRef>
+          <a:effectRef idx="0">
+            <a:schemeClr val="dk1"/>
+          </a:effectRef>
+          <a:fontRef idx="minor">
+            <a:schemeClr val="tx1"/>
+          </a:fontRef>
+        </p:style>
+      </p:cxnSp>
+      <p:cxnSp>
+        <p:nvCxnSpPr>
+          <p:cNvPr id="7" name="Straight Connector 6">
+            <a:extLst>
+              <a:ext uri="{FF2B5EF4-FFF2-40B4-BE49-F238E27FC236}">
+                <a16:creationId xmlns:a16="http://schemas.microsoft.com/office/drawing/2014/main" id="{8151C054-046F-4C2A-9AD5-55F02D6B6AEA}"/>
+              </a:ext>
+            </a:extLst>
+          </p:cNvPr>
+          <p:cNvCxnSpPr>
+            <a:stCxn id="3" idx="0"/>
+          </p:cNvCxnSpPr>
+          <p:nvPr/>
+        </p:nvCxnSpPr>
+        <p:spPr>
+          <a:xfrm flipV="1">
+            <a:off x="6096000" y="3762372"/>
+            <a:ext cx="0" cy="857539"/>
+          </a:xfrm>
+          <a:prstGeom prst="line">
+            <a:avLst/>
+          </a:prstGeom>
+          <a:ln w="25400">
+            <a:prstDash val="sysDot"/>
+          </a:ln>
+        </p:spPr>
+        <p:style>
+          <a:lnRef idx="1">
+            <a:schemeClr val="dk1"/>
+          </a:lnRef>
+          <a:fillRef idx="0">
+            <a:schemeClr val="dk1"/>
+          </a:fillRef>
+          <a:effectRef idx="0">
+            <a:schemeClr val="dk1"/>
+          </a:effectRef>
+          <a:fontRef idx="minor">
+            <a:schemeClr val="tx1"/>
+          </a:fontRef>
+        </p:style>
+      </p:cxnSp>
+      <p:cxnSp>
+        <p:nvCxnSpPr>
+          <p:cNvPr id="8" name="Straight Connector 9">
+            <a:extLst>
+              <a:ext uri="{FF2B5EF4-FFF2-40B4-BE49-F238E27FC236}">
+                <a16:creationId xmlns:a16="http://schemas.microsoft.com/office/drawing/2014/main" id="{B0C0F80B-8333-4A3F-8396-7AE1271B047D}"/>
+              </a:ext>
+            </a:extLst>
+          </p:cNvPr>
+          <p:cNvCxnSpPr>
+            <a:cxnSpLocks/>
+          </p:cNvCxnSpPr>
+          <p:nvPr/>
+        </p:nvCxnSpPr>
+        <p:spPr>
+          <a:xfrm rot="16200000" flipV="1">
+            <a:off x="6107289" y="3423721"/>
+            <a:ext cx="1022782" cy="1022781"/>
+          </a:xfrm>
+          <a:prstGeom prst="bentConnector3">
+            <a:avLst>
+              <a:gd name="adj1" fmla="val 99049"/>
+            </a:avLst>
+          </a:prstGeom>
+          <a:ln w="25400">
+            <a:solidFill>
+              <a:schemeClr val="bg1">
+                <a:lumMod val="65000"/>
+              </a:schemeClr>
+            </a:solidFill>
+            <a:prstDash val="sysDash"/>
+          </a:ln>
+        </p:spPr>
+        <p:style>
+          <a:lnRef idx="1">
+            <a:schemeClr val="dk1"/>
+          </a:lnRef>
+          <a:fillRef idx="0">
+            <a:schemeClr val="dk1"/>
+          </a:fillRef>
+          <a:effectRef idx="0">
+            <a:schemeClr val="dk1"/>
+          </a:effectRef>
+          <a:fontRef idx="minor">
+            <a:schemeClr val="tx1"/>
+          </a:fontRef>
+        </p:style>
+      </p:cxnSp>
+      <p:sp>
+        <p:nvSpPr>
+          <p:cNvPr id="10" name="Freeform: Shape 9">
+            <a:extLst>
+              <a:ext uri="{FF2B5EF4-FFF2-40B4-BE49-F238E27FC236}">
+                <a16:creationId xmlns:a16="http://schemas.microsoft.com/office/drawing/2014/main" id="{43D2E9AD-8B91-45BC-8839-29CC52238AE2}"/>
+              </a:ext>
+            </a:extLst>
+          </p:cNvPr>
+          <p:cNvSpPr/>
+          <p:nvPr/>
+        </p:nvSpPr>
+        <p:spPr>
+          <a:xfrm rot="2653449">
+            <a:off x="6115996" y="4297359"/>
+            <a:ext cx="600197" cy="265667"/>
+          </a:xfrm>
+          <a:custGeom>
+            <a:avLst/>
+            <a:gdLst>
+              <a:gd name="connsiteX0" fmla="*/ 212436 w 212436"/>
+              <a:gd name="connsiteY0" fmla="*/ 64713 h 64713"/>
+              <a:gd name="connsiteX1" fmla="*/ 101600 w 212436"/>
+              <a:gd name="connsiteY1" fmla="*/ 59 h 64713"/>
+              <a:gd name="connsiteX2" fmla="*/ 0 w 212436"/>
+              <a:gd name="connsiteY2" fmla="*/ 55477 h 64713"/>
+            </a:gdLst>
+            <a:ahLst/>
+            <a:cxnLst>
+              <a:cxn ang="0">
+                <a:pos x="connsiteX0" y="connsiteY0"/>
+              </a:cxn>
+              <a:cxn ang="0">
+                <a:pos x="connsiteX1" y="connsiteY1"/>
+              </a:cxn>
+              <a:cxn ang="0">
+                <a:pos x="connsiteX2" y="connsiteY2"/>
+              </a:cxn>
+            </a:cxnLst>
+            <a:rect l="l" t="t" r="r" b="b"/>
+            <a:pathLst>
+              <a:path w="212436" h="64713">
+                <a:moveTo>
+                  <a:pt x="212436" y="64713"/>
+                </a:moveTo>
+                <a:cubicBezTo>
+                  <a:pt x="174721" y="33155"/>
+                  <a:pt x="137006" y="1598"/>
+                  <a:pt x="101600" y="59"/>
+                </a:cubicBezTo>
+                <a:cubicBezTo>
+                  <a:pt x="66194" y="-1480"/>
+                  <a:pt x="33097" y="26998"/>
+                  <a:pt x="0" y="55477"/>
+                </a:cubicBezTo>
+              </a:path>
+            </a:pathLst>
+          </a:custGeom>
+          <a:noFill/>
+          <a:ln w="25400">
+            <a:solidFill>
+              <a:srgbClr val="00B050"/>
+            </a:solidFill>
+          </a:ln>
+        </p:spPr>
+        <p:style>
+          <a:lnRef idx="2">
+            <a:schemeClr val="accent1">
+              <a:shade val="50000"/>
+            </a:schemeClr>
+          </a:lnRef>
+          <a:fillRef idx="1">
+            <a:schemeClr val="accent1"/>
+          </a:fillRef>
+          <a:effectRef idx="0">
+            <a:schemeClr val="accent1"/>
+          </a:effectRef>
+          <a:fontRef idx="minor">
+            <a:schemeClr val="lt1"/>
+          </a:fontRef>
+        </p:style>
+        <p:txBody>
+          <a:bodyPr rtlCol="0" anchor="ctr"/>
+          <a:lstStyle/>
+          <a:p>
+            <a:pPr algn="ctr"/>
+            <a:endParaRPr lang="en-US"/>
+          </a:p>
+        </p:txBody>
+      </p:sp>
+      <p:sp>
+        <p:nvSpPr>
+          <p:cNvPr id="11" name="TextBox 10">
+            <a:extLst>
+              <a:ext uri="{FF2B5EF4-FFF2-40B4-BE49-F238E27FC236}">
+                <a16:creationId xmlns:a16="http://schemas.microsoft.com/office/drawing/2014/main" id="{7F26AABE-23C3-43E9-9D34-51DF03F91736}"/>
+              </a:ext>
+            </a:extLst>
+          </p:cNvPr>
+          <p:cNvSpPr txBox="1"/>
+          <p:nvPr/>
+        </p:nvSpPr>
+        <p:spPr>
+          <a:xfrm>
+            <a:off x="5117162" y="1957590"/>
+            <a:ext cx="332509" cy="369332"/>
+          </a:xfrm>
+          <a:prstGeom prst="rect">
+            <a:avLst/>
+          </a:prstGeom>
+          <a:noFill/>
+        </p:spPr>
+        <p:txBody>
+          <a:bodyPr wrap="square" rtlCol="0">
+            <a:spAutoFit/>
+          </a:bodyPr>
+          <a:lstStyle/>
+          <a:p>
+            <a:r>
+              <a:rPr lang="en-US" dirty="0">
+                <a:latin typeface="Berlin Sans FB" panose="020E0602020502020306" pitchFamily="34" charset="0"/>
+              </a:rPr>
+              <a:t>X</a:t>
+            </a:r>
+          </a:p>
+        </p:txBody>
+      </p:sp>
+      <p:sp>
+        <p:nvSpPr>
+          <p:cNvPr id="12" name="TextBox 11">
+            <a:extLst>
+              <a:ext uri="{FF2B5EF4-FFF2-40B4-BE49-F238E27FC236}">
+                <a16:creationId xmlns:a16="http://schemas.microsoft.com/office/drawing/2014/main" id="{15D710D0-A2B3-44F7-AC0D-7B051F8D8726}"/>
+              </a:ext>
+            </a:extLst>
+          </p:cNvPr>
+          <p:cNvSpPr txBox="1"/>
+          <p:nvPr/>
+        </p:nvSpPr>
+        <p:spPr>
+          <a:xfrm>
+            <a:off x="4740708" y="1400210"/>
+            <a:ext cx="332509" cy="369332"/>
+          </a:xfrm>
+          <a:prstGeom prst="rect">
+            <a:avLst/>
+          </a:prstGeom>
+          <a:noFill/>
+        </p:spPr>
+        <p:txBody>
+          <a:bodyPr wrap="square" rtlCol="0">
+            <a:spAutoFit/>
+          </a:bodyPr>
+          <a:lstStyle/>
+          <a:p>
+            <a:r>
+              <a:rPr lang="en-US" dirty="0">
+                <a:latin typeface="Berlin Sans FB" panose="020E0602020502020306" pitchFamily="34" charset="0"/>
+              </a:rPr>
+              <a:t>Z</a:t>
+            </a:r>
+          </a:p>
+        </p:txBody>
+      </p:sp>
+      <p:sp>
+        <p:nvSpPr>
+          <p:cNvPr id="13" name="TextBox 12">
+            <a:extLst>
+              <a:ext uri="{FF2B5EF4-FFF2-40B4-BE49-F238E27FC236}">
+                <a16:creationId xmlns:a16="http://schemas.microsoft.com/office/drawing/2014/main" id="{09590425-8D2C-4DDC-A42B-00BF217065CE}"/>
+              </a:ext>
+            </a:extLst>
+          </p:cNvPr>
+          <p:cNvSpPr txBox="1"/>
+          <p:nvPr/>
+        </p:nvSpPr>
+        <p:spPr>
+          <a:xfrm>
+            <a:off x="6377565" y="3078185"/>
+            <a:ext cx="332509" cy="369332"/>
+          </a:xfrm>
+          <a:prstGeom prst="rect">
+            <a:avLst/>
+          </a:prstGeom>
+          <a:noFill/>
+        </p:spPr>
+        <p:txBody>
+          <a:bodyPr wrap="square" rtlCol="0">
+            <a:spAutoFit/>
+          </a:bodyPr>
+          <a:lstStyle/>
+          <a:p>
+            <a:r>
+              <a:rPr lang="en-US" dirty="0">
+                <a:latin typeface="Berlin Sans FB" panose="020E0602020502020306" pitchFamily="34" charset="0"/>
+              </a:rPr>
+              <a:t>X</a:t>
+            </a:r>
+          </a:p>
+        </p:txBody>
+      </p:sp>
+      <p:sp>
+        <p:nvSpPr>
+          <p:cNvPr id="14" name="TextBox 13">
+            <a:extLst>
+              <a:ext uri="{FF2B5EF4-FFF2-40B4-BE49-F238E27FC236}">
+                <a16:creationId xmlns:a16="http://schemas.microsoft.com/office/drawing/2014/main" id="{2448D773-971A-4F74-A3AE-595E57380F55}"/>
+              </a:ext>
+            </a:extLst>
+          </p:cNvPr>
+          <p:cNvSpPr txBox="1"/>
+          <p:nvPr/>
+        </p:nvSpPr>
+        <p:spPr>
+          <a:xfrm>
+            <a:off x="7141359" y="3702627"/>
+            <a:ext cx="332509" cy="369332"/>
+          </a:xfrm>
+          <a:prstGeom prst="rect">
+            <a:avLst/>
+          </a:prstGeom>
+          <a:noFill/>
+        </p:spPr>
+        <p:txBody>
+          <a:bodyPr wrap="square" rtlCol="0">
+            <a:spAutoFit/>
+          </a:bodyPr>
+          <a:lstStyle/>
+          <a:p>
+            <a:r>
+              <a:rPr lang="en-US" dirty="0">
+                <a:latin typeface="Berlin Sans FB" panose="020E0602020502020306" pitchFamily="34" charset="0"/>
+              </a:rPr>
+              <a:t>Z</a:t>
+            </a:r>
+          </a:p>
+        </p:txBody>
+      </p:sp>
+      <p:sp>
+        <p:nvSpPr>
+          <p:cNvPr id="16" name="TextBox 15">
+            <a:extLst>
+              <a:ext uri="{FF2B5EF4-FFF2-40B4-BE49-F238E27FC236}">
+                <a16:creationId xmlns:a16="http://schemas.microsoft.com/office/drawing/2014/main" id="{F2730241-9E77-4DD3-9E6F-7523416D4805}"/>
+              </a:ext>
+            </a:extLst>
+          </p:cNvPr>
+          <p:cNvSpPr txBox="1"/>
+          <p:nvPr/>
+        </p:nvSpPr>
+        <p:spPr>
+          <a:xfrm>
+            <a:off x="4801214" y="610230"/>
+            <a:ext cx="2589572" cy="377212"/>
+          </a:xfrm>
+          <a:prstGeom prst="rect">
+            <a:avLst/>
+          </a:prstGeom>
+          <a:noFill/>
+        </p:spPr>
+        <p:txBody>
+          <a:bodyPr wrap="square" rtlCol="0">
+            <a:spAutoFit/>
+          </a:bodyPr>
+          <a:lstStyle/>
+          <a:p>
+            <a:pPr algn="ctr"/>
+            <a:r>
+              <a:rPr lang="en-US" dirty="0">
+                <a:latin typeface="Berlin Sans FB" panose="020E0602020502020306" pitchFamily="34" charset="0"/>
+              </a:rPr>
+              <a:t>&lt;Distance, X, Z&gt;</a:t>
+            </a:r>
+          </a:p>
+        </p:txBody>
+      </p:sp>
+      <p:sp>
+        <p:nvSpPr>
+          <p:cNvPr id="17" name="TextBox 16">
+            <a:extLst>
+              <a:ext uri="{FF2B5EF4-FFF2-40B4-BE49-F238E27FC236}">
+                <a16:creationId xmlns:a16="http://schemas.microsoft.com/office/drawing/2014/main" id="{7EA2FD99-DFD6-422C-802C-E826236F8862}"/>
+              </a:ext>
+            </a:extLst>
+          </p:cNvPr>
+          <p:cNvSpPr txBox="1"/>
+          <p:nvPr/>
+        </p:nvSpPr>
+        <p:spPr>
+          <a:xfrm>
+            <a:off x="4294909" y="319890"/>
+            <a:ext cx="3602182" cy="369332"/>
+          </a:xfrm>
+          <a:prstGeom prst="rect">
+            <a:avLst/>
+          </a:prstGeom>
+          <a:noFill/>
+        </p:spPr>
+        <p:txBody>
+          <a:bodyPr wrap="square" rtlCol="0">
+            <a:spAutoFit/>
+          </a:bodyPr>
+          <a:lstStyle/>
+          <a:p>
+            <a:pPr algn="ctr"/>
+            <a:r>
+              <a:rPr lang="en-US" dirty="0">
+                <a:latin typeface="Berlin Sans FB" panose="020E0602020502020306" pitchFamily="34" charset="0"/>
+              </a:rPr>
+              <a:t>Horizontal Velocity Compensation</a:t>
+            </a:r>
+          </a:p>
+        </p:txBody>
+      </p:sp>
+      <p:sp>
+        <p:nvSpPr>
+          <p:cNvPr id="18" name="TextBox 17">
+            <a:extLst>
+              <a:ext uri="{FF2B5EF4-FFF2-40B4-BE49-F238E27FC236}">
+                <a16:creationId xmlns:a16="http://schemas.microsoft.com/office/drawing/2014/main" id="{1ADD1A82-C92D-4640-99DE-7D737618A00E}"/>
+              </a:ext>
+            </a:extLst>
+          </p:cNvPr>
+          <p:cNvSpPr txBox="1"/>
+          <p:nvPr/>
+        </p:nvSpPr>
+        <p:spPr>
+          <a:xfrm>
+            <a:off x="4488877" y="4304805"/>
+            <a:ext cx="1219341" cy="369332"/>
+          </a:xfrm>
+          <a:prstGeom prst="rect">
+            <a:avLst/>
+          </a:prstGeom>
+          <a:noFill/>
+          <a:ln w="38100">
+            <a:solidFill>
+              <a:schemeClr val="dk1"/>
+            </a:solidFill>
+          </a:ln>
+        </p:spPr>
+        <p:txBody>
+          <a:bodyPr wrap="square" rtlCol="0">
+            <a:spAutoFit/>
+          </a:bodyPr>
+          <a:lstStyle/>
+          <a:p>
+            <a:pPr algn="ctr"/>
+            <a:r>
+              <a:rPr lang="en-US" dirty="0">
+                <a:latin typeface="Berlin Sans FB" panose="020E0602020502020306" pitchFamily="34" charset="0"/>
+              </a:rPr>
+              <a:t>Predicted</a:t>
+            </a:r>
+          </a:p>
+        </p:txBody>
+      </p:sp>
+      <p:cxnSp>
+        <p:nvCxnSpPr>
+          <p:cNvPr id="19" name="Straight Connector 18">
+            <a:extLst>
+              <a:ext uri="{FF2B5EF4-FFF2-40B4-BE49-F238E27FC236}">
+                <a16:creationId xmlns:a16="http://schemas.microsoft.com/office/drawing/2014/main" id="{0726D50E-274F-4B72-90F4-42CDF8E9ED97}"/>
+              </a:ext>
+            </a:extLst>
+          </p:cNvPr>
+          <p:cNvCxnSpPr>
+            <a:cxnSpLocks/>
+            <a:stCxn id="18" idx="3"/>
+          </p:cNvCxnSpPr>
+          <p:nvPr/>
+        </p:nvCxnSpPr>
+        <p:spPr>
+          <a:xfrm flipV="1">
+            <a:off x="5708218" y="4463937"/>
+            <a:ext cx="596788" cy="25534"/>
+          </a:xfrm>
+          <a:prstGeom prst="line">
+            <a:avLst/>
+          </a:prstGeom>
+          <a:ln w="38100"/>
+        </p:spPr>
+        <p:style>
+          <a:lnRef idx="1">
+            <a:schemeClr val="dk1"/>
+          </a:lnRef>
+          <a:fillRef idx="0">
+            <a:schemeClr val="dk1"/>
+          </a:fillRef>
+          <a:effectRef idx="0">
+            <a:schemeClr val="dk1"/>
+          </a:effectRef>
+          <a:fontRef idx="minor">
+            <a:schemeClr val="tx1"/>
+          </a:fontRef>
+        </p:style>
+      </p:cxnSp>
+      <p:sp>
+        <p:nvSpPr>
+          <p:cNvPr id="21" name="Oval 20">
+            <a:extLst>
+              <a:ext uri="{FF2B5EF4-FFF2-40B4-BE49-F238E27FC236}">
+                <a16:creationId xmlns:a16="http://schemas.microsoft.com/office/drawing/2014/main" id="{37564D01-AB64-4AE6-88D6-23FF9DE678DD}"/>
+              </a:ext>
+            </a:extLst>
+          </p:cNvPr>
+          <p:cNvSpPr/>
+          <p:nvPr/>
+        </p:nvSpPr>
+        <p:spPr>
+          <a:xfrm>
+            <a:off x="7040883" y="4350865"/>
+            <a:ext cx="113072" cy="113072"/>
+          </a:xfrm>
+          <a:prstGeom prst="ellipse">
+            <a:avLst/>
+          </a:prstGeom>
+          <a:solidFill>
+            <a:srgbClr val="FF0000"/>
+          </a:solidFill>
+          <a:ln w="38100">
+            <a:noFill/>
+          </a:ln>
+        </p:spPr>
+        <p:style>
+          <a:lnRef idx="2">
+            <a:schemeClr val="accent1">
+              <a:shade val="50000"/>
+            </a:schemeClr>
+          </a:lnRef>
+          <a:fillRef idx="1">
+            <a:schemeClr val="accent1"/>
+          </a:fillRef>
+          <a:effectRef idx="0">
+            <a:schemeClr val="accent1"/>
+          </a:effectRef>
+          <a:fontRef idx="minor">
+            <a:schemeClr val="lt1"/>
+          </a:fontRef>
+        </p:style>
+        <p:txBody>
+          <a:bodyPr rot="0" spcFirstLastPara="0" vertOverflow="overflow" horzOverflow="overflow" vert="horz" wrap="square" lIns="91440" tIns="45720" rIns="91440" bIns="45720" numCol="1" spcCol="0" rtlCol="0" fromWordArt="0" anchor="ctr" anchorCtr="0" forceAA="0" compatLnSpc="1">
+            <a:prstTxWarp prst="textNoShape">
+              <a:avLst/>
+            </a:prstTxWarp>
+            <a:noAutofit/>
+          </a:bodyPr>
+          <a:lstStyle/>
+          <a:p>
+            <a:pPr algn="ctr"/>
+            <a:endParaRPr lang="en-US"/>
+          </a:p>
+        </p:txBody>
+      </p:sp>
+      <p:sp>
+        <p:nvSpPr>
+          <p:cNvPr id="22" name="TextBox 21">
+            <a:extLst>
+              <a:ext uri="{FF2B5EF4-FFF2-40B4-BE49-F238E27FC236}">
+                <a16:creationId xmlns:a16="http://schemas.microsoft.com/office/drawing/2014/main" id="{7D270146-619D-43CD-B054-4DC79AEE31DE}"/>
+              </a:ext>
+            </a:extLst>
+          </p:cNvPr>
+          <p:cNvSpPr txBox="1"/>
+          <p:nvPr/>
+        </p:nvSpPr>
+        <p:spPr>
+          <a:xfrm>
+            <a:off x="4294909" y="5356449"/>
+            <a:ext cx="3602182" cy="646331"/>
+          </a:xfrm>
+          <a:prstGeom prst="rect">
+            <a:avLst/>
+          </a:prstGeom>
+          <a:noFill/>
+        </p:spPr>
+        <p:txBody>
+          <a:bodyPr wrap="square" rtlCol="0">
+            <a:spAutoFit/>
+          </a:bodyPr>
+          <a:lstStyle/>
+          <a:p>
+            <a:pPr algn="ctr"/>
+            <a:r>
+              <a:rPr lang="en-US" dirty="0">
+                <a:latin typeface="Berlin Sans FB" panose="020E0602020502020306" pitchFamily="34" charset="0"/>
+              </a:rPr>
+              <a:t>(Agent learns to hit any target at red point with red velocity)</a:t>
+            </a:r>
+          </a:p>
+        </p:txBody>
+      </p:sp>
+      <p:cxnSp>
+        <p:nvCxnSpPr>
+          <p:cNvPr id="24" name="Straight Arrow Connector 23">
+            <a:extLst>
+              <a:ext uri="{FF2B5EF4-FFF2-40B4-BE49-F238E27FC236}">
+                <a16:creationId xmlns:a16="http://schemas.microsoft.com/office/drawing/2014/main" id="{78420883-C2E0-4DAB-AD4A-B0CB238FFDB8}"/>
+              </a:ext>
+            </a:extLst>
+          </p:cNvPr>
+          <p:cNvCxnSpPr/>
+          <p:nvPr/>
+        </p:nvCxnSpPr>
+        <p:spPr>
+          <a:xfrm flipH="1" flipV="1">
+            <a:off x="6139943" y="3446266"/>
+            <a:ext cx="957476" cy="957476"/>
+          </a:xfrm>
+          <a:prstGeom prst="straightConnector1">
+            <a:avLst/>
+          </a:prstGeom>
+          <a:ln w="28575">
+            <a:solidFill>
+              <a:srgbClr val="FF9393"/>
+            </a:solidFill>
+            <a:tailEnd type="triangle"/>
+          </a:ln>
+        </p:spPr>
+        <p:style>
+          <a:lnRef idx="1">
+            <a:schemeClr val="dk1"/>
+          </a:lnRef>
+          <a:fillRef idx="0">
+            <a:schemeClr val="dk1"/>
+          </a:fillRef>
+          <a:effectRef idx="0">
+            <a:schemeClr val="dk1"/>
+          </a:effectRef>
+          <a:fontRef idx="minor">
+            <a:schemeClr val="tx1"/>
+          </a:fontRef>
+        </p:style>
+      </p:cxnSp>
+      <p:cxnSp>
+        <p:nvCxnSpPr>
+          <p:cNvPr id="29" name="Straight Arrow Connector 28">
+            <a:extLst>
+              <a:ext uri="{FF2B5EF4-FFF2-40B4-BE49-F238E27FC236}">
+                <a16:creationId xmlns:a16="http://schemas.microsoft.com/office/drawing/2014/main" id="{19E2FC5C-1AFE-4A9B-A7D2-0C0807CE96F3}"/>
+              </a:ext>
+            </a:extLst>
+          </p:cNvPr>
+          <p:cNvCxnSpPr>
+            <a:endCxn id="21" idx="3"/>
+          </p:cNvCxnSpPr>
+          <p:nvPr/>
+        </p:nvCxnSpPr>
+        <p:spPr>
+          <a:xfrm flipV="1">
+            <a:off x="6139943" y="4447378"/>
+            <a:ext cx="917499" cy="454098"/>
+          </a:xfrm>
+          <a:prstGeom prst="straightConnector1">
+            <a:avLst/>
+          </a:prstGeom>
+          <a:ln w="38100">
+            <a:tailEnd type="triangle"/>
+          </a:ln>
+        </p:spPr>
+        <p:style>
+          <a:lnRef idx="1">
+            <a:schemeClr val="dk1"/>
+          </a:lnRef>
+          <a:fillRef idx="0">
+            <a:schemeClr val="dk1"/>
+          </a:fillRef>
+          <a:effectRef idx="0">
+            <a:schemeClr val="dk1"/>
+          </a:effectRef>
+          <a:fontRef idx="minor">
+            <a:schemeClr val="tx1"/>
+          </a:fontRef>
+        </p:style>
+      </p:cxnSp>
+    </p:spTree>
+    <p:extLst>
+      <p:ext uri="{BB962C8B-B14F-4D97-AF65-F5344CB8AC3E}">
+        <p14:creationId xmlns:p14="http://schemas.microsoft.com/office/powerpoint/2010/main" val="2432806890"/>
       </p:ext>
     </p:extLst>
   </p:cSld>

--- a/docs/images/FinalReportCharts.pptx
+++ b/docs/images/FinalReportCharts.pptx
@@ -2193,7 +2193,7 @@
           <a:p>
             <a:fld id="{96A3D2AD-4032-4BCB-95A5-82BD957A2F64}" type="datetimeFigureOut">
               <a:rPr lang="en-US" smtClean="0"/>
-              <a:t>6/15/2019</a:t>
+              <a:t>6/16/2019</a:t>
             </a:fld>
             <a:endParaRPr lang="en-US"/>
           </a:p>
@@ -2391,7 +2391,7 @@
           <a:p>
             <a:fld id="{96A3D2AD-4032-4BCB-95A5-82BD957A2F64}" type="datetimeFigureOut">
               <a:rPr lang="en-US" smtClean="0"/>
-              <a:t>6/15/2019</a:t>
+              <a:t>6/16/2019</a:t>
             </a:fld>
             <a:endParaRPr lang="en-US"/>
           </a:p>
@@ -2599,7 +2599,7 @@
           <a:p>
             <a:fld id="{96A3D2AD-4032-4BCB-95A5-82BD957A2F64}" type="datetimeFigureOut">
               <a:rPr lang="en-US" smtClean="0"/>
-              <a:t>6/15/2019</a:t>
+              <a:t>6/16/2019</a:t>
             </a:fld>
             <a:endParaRPr lang="en-US"/>
           </a:p>
@@ -2797,7 +2797,7 @@
           <a:p>
             <a:fld id="{96A3D2AD-4032-4BCB-95A5-82BD957A2F64}" type="datetimeFigureOut">
               <a:rPr lang="en-US" smtClean="0"/>
-              <a:t>6/15/2019</a:t>
+              <a:t>6/16/2019</a:t>
             </a:fld>
             <a:endParaRPr lang="en-US"/>
           </a:p>
@@ -3072,7 +3072,7 @@
           <a:p>
             <a:fld id="{96A3D2AD-4032-4BCB-95A5-82BD957A2F64}" type="datetimeFigureOut">
               <a:rPr lang="en-US" smtClean="0"/>
-              <a:t>6/15/2019</a:t>
+              <a:t>6/16/2019</a:t>
             </a:fld>
             <a:endParaRPr lang="en-US"/>
           </a:p>
@@ -3337,7 +3337,7 @@
           <a:p>
             <a:fld id="{96A3D2AD-4032-4BCB-95A5-82BD957A2F64}" type="datetimeFigureOut">
               <a:rPr lang="en-US" smtClean="0"/>
-              <a:t>6/15/2019</a:t>
+              <a:t>6/16/2019</a:t>
             </a:fld>
             <a:endParaRPr lang="en-US"/>
           </a:p>
@@ -3749,7 +3749,7 @@
           <a:p>
             <a:fld id="{96A3D2AD-4032-4BCB-95A5-82BD957A2F64}" type="datetimeFigureOut">
               <a:rPr lang="en-US" smtClean="0"/>
-              <a:t>6/15/2019</a:t>
+              <a:t>6/16/2019</a:t>
             </a:fld>
             <a:endParaRPr lang="en-US"/>
           </a:p>
@@ -3890,7 +3890,7 @@
           <a:p>
             <a:fld id="{96A3D2AD-4032-4BCB-95A5-82BD957A2F64}" type="datetimeFigureOut">
               <a:rPr lang="en-US" smtClean="0"/>
-              <a:t>6/15/2019</a:t>
+              <a:t>6/16/2019</a:t>
             </a:fld>
             <a:endParaRPr lang="en-US"/>
           </a:p>
@@ -4003,7 +4003,7 @@
           <a:p>
             <a:fld id="{96A3D2AD-4032-4BCB-95A5-82BD957A2F64}" type="datetimeFigureOut">
               <a:rPr lang="en-US" smtClean="0"/>
-              <a:t>6/15/2019</a:t>
+              <a:t>6/16/2019</a:t>
             </a:fld>
             <a:endParaRPr lang="en-US"/>
           </a:p>
@@ -4314,7 +4314,7 @@
           <a:p>
             <a:fld id="{96A3D2AD-4032-4BCB-95A5-82BD957A2F64}" type="datetimeFigureOut">
               <a:rPr lang="en-US" smtClean="0"/>
-              <a:t>6/15/2019</a:t>
+              <a:t>6/16/2019</a:t>
             </a:fld>
             <a:endParaRPr lang="en-US"/>
           </a:p>
@@ -4602,7 +4602,7 @@
           <a:p>
             <a:fld id="{96A3D2AD-4032-4BCB-95A5-82BD957A2F64}" type="datetimeFigureOut">
               <a:rPr lang="en-US" smtClean="0"/>
-              <a:t>6/15/2019</a:t>
+              <a:t>6/16/2019</a:t>
             </a:fld>
             <a:endParaRPr lang="en-US"/>
           </a:p>
@@ -4843,7 +4843,7 @@
           <a:p>
             <a:fld id="{96A3D2AD-4032-4BCB-95A5-82BD957A2F64}" type="datetimeFigureOut">
               <a:rPr lang="en-US" smtClean="0"/>
-              <a:t>6/15/2019</a:t>
+              <a:t>6/16/2019</a:t>
             </a:fld>
             <a:endParaRPr lang="en-US"/>
           </a:p>
@@ -6386,8 +6386,8 @@
         </p:blipFill>
         <p:spPr>
           <a:xfrm>
-            <a:off x="5814435" y="4619911"/>
-            <a:ext cx="563130" cy="563130"/>
+            <a:off x="4361338" y="4800623"/>
+            <a:ext cx="254023" cy="254023"/>
           </a:xfrm>
           <a:prstGeom prst="rect">
             <a:avLst/>
@@ -6451,13 +6451,12 @@
           </p:cNvPr>
           <p:cNvCxnSpPr>
             <a:cxnSpLocks/>
-            <a:stCxn id="2" idx="1"/>
           </p:cNvCxnSpPr>
           <p:nvPr/>
         </p:nvCxnSpPr>
         <p:spPr>
           <a:xfrm rot="10800000">
-            <a:off x="5073219" y="1033008"/>
+            <a:off x="4436902" y="3491056"/>
             <a:ext cx="741217" cy="959591"/>
           </a:xfrm>
           <a:prstGeom prst="bentConnector2">
@@ -6503,7 +6502,7 @@
         </p:nvCxnSpPr>
         <p:spPr>
           <a:xfrm flipV="1">
-            <a:off x="6096000" y="3446605"/>
+            <a:off x="4441441" y="3472764"/>
             <a:ext cx="0" cy="315767"/>
           </a:xfrm>
           <a:prstGeom prst="straightConnector1">
@@ -6528,101 +6527,236 @@
           </a:fontRef>
         </p:style>
       </p:cxnSp>
-      <p:cxnSp>
-        <p:nvCxnSpPr>
-          <p:cNvPr id="7" name="Straight Connector 6">
-            <a:extLst>
-              <a:ext uri="{FF2B5EF4-FFF2-40B4-BE49-F238E27FC236}">
-                <a16:creationId xmlns:a16="http://schemas.microsoft.com/office/drawing/2014/main" id="{8151C054-046F-4C2A-9AD5-55F02D6B6AEA}"/>
-              </a:ext>
-            </a:extLst>
-          </p:cNvPr>
-          <p:cNvCxnSpPr>
-            <a:stCxn id="3" idx="0"/>
-          </p:cNvCxnSpPr>
-          <p:nvPr/>
-        </p:nvCxnSpPr>
-        <p:spPr>
-          <a:xfrm flipV="1">
-            <a:off x="6096000" y="3762372"/>
-            <a:ext cx="0" cy="857539"/>
-          </a:xfrm>
-          <a:prstGeom prst="line">
-            <a:avLst/>
-          </a:prstGeom>
-          <a:ln w="25400">
-            <a:prstDash val="sysDot"/>
-          </a:ln>
-        </p:spPr>
-        <p:style>
-          <a:lnRef idx="1">
-            <a:schemeClr val="dk1"/>
-          </a:lnRef>
-          <a:fillRef idx="0">
-            <a:schemeClr val="dk1"/>
-          </a:fillRef>
-          <a:effectRef idx="0">
-            <a:schemeClr val="dk1"/>
-          </a:effectRef>
-          <a:fontRef idx="minor">
-            <a:schemeClr val="tx1"/>
-          </a:fontRef>
-        </p:style>
-      </p:cxnSp>
-      <p:cxnSp>
-        <p:nvCxnSpPr>
-          <p:cNvPr id="8" name="Straight Connector 9">
-            <a:extLst>
-              <a:ext uri="{FF2B5EF4-FFF2-40B4-BE49-F238E27FC236}">
-                <a16:creationId xmlns:a16="http://schemas.microsoft.com/office/drawing/2014/main" id="{B0C0F80B-8333-4A3F-8396-7AE1271B047D}"/>
-              </a:ext>
-            </a:extLst>
-          </p:cNvPr>
-          <p:cNvCxnSpPr>
-            <a:cxnSpLocks/>
-          </p:cNvCxnSpPr>
-          <p:nvPr/>
-        </p:nvCxnSpPr>
-        <p:spPr>
-          <a:xfrm rot="16200000" flipV="1">
-            <a:off x="6107289" y="3423721"/>
-            <a:ext cx="1022782" cy="1022781"/>
-          </a:xfrm>
-          <a:prstGeom prst="bentConnector3">
-            <a:avLst>
-              <a:gd name="adj1" fmla="val 99049"/>
-            </a:avLst>
-          </a:prstGeom>
-          <a:ln w="25400">
-            <a:solidFill>
-              <a:schemeClr val="bg1">
-                <a:lumMod val="65000"/>
-              </a:schemeClr>
-            </a:solidFill>
-            <a:prstDash val="sysDash"/>
-          </a:ln>
-        </p:spPr>
-        <p:style>
-          <a:lnRef idx="1">
-            <a:schemeClr val="dk1"/>
-          </a:lnRef>
-          <a:fillRef idx="0">
-            <a:schemeClr val="dk1"/>
-          </a:fillRef>
-          <a:effectRef idx="0">
-            <a:schemeClr val="dk1"/>
-          </a:effectRef>
-          <a:fontRef idx="minor">
-            <a:schemeClr val="tx1"/>
-          </a:fontRef>
-        </p:style>
-      </p:cxnSp>
-      <p:sp>
-        <p:nvSpPr>
-          <p:cNvPr id="10" name="Freeform: Shape 9">
-            <a:extLst>
-              <a:ext uri="{FF2B5EF4-FFF2-40B4-BE49-F238E27FC236}">
-                <a16:creationId xmlns:a16="http://schemas.microsoft.com/office/drawing/2014/main" id="{43D2E9AD-8B91-45BC-8839-29CC52238AE2}"/>
+      <p:sp>
+        <p:nvSpPr>
+          <p:cNvPr id="11" name="TextBox 10">
+            <a:extLst>
+              <a:ext uri="{FF2B5EF4-FFF2-40B4-BE49-F238E27FC236}">
+                <a16:creationId xmlns:a16="http://schemas.microsoft.com/office/drawing/2014/main" id="{7F26AABE-23C3-43E9-9D34-51DF03F91736}"/>
+              </a:ext>
+            </a:extLst>
+          </p:cNvPr>
+          <p:cNvSpPr txBox="1"/>
+          <p:nvPr/>
+        </p:nvSpPr>
+        <p:spPr>
+          <a:xfrm>
+            <a:off x="4506315" y="4098453"/>
+            <a:ext cx="332509" cy="369332"/>
+          </a:xfrm>
+          <a:prstGeom prst="rect">
+            <a:avLst/>
+          </a:prstGeom>
+          <a:noFill/>
+        </p:spPr>
+        <p:txBody>
+          <a:bodyPr wrap="square" rtlCol="0">
+            <a:spAutoFit/>
+          </a:bodyPr>
+          <a:lstStyle/>
+          <a:p>
+            <a:r>
+              <a:rPr lang="en-US" dirty="0">
+                <a:latin typeface="Berlin Sans FB" panose="020E0602020502020306" pitchFamily="34" charset="0"/>
+              </a:rPr>
+              <a:t>X</a:t>
+            </a:r>
+          </a:p>
+        </p:txBody>
+      </p:sp>
+      <p:sp>
+        <p:nvSpPr>
+          <p:cNvPr id="12" name="TextBox 11">
+            <a:extLst>
+              <a:ext uri="{FF2B5EF4-FFF2-40B4-BE49-F238E27FC236}">
+                <a16:creationId xmlns:a16="http://schemas.microsoft.com/office/drawing/2014/main" id="{15D710D0-A2B3-44F7-AC0D-7B051F8D8726}"/>
+              </a:ext>
+            </a:extLst>
+          </p:cNvPr>
+          <p:cNvSpPr txBox="1"/>
+          <p:nvPr/>
+        </p:nvSpPr>
+        <p:spPr>
+          <a:xfrm>
+            <a:off x="4149071" y="3841786"/>
+            <a:ext cx="332509" cy="369332"/>
+          </a:xfrm>
+          <a:prstGeom prst="rect">
+            <a:avLst/>
+          </a:prstGeom>
+          <a:noFill/>
+        </p:spPr>
+        <p:txBody>
+          <a:bodyPr wrap="square" rtlCol="0">
+            <a:spAutoFit/>
+          </a:bodyPr>
+          <a:lstStyle/>
+          <a:p>
+            <a:r>
+              <a:rPr lang="en-US" dirty="0">
+                <a:latin typeface="Berlin Sans FB" panose="020E0602020502020306" pitchFamily="34" charset="0"/>
+              </a:rPr>
+              <a:t>Z</a:t>
+            </a:r>
+          </a:p>
+        </p:txBody>
+      </p:sp>
+      <p:sp>
+        <p:nvSpPr>
+          <p:cNvPr id="13" name="TextBox 12">
+            <a:extLst>
+              <a:ext uri="{FF2B5EF4-FFF2-40B4-BE49-F238E27FC236}">
+                <a16:creationId xmlns:a16="http://schemas.microsoft.com/office/drawing/2014/main" id="{09590425-8D2C-4DDC-A42B-00BF217065CE}"/>
+              </a:ext>
+            </a:extLst>
+          </p:cNvPr>
+          <p:cNvSpPr txBox="1"/>
+          <p:nvPr/>
+        </p:nvSpPr>
+        <p:spPr>
+          <a:xfrm>
+            <a:off x="5087781" y="3555393"/>
+            <a:ext cx="724721" cy="307777"/>
+          </a:xfrm>
+          <a:prstGeom prst="rect">
+            <a:avLst/>
+          </a:prstGeom>
+          <a:noFill/>
+        </p:spPr>
+        <p:txBody>
+          <a:bodyPr wrap="square" rtlCol="0">
+            <a:spAutoFit/>
+          </a:bodyPr>
+          <a:lstStyle/>
+          <a:p>
+            <a:r>
+              <a:rPr lang="en-US" sz="1400" dirty="0">
+                <a:latin typeface="Berlin Sans FB" panose="020E0602020502020306" pitchFamily="34" charset="0"/>
+              </a:rPr>
+              <a:t>New X</a:t>
+            </a:r>
+          </a:p>
+        </p:txBody>
+      </p:sp>
+      <p:sp>
+        <p:nvSpPr>
+          <p:cNvPr id="14" name="TextBox 13">
+            <a:extLst>
+              <a:ext uri="{FF2B5EF4-FFF2-40B4-BE49-F238E27FC236}">
+                <a16:creationId xmlns:a16="http://schemas.microsoft.com/office/drawing/2014/main" id="{2448D773-971A-4F74-A3AE-595E57380F55}"/>
+              </a:ext>
+            </a:extLst>
+          </p:cNvPr>
+          <p:cNvSpPr txBox="1"/>
+          <p:nvPr/>
+        </p:nvSpPr>
+        <p:spPr>
+          <a:xfrm>
+            <a:off x="4115742" y="3173855"/>
+            <a:ext cx="957475" cy="307777"/>
+          </a:xfrm>
+          <a:prstGeom prst="rect">
+            <a:avLst/>
+          </a:prstGeom>
+          <a:noFill/>
+        </p:spPr>
+        <p:txBody>
+          <a:bodyPr wrap="square" rtlCol="0">
+            <a:spAutoFit/>
+          </a:bodyPr>
+          <a:lstStyle/>
+          <a:p>
+            <a:r>
+              <a:rPr lang="en-US" sz="1400" dirty="0">
+                <a:latin typeface="Berlin Sans FB" panose="020E0602020502020306" pitchFamily="34" charset="0"/>
+              </a:rPr>
+              <a:t>New Z</a:t>
+            </a:r>
+          </a:p>
+        </p:txBody>
+      </p:sp>
+      <p:sp>
+        <p:nvSpPr>
+          <p:cNvPr id="16" name="TextBox 15">
+            <a:extLst>
+              <a:ext uri="{FF2B5EF4-FFF2-40B4-BE49-F238E27FC236}">
+                <a16:creationId xmlns:a16="http://schemas.microsoft.com/office/drawing/2014/main" id="{F2730241-9E77-4DD3-9E6F-7523416D4805}"/>
+              </a:ext>
+            </a:extLst>
+          </p:cNvPr>
+          <p:cNvSpPr txBox="1"/>
+          <p:nvPr/>
+        </p:nvSpPr>
+        <p:spPr>
+          <a:xfrm>
+            <a:off x="4801214" y="610230"/>
+            <a:ext cx="2589572" cy="377212"/>
+          </a:xfrm>
+          <a:prstGeom prst="rect">
+            <a:avLst/>
+          </a:prstGeom>
+          <a:noFill/>
+        </p:spPr>
+        <p:txBody>
+          <a:bodyPr wrap="square" rtlCol="0">
+            <a:spAutoFit/>
+          </a:bodyPr>
+          <a:lstStyle/>
+          <a:p>
+            <a:pPr algn="ctr"/>
+            <a:r>
+              <a:rPr lang="en-US" dirty="0">
+                <a:latin typeface="Berlin Sans FB" panose="020E0602020502020306" pitchFamily="34" charset="0"/>
+              </a:rPr>
+              <a:t>&lt;Distance, X, Z&gt;</a:t>
+            </a:r>
+          </a:p>
+        </p:txBody>
+      </p:sp>
+      <p:sp>
+        <p:nvSpPr>
+          <p:cNvPr id="17" name="TextBox 16">
+            <a:extLst>
+              <a:ext uri="{FF2B5EF4-FFF2-40B4-BE49-F238E27FC236}">
+                <a16:creationId xmlns:a16="http://schemas.microsoft.com/office/drawing/2014/main" id="{7EA2FD99-DFD6-422C-802C-E826236F8862}"/>
+              </a:ext>
+            </a:extLst>
+          </p:cNvPr>
+          <p:cNvSpPr txBox="1"/>
+          <p:nvPr/>
+        </p:nvSpPr>
+        <p:spPr>
+          <a:xfrm>
+            <a:off x="4294909" y="319890"/>
+            <a:ext cx="3602182" cy="369332"/>
+          </a:xfrm>
+          <a:prstGeom prst="rect">
+            <a:avLst/>
+          </a:prstGeom>
+          <a:noFill/>
+        </p:spPr>
+        <p:txBody>
+          <a:bodyPr wrap="square" rtlCol="0">
+            <a:spAutoFit/>
+          </a:bodyPr>
+          <a:lstStyle/>
+          <a:p>
+            <a:pPr algn="ctr"/>
+            <a:r>
+              <a:rPr lang="en-US" dirty="0">
+                <a:latin typeface="Berlin Sans FB" panose="020E0602020502020306" pitchFamily="34" charset="0"/>
+              </a:rPr>
+              <a:t>Horizontal Velocity Compensation</a:t>
+            </a:r>
+          </a:p>
+        </p:txBody>
+      </p:sp>
+      <p:sp>
+        <p:nvSpPr>
+          <p:cNvPr id="21" name="Oval 20">
+            <a:extLst>
+              <a:ext uri="{FF2B5EF4-FFF2-40B4-BE49-F238E27FC236}">
+                <a16:creationId xmlns:a16="http://schemas.microsoft.com/office/drawing/2014/main" id="{37564D01-AB64-4AE6-88D6-23FF9DE678DD}"/>
               </a:ext>
             </a:extLst>
           </p:cNvPr>
@@ -6630,56 +6764,18 @@
           <p:nvPr/>
         </p:nvSpPr>
         <p:spPr>
-          <a:xfrm rot="2653449">
-            <a:off x="6115996" y="4297359"/>
-            <a:ext cx="600197" cy="265667"/>
-          </a:xfrm>
-          <a:custGeom>
-            <a:avLst/>
-            <a:gdLst>
-              <a:gd name="connsiteX0" fmla="*/ 212436 w 212436"/>
-              <a:gd name="connsiteY0" fmla="*/ 64713 h 64713"/>
-              <a:gd name="connsiteX1" fmla="*/ 101600 w 212436"/>
-              <a:gd name="connsiteY1" fmla="*/ 59 h 64713"/>
-              <a:gd name="connsiteX2" fmla="*/ 0 w 212436"/>
-              <a:gd name="connsiteY2" fmla="*/ 55477 h 64713"/>
-            </a:gdLst>
-            <a:ahLst/>
-            <a:cxnLst>
-              <a:cxn ang="0">
-                <a:pos x="connsiteX0" y="connsiteY0"/>
-              </a:cxn>
-              <a:cxn ang="0">
-                <a:pos x="connsiteX1" y="connsiteY1"/>
-              </a:cxn>
-              <a:cxn ang="0">
-                <a:pos x="connsiteX2" y="connsiteY2"/>
-              </a:cxn>
-            </a:cxnLst>
-            <a:rect l="l" t="t" r="r" b="b"/>
-            <a:pathLst>
-              <a:path w="212436" h="64713">
-                <a:moveTo>
-                  <a:pt x="212436" y="64713"/>
-                </a:moveTo>
-                <a:cubicBezTo>
-                  <a:pt x="174721" y="33155"/>
-                  <a:pt x="137006" y="1598"/>
-                  <a:pt x="101600" y="59"/>
-                </a:cubicBezTo>
-                <a:cubicBezTo>
-                  <a:pt x="66194" y="-1480"/>
-                  <a:pt x="33097" y="26998"/>
-                  <a:pt x="0" y="55477"/>
-                </a:cubicBezTo>
-              </a:path>
-            </a:pathLst>
-          </a:custGeom>
-          <a:noFill/>
-          <a:ln w="25400">
-            <a:solidFill>
-              <a:srgbClr val="00B050"/>
-            </a:solidFill>
+          <a:xfrm>
+            <a:off x="5386324" y="4377024"/>
+            <a:ext cx="113072" cy="113072"/>
+          </a:xfrm>
+          <a:prstGeom prst="ellipse">
+            <a:avLst/>
+          </a:prstGeom>
+          <a:solidFill>
+            <a:srgbClr val="FF0000"/>
+          </a:solidFill>
+          <a:ln w="38100">
+            <a:noFill/>
           </a:ln>
         </p:spPr>
         <p:style>
@@ -6699,7 +6795,12 @@
           </a:fontRef>
         </p:style>
         <p:txBody>
-          <a:bodyPr rtlCol="0" anchor="ctr"/>
+          <a:bodyPr rot="0" spcFirstLastPara="0" vertOverflow="overflow" horzOverflow="overflow" vert="horz" wrap="square" lIns="91440" tIns="45720" rIns="91440" bIns="45720" numCol="1" spcCol="0" rtlCol="0" fromWordArt="0" anchor="ctr" anchorCtr="0" forceAA="0" compatLnSpc="1">
+            <a:prstTxWarp prst="textNoShape">
+              <a:avLst/>
+            </a:prstTxWarp>
+            <a:noAutofit/>
+          </a:bodyPr>
           <a:lstStyle/>
           <a:p>
             <a:pPr algn="ctr"/>
@@ -6707,297 +6808,34 @@
           </a:p>
         </p:txBody>
       </p:sp>
-      <p:sp>
-        <p:nvSpPr>
-          <p:cNvPr id="11" name="TextBox 10">
-            <a:extLst>
-              <a:ext uri="{FF2B5EF4-FFF2-40B4-BE49-F238E27FC236}">
-                <a16:creationId xmlns:a16="http://schemas.microsoft.com/office/drawing/2014/main" id="{7F26AABE-23C3-43E9-9D34-51DF03F91736}"/>
-              </a:ext>
-            </a:extLst>
-          </p:cNvPr>
-          <p:cNvSpPr txBox="1"/>
-          <p:nvPr/>
-        </p:nvSpPr>
-        <p:spPr>
-          <a:xfrm>
-            <a:off x="5117162" y="1957590"/>
-            <a:ext cx="332509" cy="369332"/>
-          </a:xfrm>
-          <a:prstGeom prst="rect">
-            <a:avLst/>
-          </a:prstGeom>
-          <a:noFill/>
-        </p:spPr>
-        <p:txBody>
-          <a:bodyPr wrap="square" rtlCol="0">
-            <a:spAutoFit/>
-          </a:bodyPr>
-          <a:lstStyle/>
-          <a:p>
-            <a:r>
-              <a:rPr lang="en-US" dirty="0">
-                <a:latin typeface="Berlin Sans FB" panose="020E0602020502020306" pitchFamily="34" charset="0"/>
-              </a:rPr>
-              <a:t>X</a:t>
-            </a:r>
-          </a:p>
-        </p:txBody>
-      </p:sp>
-      <p:sp>
-        <p:nvSpPr>
-          <p:cNvPr id="12" name="TextBox 11">
-            <a:extLst>
-              <a:ext uri="{FF2B5EF4-FFF2-40B4-BE49-F238E27FC236}">
-                <a16:creationId xmlns:a16="http://schemas.microsoft.com/office/drawing/2014/main" id="{15D710D0-A2B3-44F7-AC0D-7B051F8D8726}"/>
-              </a:ext>
-            </a:extLst>
-          </p:cNvPr>
-          <p:cNvSpPr txBox="1"/>
-          <p:nvPr/>
-        </p:nvSpPr>
-        <p:spPr>
-          <a:xfrm>
-            <a:off x="4740708" y="1400210"/>
-            <a:ext cx="332509" cy="369332"/>
-          </a:xfrm>
-          <a:prstGeom prst="rect">
-            <a:avLst/>
-          </a:prstGeom>
-          <a:noFill/>
-        </p:spPr>
-        <p:txBody>
-          <a:bodyPr wrap="square" rtlCol="0">
-            <a:spAutoFit/>
-          </a:bodyPr>
-          <a:lstStyle/>
-          <a:p>
-            <a:r>
-              <a:rPr lang="en-US" dirty="0">
-                <a:latin typeface="Berlin Sans FB" panose="020E0602020502020306" pitchFamily="34" charset="0"/>
-              </a:rPr>
-              <a:t>Z</a:t>
-            </a:r>
-          </a:p>
-        </p:txBody>
-      </p:sp>
-      <p:sp>
-        <p:nvSpPr>
-          <p:cNvPr id="13" name="TextBox 12">
-            <a:extLst>
-              <a:ext uri="{FF2B5EF4-FFF2-40B4-BE49-F238E27FC236}">
-                <a16:creationId xmlns:a16="http://schemas.microsoft.com/office/drawing/2014/main" id="{09590425-8D2C-4DDC-A42B-00BF217065CE}"/>
-              </a:ext>
-            </a:extLst>
-          </p:cNvPr>
-          <p:cNvSpPr txBox="1"/>
-          <p:nvPr/>
-        </p:nvSpPr>
-        <p:spPr>
-          <a:xfrm>
-            <a:off x="6377565" y="3078185"/>
-            <a:ext cx="332509" cy="369332"/>
-          </a:xfrm>
-          <a:prstGeom prst="rect">
-            <a:avLst/>
-          </a:prstGeom>
-          <a:noFill/>
-        </p:spPr>
-        <p:txBody>
-          <a:bodyPr wrap="square" rtlCol="0">
-            <a:spAutoFit/>
-          </a:bodyPr>
-          <a:lstStyle/>
-          <a:p>
-            <a:r>
-              <a:rPr lang="en-US" dirty="0">
-                <a:latin typeface="Berlin Sans FB" panose="020E0602020502020306" pitchFamily="34" charset="0"/>
-              </a:rPr>
-              <a:t>X</a:t>
-            </a:r>
-          </a:p>
-        </p:txBody>
-      </p:sp>
-      <p:sp>
-        <p:nvSpPr>
-          <p:cNvPr id="14" name="TextBox 13">
-            <a:extLst>
-              <a:ext uri="{FF2B5EF4-FFF2-40B4-BE49-F238E27FC236}">
-                <a16:creationId xmlns:a16="http://schemas.microsoft.com/office/drawing/2014/main" id="{2448D773-971A-4F74-A3AE-595E57380F55}"/>
-              </a:ext>
-            </a:extLst>
-          </p:cNvPr>
-          <p:cNvSpPr txBox="1"/>
-          <p:nvPr/>
-        </p:nvSpPr>
-        <p:spPr>
-          <a:xfrm>
-            <a:off x="7141359" y="3702627"/>
-            <a:ext cx="332509" cy="369332"/>
-          </a:xfrm>
-          <a:prstGeom prst="rect">
-            <a:avLst/>
-          </a:prstGeom>
-          <a:noFill/>
-        </p:spPr>
-        <p:txBody>
-          <a:bodyPr wrap="square" rtlCol="0">
-            <a:spAutoFit/>
-          </a:bodyPr>
-          <a:lstStyle/>
-          <a:p>
-            <a:r>
-              <a:rPr lang="en-US" dirty="0">
-                <a:latin typeface="Berlin Sans FB" panose="020E0602020502020306" pitchFamily="34" charset="0"/>
-              </a:rPr>
-              <a:t>Z</a:t>
-            </a:r>
-          </a:p>
-        </p:txBody>
-      </p:sp>
-      <p:sp>
-        <p:nvSpPr>
-          <p:cNvPr id="16" name="TextBox 15">
-            <a:extLst>
-              <a:ext uri="{FF2B5EF4-FFF2-40B4-BE49-F238E27FC236}">
-                <a16:creationId xmlns:a16="http://schemas.microsoft.com/office/drawing/2014/main" id="{F2730241-9E77-4DD3-9E6F-7523416D4805}"/>
-              </a:ext>
-            </a:extLst>
-          </p:cNvPr>
-          <p:cNvSpPr txBox="1"/>
-          <p:nvPr/>
-        </p:nvSpPr>
-        <p:spPr>
-          <a:xfrm>
-            <a:off x="4801214" y="610230"/>
-            <a:ext cx="2589572" cy="377212"/>
-          </a:xfrm>
-          <a:prstGeom prst="rect">
-            <a:avLst/>
-          </a:prstGeom>
-          <a:noFill/>
-        </p:spPr>
-        <p:txBody>
-          <a:bodyPr wrap="square" rtlCol="0">
-            <a:spAutoFit/>
-          </a:bodyPr>
-          <a:lstStyle/>
-          <a:p>
-            <a:pPr algn="ctr"/>
-            <a:r>
-              <a:rPr lang="en-US" dirty="0">
-                <a:latin typeface="Berlin Sans FB" panose="020E0602020502020306" pitchFamily="34" charset="0"/>
-              </a:rPr>
-              <a:t>&lt;Distance, X, Z&gt;</a:t>
-            </a:r>
-          </a:p>
-        </p:txBody>
-      </p:sp>
-      <p:sp>
-        <p:nvSpPr>
-          <p:cNvPr id="17" name="TextBox 16">
-            <a:extLst>
-              <a:ext uri="{FF2B5EF4-FFF2-40B4-BE49-F238E27FC236}">
-                <a16:creationId xmlns:a16="http://schemas.microsoft.com/office/drawing/2014/main" id="{7EA2FD99-DFD6-422C-802C-E826236F8862}"/>
-              </a:ext>
-            </a:extLst>
-          </p:cNvPr>
-          <p:cNvSpPr txBox="1"/>
-          <p:nvPr/>
-        </p:nvSpPr>
-        <p:spPr>
-          <a:xfrm>
-            <a:off x="4294909" y="319890"/>
-            <a:ext cx="3602182" cy="369332"/>
-          </a:xfrm>
-          <a:prstGeom prst="rect">
-            <a:avLst/>
-          </a:prstGeom>
-          <a:noFill/>
-        </p:spPr>
-        <p:txBody>
-          <a:bodyPr wrap="square" rtlCol="0">
-            <a:spAutoFit/>
-          </a:bodyPr>
-          <a:lstStyle/>
-          <a:p>
-            <a:pPr algn="ctr"/>
-            <a:r>
-              <a:rPr lang="en-US" dirty="0">
-                <a:latin typeface="Berlin Sans FB" panose="020E0602020502020306" pitchFamily="34" charset="0"/>
-              </a:rPr>
-              <a:t>Horizontal Velocity Compensation</a:t>
-            </a:r>
-          </a:p>
-        </p:txBody>
-      </p:sp>
-      <p:sp>
-        <p:nvSpPr>
-          <p:cNvPr id="18" name="TextBox 17">
-            <a:extLst>
-              <a:ext uri="{FF2B5EF4-FFF2-40B4-BE49-F238E27FC236}">
-                <a16:creationId xmlns:a16="http://schemas.microsoft.com/office/drawing/2014/main" id="{1ADD1A82-C92D-4640-99DE-7D737618A00E}"/>
-              </a:ext>
-            </a:extLst>
-          </p:cNvPr>
-          <p:cNvSpPr txBox="1"/>
-          <p:nvPr/>
-        </p:nvSpPr>
-        <p:spPr>
-          <a:xfrm>
-            <a:off x="4488877" y="4304805"/>
-            <a:ext cx="1219341" cy="369332"/>
-          </a:xfrm>
-          <a:prstGeom prst="rect">
-            <a:avLst/>
-          </a:prstGeom>
-          <a:noFill/>
-          <a:ln w="38100">
-            <a:solidFill>
-              <a:schemeClr val="dk1"/>
-            </a:solidFill>
-          </a:ln>
-        </p:spPr>
-        <p:txBody>
-          <a:bodyPr wrap="square" rtlCol="0">
-            <a:spAutoFit/>
-          </a:bodyPr>
-          <a:lstStyle/>
-          <a:p>
-            <a:pPr algn="ctr"/>
-            <a:r>
-              <a:rPr lang="en-US" dirty="0">
-                <a:latin typeface="Berlin Sans FB" panose="020E0602020502020306" pitchFamily="34" charset="0"/>
-              </a:rPr>
-              <a:t>Predicted</a:t>
-            </a:r>
-          </a:p>
-        </p:txBody>
-      </p:sp>
       <p:cxnSp>
         <p:nvCxnSpPr>
-          <p:cNvPr id="19" name="Straight Connector 18">
-            <a:extLst>
-              <a:ext uri="{FF2B5EF4-FFF2-40B4-BE49-F238E27FC236}">
-                <a16:creationId xmlns:a16="http://schemas.microsoft.com/office/drawing/2014/main" id="{0726D50E-274F-4B72-90F4-42CDF8E9ED97}"/>
+          <p:cNvPr id="24" name="Straight Arrow Connector 23">
+            <a:extLst>
+              <a:ext uri="{FF2B5EF4-FFF2-40B4-BE49-F238E27FC236}">
+                <a16:creationId xmlns:a16="http://schemas.microsoft.com/office/drawing/2014/main" id="{78420883-C2E0-4DAB-AD4A-B0CB238FFDB8}"/>
               </a:ext>
             </a:extLst>
           </p:cNvPr>
           <p:cNvCxnSpPr>
             <a:cxnSpLocks/>
-            <a:stCxn id="18" idx="3"/>
           </p:cNvCxnSpPr>
           <p:nvPr/>
         </p:nvCxnSpPr>
         <p:spPr>
-          <a:xfrm flipV="1">
-            <a:off x="5708218" y="4463937"/>
-            <a:ext cx="596788" cy="25534"/>
-          </a:xfrm>
-          <a:prstGeom prst="line">
-            <a:avLst/>
-          </a:prstGeom>
-          <a:ln w="38100"/>
+          <a:xfrm flipH="1" flipV="1">
+            <a:off x="4485384" y="3472425"/>
+            <a:ext cx="957476" cy="957476"/>
+          </a:xfrm>
+          <a:prstGeom prst="straightConnector1">
+            <a:avLst/>
+          </a:prstGeom>
+          <a:ln w="28575">
+            <a:solidFill>
+              <a:srgbClr val="FF9393"/>
+            </a:solidFill>
+            <a:tailEnd type="triangle"/>
+          </a:ln>
         </p:spPr>
         <p:style>
           <a:lnRef idx="1">
@@ -7014,12 +6852,89 @@
           </a:fontRef>
         </p:style>
       </p:cxnSp>
-      <p:sp>
-        <p:nvSpPr>
-          <p:cNvPr id="21" name="Oval 20">
-            <a:extLst>
-              <a:ext uri="{FF2B5EF4-FFF2-40B4-BE49-F238E27FC236}">
-                <a16:creationId xmlns:a16="http://schemas.microsoft.com/office/drawing/2014/main" id="{37564D01-AB64-4AE6-88D6-23FF9DE678DD}"/>
+      <p:cxnSp>
+        <p:nvCxnSpPr>
+          <p:cNvPr id="29" name="Straight Arrow Connector 28">
+            <a:extLst>
+              <a:ext uri="{FF2B5EF4-FFF2-40B4-BE49-F238E27FC236}">
+                <a16:creationId xmlns:a16="http://schemas.microsoft.com/office/drawing/2014/main" id="{19E2FC5C-1AFE-4A9B-A7D2-0C0807CE96F3}"/>
+              </a:ext>
+            </a:extLst>
+          </p:cNvPr>
+          <p:cNvCxnSpPr>
+            <a:cxnSpLocks/>
+            <a:endCxn id="21" idx="3"/>
+          </p:cNvCxnSpPr>
+          <p:nvPr/>
+        </p:nvCxnSpPr>
+        <p:spPr>
+          <a:xfrm flipV="1">
+            <a:off x="4485384" y="4473537"/>
+            <a:ext cx="917499" cy="454098"/>
+          </a:xfrm>
+          <a:prstGeom prst="straightConnector1">
+            <a:avLst/>
+          </a:prstGeom>
+          <a:ln w="38100">
+            <a:tailEnd type="triangle"/>
+          </a:ln>
+        </p:spPr>
+        <p:style>
+          <a:lnRef idx="1">
+            <a:schemeClr val="dk1"/>
+          </a:lnRef>
+          <a:fillRef idx="0">
+            <a:schemeClr val="dk1"/>
+          </a:fillRef>
+          <a:effectRef idx="0">
+            <a:schemeClr val="dk1"/>
+          </a:effectRef>
+          <a:fontRef idx="minor">
+            <a:schemeClr val="tx1"/>
+          </a:fontRef>
+        </p:style>
+      </p:cxnSp>
+      <p:sp>
+        <p:nvSpPr>
+          <p:cNvPr id="9" name="TextBox 8">
+            <a:extLst>
+              <a:ext uri="{FF2B5EF4-FFF2-40B4-BE49-F238E27FC236}">
+                <a16:creationId xmlns:a16="http://schemas.microsoft.com/office/drawing/2014/main" id="{BCC7809E-F6DD-4F7E-BCBB-AF0F51C172B5}"/>
+              </a:ext>
+            </a:extLst>
+          </p:cNvPr>
+          <p:cNvSpPr txBox="1"/>
+          <p:nvPr/>
+        </p:nvSpPr>
+        <p:spPr>
+          <a:xfrm>
+            <a:off x="4739407" y="4765859"/>
+            <a:ext cx="1663337" cy="369332"/>
+          </a:xfrm>
+          <a:prstGeom prst="rect">
+            <a:avLst/>
+          </a:prstGeom>
+          <a:noFill/>
+        </p:spPr>
+        <p:txBody>
+          <a:bodyPr wrap="square" rtlCol="0">
+            <a:spAutoFit/>
+          </a:bodyPr>
+          <a:lstStyle/>
+          <a:p>
+            <a:r>
+              <a:rPr lang="en-US" dirty="0"/>
+              <a:t>Distance</a:t>
+            </a:r>
+          </a:p>
+        </p:txBody>
+      </p:sp>
+      <p:sp>
+        <p:nvSpPr>
+          <p:cNvPr id="15" name="Freeform: Shape 14">
+            <a:extLst>
+              <a:ext uri="{FF2B5EF4-FFF2-40B4-BE49-F238E27FC236}">
+                <a16:creationId xmlns:a16="http://schemas.microsoft.com/office/drawing/2014/main" id="{511D642B-9BBE-4C93-B363-73A0801386CE}"/>
               </a:ext>
             </a:extLst>
           </p:cNvPr>
@@ -7028,17 +6943,254 @@
         </p:nvSpPr>
         <p:spPr>
           <a:xfrm>
-            <a:off x="7040883" y="4350865"/>
-            <a:ext cx="113072" cy="113072"/>
-          </a:xfrm>
-          <a:prstGeom prst="ellipse">
-            <a:avLst/>
-          </a:prstGeom>
-          <a:solidFill>
-            <a:srgbClr val="FF0000"/>
-          </a:solidFill>
+            <a:off x="4467567" y="4441405"/>
+            <a:ext cx="444137" cy="243840"/>
+          </a:xfrm>
+          <a:custGeom>
+            <a:avLst/>
+            <a:gdLst>
+              <a:gd name="connsiteX0" fmla="*/ 0 w 444137"/>
+              <a:gd name="connsiteY0" fmla="*/ 0 h 243840"/>
+              <a:gd name="connsiteX1" fmla="*/ 226423 w 444137"/>
+              <a:gd name="connsiteY1" fmla="*/ 78377 h 243840"/>
+              <a:gd name="connsiteX2" fmla="*/ 444137 w 444137"/>
+              <a:gd name="connsiteY2" fmla="*/ 243840 h 243840"/>
+            </a:gdLst>
+            <a:ahLst/>
+            <a:cxnLst>
+              <a:cxn ang="0">
+                <a:pos x="connsiteX0" y="connsiteY0"/>
+              </a:cxn>
+              <a:cxn ang="0">
+                <a:pos x="connsiteX1" y="connsiteY1"/>
+              </a:cxn>
+              <a:cxn ang="0">
+                <a:pos x="connsiteX2" y="connsiteY2"/>
+              </a:cxn>
+            </a:cxnLst>
+            <a:rect l="l" t="t" r="r" b="b"/>
+            <a:pathLst>
+              <a:path w="444137" h="243840">
+                <a:moveTo>
+                  <a:pt x="0" y="0"/>
+                </a:moveTo>
+                <a:cubicBezTo>
+                  <a:pt x="76200" y="18868"/>
+                  <a:pt x="152400" y="37737"/>
+                  <a:pt x="226423" y="78377"/>
+                </a:cubicBezTo>
+                <a:cubicBezTo>
+                  <a:pt x="300446" y="119017"/>
+                  <a:pt x="372291" y="181428"/>
+                  <a:pt x="444137" y="243840"/>
+                </a:cubicBezTo>
+              </a:path>
+            </a:pathLst>
+          </a:custGeom>
+          <a:ln/>
+        </p:spPr>
+        <p:style>
+          <a:lnRef idx="1">
+            <a:schemeClr val="accent2"/>
+          </a:lnRef>
+          <a:fillRef idx="0">
+            <a:schemeClr val="accent2"/>
+          </a:fillRef>
+          <a:effectRef idx="0">
+            <a:schemeClr val="accent2"/>
+          </a:effectRef>
+          <a:fontRef idx="minor">
+            <a:schemeClr val="tx1"/>
+          </a:fontRef>
+        </p:style>
+        <p:txBody>
+          <a:bodyPr rtlCol="0" anchor="ctr"/>
+          <a:lstStyle/>
+          <a:p>
+            <a:pPr algn="ctr"/>
+            <a:endParaRPr lang="en-US"/>
+          </a:p>
+        </p:txBody>
+      </p:sp>
+      <p:sp>
+        <p:nvSpPr>
+          <p:cNvPr id="20" name="TextBox 19">
+            <a:extLst>
+              <a:ext uri="{FF2B5EF4-FFF2-40B4-BE49-F238E27FC236}">
+                <a16:creationId xmlns:a16="http://schemas.microsoft.com/office/drawing/2014/main" id="{177E9CC8-B017-4924-AB39-633F7BC62617}"/>
+              </a:ext>
+            </a:extLst>
+          </p:cNvPr>
+          <p:cNvSpPr txBox="1"/>
+          <p:nvPr/>
+        </p:nvSpPr>
+        <p:spPr>
+          <a:xfrm>
+            <a:off x="2064745" y="4135082"/>
+            <a:ext cx="2244907" cy="369332"/>
+          </a:xfrm>
+          <a:prstGeom prst="rect">
+            <a:avLst/>
+          </a:prstGeom>
+          <a:noFill/>
+        </p:spPr>
+        <p:txBody>
+          <a:bodyPr wrap="square" rtlCol="0">
+            <a:spAutoFit/>
+          </a:bodyPr>
+          <a:lstStyle/>
+          <a:p>
+            <a:r>
+              <a:rPr lang="en-US" dirty="0"/>
+              <a:t>Regression output</a:t>
+            </a:r>
+          </a:p>
+        </p:txBody>
+      </p:sp>
+      <p:cxnSp>
+        <p:nvCxnSpPr>
+          <p:cNvPr id="25" name="Straight Arrow Connector 24">
+            <a:extLst>
+              <a:ext uri="{FF2B5EF4-FFF2-40B4-BE49-F238E27FC236}">
+                <a16:creationId xmlns:a16="http://schemas.microsoft.com/office/drawing/2014/main" id="{36F30231-E9C7-4511-9812-8BDF19EAF2C4}"/>
+              </a:ext>
+            </a:extLst>
+          </p:cNvPr>
+          <p:cNvCxnSpPr>
+            <a:cxnSpLocks/>
+          </p:cNvCxnSpPr>
+          <p:nvPr/>
+        </p:nvCxnSpPr>
+        <p:spPr>
+          <a:xfrm>
+            <a:off x="3418658" y="3951843"/>
+            <a:ext cx="1162260" cy="625693"/>
+          </a:xfrm>
+          <a:prstGeom prst="straightConnector1">
+            <a:avLst/>
+          </a:prstGeom>
+          <a:ln>
+            <a:tailEnd type="triangle"/>
+          </a:ln>
+        </p:spPr>
+        <p:style>
+          <a:lnRef idx="1">
+            <a:schemeClr val="accent1"/>
+          </a:lnRef>
+          <a:fillRef idx="0">
+            <a:schemeClr val="accent1"/>
+          </a:fillRef>
+          <a:effectRef idx="0">
+            <a:schemeClr val="accent1"/>
+          </a:effectRef>
+          <a:fontRef idx="minor">
+            <a:schemeClr val="tx1"/>
+          </a:fontRef>
+        </p:style>
+      </p:cxnSp>
+      <p:cxnSp>
+        <p:nvCxnSpPr>
+          <p:cNvPr id="53" name="Straight Connector 52">
+            <a:extLst>
+              <a:ext uri="{FF2B5EF4-FFF2-40B4-BE49-F238E27FC236}">
+                <a16:creationId xmlns:a16="http://schemas.microsoft.com/office/drawing/2014/main" id="{8CDFC67F-E4B3-4045-9F42-2204FD51FFE5}"/>
+              </a:ext>
+            </a:extLst>
+          </p:cNvPr>
+          <p:cNvCxnSpPr>
+            <a:stCxn id="21" idx="0"/>
+          </p:cNvCxnSpPr>
+          <p:nvPr/>
+        </p:nvCxnSpPr>
+        <p:spPr>
+          <a:xfrm flipH="1" flipV="1">
+            <a:off x="4801214" y="3335383"/>
+            <a:ext cx="641646" cy="1041641"/>
+          </a:xfrm>
+          <a:prstGeom prst="line">
+            <a:avLst/>
+          </a:prstGeom>
+          <a:ln w="28575"/>
+        </p:spPr>
+        <p:style>
+          <a:lnRef idx="1">
+            <a:schemeClr val="accent6"/>
+          </a:lnRef>
+          <a:fillRef idx="0">
+            <a:schemeClr val="accent6"/>
+          </a:fillRef>
+          <a:effectRef idx="0">
+            <a:schemeClr val="accent6"/>
+          </a:effectRef>
+          <a:fontRef idx="minor">
+            <a:schemeClr val="tx1"/>
+          </a:fontRef>
+        </p:style>
+      </p:cxnSp>
+      <p:cxnSp>
+        <p:nvCxnSpPr>
+          <p:cNvPr id="54" name="Straight Connector 53">
+            <a:extLst>
+              <a:ext uri="{FF2B5EF4-FFF2-40B4-BE49-F238E27FC236}">
+                <a16:creationId xmlns:a16="http://schemas.microsoft.com/office/drawing/2014/main" id="{CFF4BC59-9A40-4B87-947B-C124FFE6E8FA}"/>
+              </a:ext>
+            </a:extLst>
+          </p:cNvPr>
+          <p:cNvCxnSpPr>
+            <a:cxnSpLocks/>
+          </p:cNvCxnSpPr>
+          <p:nvPr/>
+        </p:nvCxnSpPr>
+        <p:spPr>
+          <a:xfrm flipH="1">
+            <a:off x="4580918" y="3368316"/>
+            <a:ext cx="220296" cy="130642"/>
+          </a:xfrm>
+          <a:prstGeom prst="line">
+            <a:avLst/>
+          </a:prstGeom>
+          <a:ln w="28575"/>
+        </p:spPr>
+        <p:style>
+          <a:lnRef idx="1">
+            <a:schemeClr val="accent6"/>
+          </a:lnRef>
+          <a:fillRef idx="0">
+            <a:schemeClr val="accent6"/>
+          </a:fillRef>
+          <a:effectRef idx="0">
+            <a:schemeClr val="accent6"/>
+          </a:effectRef>
+          <a:fontRef idx="minor">
+            <a:schemeClr val="tx1"/>
+          </a:fontRef>
+        </p:style>
+      </p:cxnSp>
+      <p:sp>
+        <p:nvSpPr>
+          <p:cNvPr id="58" name="Rectangle 57">
+            <a:extLst>
+              <a:ext uri="{FF2B5EF4-FFF2-40B4-BE49-F238E27FC236}">
+                <a16:creationId xmlns:a16="http://schemas.microsoft.com/office/drawing/2014/main" id="{787B4932-AD6E-4703-BB5B-73432F62595D}"/>
+              </a:ext>
+            </a:extLst>
+          </p:cNvPr>
+          <p:cNvSpPr/>
+          <p:nvPr/>
+        </p:nvSpPr>
+        <p:spPr>
+          <a:xfrm rot="19486874">
+            <a:off x="4748415" y="3384079"/>
+            <a:ext cx="105598" cy="105598"/>
+          </a:xfrm>
+          <a:prstGeom prst="rect">
+            <a:avLst/>
+          </a:prstGeom>
+          <a:noFill/>
           <a:ln w="38100">
-            <a:noFill/>
+            <a:solidFill>
+              <a:schemeClr val="accent6"/>
+            </a:solidFill>
           </a:ln>
         </p:spPr>
         <p:style>
@@ -7058,12 +7210,7 @@
           </a:fontRef>
         </p:style>
         <p:txBody>
-          <a:bodyPr rot="0" spcFirstLastPara="0" vertOverflow="overflow" horzOverflow="overflow" vert="horz" wrap="square" lIns="91440" tIns="45720" rIns="91440" bIns="45720" numCol="1" spcCol="0" rtlCol="0" fromWordArt="0" anchor="ctr" anchorCtr="0" forceAA="0" compatLnSpc="1">
-            <a:prstTxWarp prst="textNoShape">
-              <a:avLst/>
-            </a:prstTxWarp>
-            <a:noAutofit/>
-          </a:bodyPr>
+          <a:bodyPr rtlCol="0" anchor="ctr"/>
           <a:lstStyle/>
           <a:p>
             <a:pPr algn="ctr"/>
@@ -7071,127 +7218,6 @@
           </a:p>
         </p:txBody>
       </p:sp>
-      <p:sp>
-        <p:nvSpPr>
-          <p:cNvPr id="22" name="TextBox 21">
-            <a:extLst>
-              <a:ext uri="{FF2B5EF4-FFF2-40B4-BE49-F238E27FC236}">
-                <a16:creationId xmlns:a16="http://schemas.microsoft.com/office/drawing/2014/main" id="{7D270146-619D-43CD-B054-4DC79AEE31DE}"/>
-              </a:ext>
-            </a:extLst>
-          </p:cNvPr>
-          <p:cNvSpPr txBox="1"/>
-          <p:nvPr/>
-        </p:nvSpPr>
-        <p:spPr>
-          <a:xfrm>
-            <a:off x="4294909" y="5356449"/>
-            <a:ext cx="3602182" cy="646331"/>
-          </a:xfrm>
-          <a:prstGeom prst="rect">
-            <a:avLst/>
-          </a:prstGeom>
-          <a:noFill/>
-        </p:spPr>
-        <p:txBody>
-          <a:bodyPr wrap="square" rtlCol="0">
-            <a:spAutoFit/>
-          </a:bodyPr>
-          <a:lstStyle/>
-          <a:p>
-            <a:pPr algn="ctr"/>
-            <a:r>
-              <a:rPr lang="en-US" dirty="0">
-                <a:latin typeface="Berlin Sans FB" panose="020E0602020502020306" pitchFamily="34" charset="0"/>
-              </a:rPr>
-              <a:t>(Agent learns to hit any target at red point with red velocity)</a:t>
-            </a:r>
-          </a:p>
-        </p:txBody>
-      </p:sp>
-      <p:cxnSp>
-        <p:nvCxnSpPr>
-          <p:cNvPr id="24" name="Straight Arrow Connector 23">
-            <a:extLst>
-              <a:ext uri="{FF2B5EF4-FFF2-40B4-BE49-F238E27FC236}">
-                <a16:creationId xmlns:a16="http://schemas.microsoft.com/office/drawing/2014/main" id="{78420883-C2E0-4DAB-AD4A-B0CB238FFDB8}"/>
-              </a:ext>
-            </a:extLst>
-          </p:cNvPr>
-          <p:cNvCxnSpPr/>
-          <p:nvPr/>
-        </p:nvCxnSpPr>
-        <p:spPr>
-          <a:xfrm flipH="1" flipV="1">
-            <a:off x="6139943" y="3446266"/>
-            <a:ext cx="957476" cy="957476"/>
-          </a:xfrm>
-          <a:prstGeom prst="straightConnector1">
-            <a:avLst/>
-          </a:prstGeom>
-          <a:ln w="28575">
-            <a:solidFill>
-              <a:srgbClr val="FF9393"/>
-            </a:solidFill>
-            <a:tailEnd type="triangle"/>
-          </a:ln>
-        </p:spPr>
-        <p:style>
-          <a:lnRef idx="1">
-            <a:schemeClr val="dk1"/>
-          </a:lnRef>
-          <a:fillRef idx="0">
-            <a:schemeClr val="dk1"/>
-          </a:fillRef>
-          <a:effectRef idx="0">
-            <a:schemeClr val="dk1"/>
-          </a:effectRef>
-          <a:fontRef idx="minor">
-            <a:schemeClr val="tx1"/>
-          </a:fontRef>
-        </p:style>
-      </p:cxnSp>
-      <p:cxnSp>
-        <p:nvCxnSpPr>
-          <p:cNvPr id="29" name="Straight Arrow Connector 28">
-            <a:extLst>
-              <a:ext uri="{FF2B5EF4-FFF2-40B4-BE49-F238E27FC236}">
-                <a16:creationId xmlns:a16="http://schemas.microsoft.com/office/drawing/2014/main" id="{19E2FC5C-1AFE-4A9B-A7D2-0C0807CE96F3}"/>
-              </a:ext>
-            </a:extLst>
-          </p:cNvPr>
-          <p:cNvCxnSpPr>
-            <a:endCxn id="21" idx="3"/>
-          </p:cNvCxnSpPr>
-          <p:nvPr/>
-        </p:nvCxnSpPr>
-        <p:spPr>
-          <a:xfrm flipV="1">
-            <a:off x="6139943" y="4447378"/>
-            <a:ext cx="917499" cy="454098"/>
-          </a:xfrm>
-          <a:prstGeom prst="straightConnector1">
-            <a:avLst/>
-          </a:prstGeom>
-          <a:ln w="38100">
-            <a:tailEnd type="triangle"/>
-          </a:ln>
-        </p:spPr>
-        <p:style>
-          <a:lnRef idx="1">
-            <a:schemeClr val="dk1"/>
-          </a:lnRef>
-          <a:fillRef idx="0">
-            <a:schemeClr val="dk1"/>
-          </a:fillRef>
-          <a:effectRef idx="0">
-            <a:schemeClr val="dk1"/>
-          </a:effectRef>
-          <a:fontRef idx="minor">
-            <a:schemeClr val="tx1"/>
-          </a:fontRef>
-        </p:style>
-      </p:cxnSp>
     </p:spTree>
     <p:extLst>
       <p:ext uri="{BB962C8B-B14F-4D97-AF65-F5344CB8AC3E}">
@@ -8872,7 +8898,7 @@
         </p:blipFill>
         <p:spPr>
           <a:xfrm>
-            <a:off x="5814435" y="1711033"/>
+            <a:off x="5814435" y="1266895"/>
             <a:ext cx="563130" cy="563130"/>
           </a:xfrm>
           <a:prstGeom prst="rect">
@@ -8908,7 +8934,7 @@
         </p:blipFill>
         <p:spPr>
           <a:xfrm>
-            <a:off x="5814435" y="4619911"/>
+            <a:off x="5814435" y="3435544"/>
             <a:ext cx="563130" cy="563130"/>
           </a:xfrm>
           <a:prstGeom prst="rect">
@@ -8932,8 +8958,8 @@
         </p:nvCxnSpPr>
         <p:spPr>
           <a:xfrm flipH="1" flipV="1">
-            <a:off x="5073218" y="969816"/>
-            <a:ext cx="741217" cy="741217"/>
+            <a:off x="5098547" y="1018901"/>
+            <a:ext cx="715890" cy="247996"/>
           </a:xfrm>
           <a:prstGeom prst="straightConnector1">
             <a:avLst/>
@@ -8979,11 +9005,13 @@
         </p:nvCxnSpPr>
         <p:spPr>
           <a:xfrm rot="10800000">
-            <a:off x="5073219" y="1033008"/>
-            <a:ext cx="741217" cy="959591"/>
-          </a:xfrm>
-          <a:prstGeom prst="bentConnector2">
-            <a:avLst/>
+            <a:off x="5117163" y="1018902"/>
+            <a:ext cx="697273" cy="529558"/>
+          </a:xfrm>
+          <a:prstGeom prst="bentConnector3">
+            <a:avLst>
+              <a:gd name="adj1" fmla="val 102456"/>
+            </a:avLst>
           </a:prstGeom>
           <a:ln w="25400">
             <a:solidFill>
@@ -9025,7 +9053,7 @@
         </p:nvCxnSpPr>
         <p:spPr>
           <a:xfrm flipV="1">
-            <a:off x="6096000" y="3446605"/>
+            <a:off x="6096000" y="2262238"/>
             <a:ext cx="0" cy="315767"/>
           </a:xfrm>
           <a:prstGeom prst="straightConnector1">
@@ -9066,7 +9094,7 @@
         </p:nvCxnSpPr>
         <p:spPr>
           <a:xfrm flipV="1">
-            <a:off x="6096000" y="3762372"/>
+            <a:off x="6096000" y="2578005"/>
             <a:ext cx="0" cy="857539"/>
           </a:xfrm>
           <a:prstGeom prst="line">
@@ -9106,13 +9134,13 @@
           <p:nvPr/>
         </p:nvCxnSpPr>
         <p:spPr>
-          <a:xfrm rot="16200000" flipV="1">
-            <a:off x="5073219" y="2423823"/>
-            <a:ext cx="1022782" cy="1022781"/>
+          <a:xfrm>
+            <a:off x="6096001" y="2262238"/>
+            <a:ext cx="968346" cy="458126"/>
           </a:xfrm>
           <a:prstGeom prst="bentConnector3">
             <a:avLst>
-              <a:gd name="adj1" fmla="val -572"/>
+              <a:gd name="adj1" fmla="val 98564"/>
             </a:avLst>
           </a:prstGeom>
           <a:ln w="25400">
@@ -9151,13 +9179,14 @@
           <p:cNvCxnSpPr>
             <a:cxnSpLocks/>
             <a:stCxn id="5" idx="0"/>
+            <a:endCxn id="40" idx="3"/>
           </p:cNvCxnSpPr>
           <p:nvPr/>
         </p:nvCxnSpPr>
         <p:spPr>
-          <a:xfrm flipH="1" flipV="1">
-            <a:off x="5073216" y="2461074"/>
-            <a:ext cx="1022784" cy="2158837"/>
+          <a:xfrm flipV="1">
+            <a:off x="6096000" y="2755321"/>
+            <a:ext cx="913905" cy="680223"/>
           </a:xfrm>
           <a:prstGeom prst="straightConnector1">
             <a:avLst/>
@@ -9197,9 +9226,9 @@
           <p:nvPr/>
         </p:nvSpPr>
         <p:spPr>
-          <a:xfrm>
-            <a:off x="5883564" y="4100885"/>
-            <a:ext cx="212436" cy="64713"/>
+          <a:xfrm rot="2356535">
+            <a:off x="6095998" y="3080887"/>
+            <a:ext cx="281523" cy="86039"/>
           </a:xfrm>
           <a:custGeom>
             <a:avLst/>
@@ -9288,7 +9317,7 @@
         </p:nvSpPr>
         <p:spPr>
           <a:xfrm>
-            <a:off x="5117162" y="1957590"/>
+            <a:off x="5299544" y="1514741"/>
             <a:ext cx="332509" cy="369332"/>
           </a:xfrm>
           <a:prstGeom prst="rect">
@@ -9325,7 +9354,7 @@
         </p:nvSpPr>
         <p:spPr>
           <a:xfrm>
-            <a:off x="4740708" y="1400210"/>
+            <a:off x="4740708" y="956072"/>
             <a:ext cx="332509" cy="369332"/>
           </a:xfrm>
           <a:prstGeom prst="rect">
@@ -9362,7 +9391,7 @@
         </p:nvSpPr>
         <p:spPr>
           <a:xfrm>
-            <a:off x="5117162" y="3419823"/>
+            <a:off x="6430398" y="1954457"/>
             <a:ext cx="332509" cy="369332"/>
           </a:xfrm>
           <a:prstGeom prst="rect">
@@ -9399,7 +9428,7 @@
         </p:nvSpPr>
         <p:spPr>
           <a:xfrm>
-            <a:off x="4740707" y="2849415"/>
+            <a:off x="7064347" y="2262238"/>
             <a:ext cx="332509" cy="369332"/>
           </a:xfrm>
           <a:prstGeom prst="rect">
@@ -9436,7 +9465,7 @@
         </p:nvSpPr>
         <p:spPr>
           <a:xfrm>
-            <a:off x="6832673" y="3844652"/>
+            <a:off x="6538491" y="3471939"/>
             <a:ext cx="1022781" cy="377212"/>
           </a:xfrm>
           <a:prstGeom prst="rect">
@@ -9549,7 +9578,7 @@
         </p:nvSpPr>
         <p:spPr>
           <a:xfrm>
-            <a:off x="4488877" y="4304805"/>
+            <a:off x="4390632" y="3239622"/>
             <a:ext cx="1219341" cy="369332"/>
           </a:xfrm>
           <a:prstGeom prst="rect">
@@ -9590,13 +9619,14 @@
           <p:cNvCxnSpPr>
             <a:cxnSpLocks/>
             <a:stCxn id="33" idx="3"/>
+            <a:endCxn id="25" idx="1"/>
           </p:cNvCxnSpPr>
           <p:nvPr/>
         </p:nvCxnSpPr>
         <p:spPr>
           <a:xfrm flipV="1">
-            <a:off x="5708218" y="4165598"/>
-            <a:ext cx="281565" cy="323873"/>
+            <a:off x="5609973" y="3086791"/>
+            <a:ext cx="649233" cy="337497"/>
           </a:xfrm>
           <a:prstGeom prst="line">
             <a:avLst/>
@@ -9631,8 +9661,8 @@
           <p:nvPr/>
         </p:nvSpPr>
         <p:spPr>
-          <a:xfrm>
-            <a:off x="6377565" y="3446605"/>
+          <a:xfrm rot="3234985">
+            <a:off x="6571780" y="2709602"/>
             <a:ext cx="258546" cy="1173306"/>
           </a:xfrm>
           <a:prstGeom prst="rightBrace">
@@ -9677,7 +9707,7 @@
         </p:nvSpPr>
         <p:spPr>
           <a:xfrm>
-            <a:off x="6039464" y="3390069"/>
+            <a:off x="6993346" y="2658808"/>
             <a:ext cx="113072" cy="113072"/>
           </a:xfrm>
           <a:prstGeom prst="ellipse">
@@ -9734,7 +9764,7 @@
         </p:nvSpPr>
         <p:spPr>
           <a:xfrm>
-            <a:off x="4294909" y="5356449"/>
+            <a:off x="4294909" y="4172082"/>
             <a:ext cx="3602182" cy="646331"/>
           </a:xfrm>
           <a:prstGeom prst="rect">
@@ -9768,14 +9798,15 @@
             </a:extLst>
           </p:cNvPr>
           <p:cNvCxnSpPr>
+            <a:cxnSpLocks/>
             <a:stCxn id="40" idx="1"/>
           </p:cNvCxnSpPr>
           <p:nvPr/>
         </p:nvCxnSpPr>
         <p:spPr>
           <a:xfrm flipH="1" flipV="1">
-            <a:off x="5098547" y="2449152"/>
-            <a:ext cx="957476" cy="957476"/>
+            <a:off x="6096000" y="2277659"/>
+            <a:ext cx="913905" cy="397708"/>
           </a:xfrm>
           <a:prstGeom prst="straightConnector1">
             <a:avLst/>
@@ -10572,7 +10603,7 @@
         </p:blipFill>
         <p:spPr>
           <a:xfrm>
-            <a:off x="4031817" y="3771416"/>
+            <a:off x="4031817" y="3335984"/>
             <a:ext cx="563130" cy="563130"/>
           </a:xfrm>
           <a:prstGeom prst="rect">
@@ -10620,63 +10651,19 @@
       </p:sp>
       <p:sp>
         <p:nvSpPr>
-          <p:cNvPr id="9" name="TextBox 8">
-            <a:extLst>
-              <a:ext uri="{FF2B5EF4-FFF2-40B4-BE49-F238E27FC236}">
-                <a16:creationId xmlns:a16="http://schemas.microsoft.com/office/drawing/2014/main" id="{E236B7FD-D7FB-4CA5-B6D4-AF50FB648555}"/>
-              </a:ext>
-            </a:extLst>
-          </p:cNvPr>
-          <p:cNvSpPr txBox="1"/>
+          <p:cNvPr id="16" name="Freeform: Shape 15">
+            <a:extLst>
+              <a:ext uri="{FF2B5EF4-FFF2-40B4-BE49-F238E27FC236}">
+                <a16:creationId xmlns:a16="http://schemas.microsoft.com/office/drawing/2014/main" id="{BA37BA6A-519A-4DFE-BBCD-9EA638E5675F}"/>
+              </a:ext>
+            </a:extLst>
+          </p:cNvPr>
+          <p:cNvSpPr/>
           <p:nvPr/>
         </p:nvSpPr>
         <p:spPr>
           <a:xfrm>
-            <a:off x="3308026" y="3033187"/>
-            <a:ext cx="1052513" cy="338554"/>
-          </a:xfrm>
-          <a:prstGeom prst="rect">
-            <a:avLst/>
-          </a:prstGeom>
-          <a:noFill/>
-          <a:ln w="38100">
-            <a:solidFill>
-              <a:schemeClr val="tx1"/>
-            </a:solidFill>
-          </a:ln>
-        </p:spPr>
-        <p:txBody>
-          <a:bodyPr wrap="square" rtlCol="0">
-            <a:spAutoFit/>
-          </a:bodyPr>
-          <a:lstStyle/>
-          <a:p>
-            <a:pPr algn="ctr"/>
-            <a:r>
-              <a:rPr lang="en-US" sz="1600" dirty="0">
-                <a:latin typeface="Berlin Sans FB" panose="020E0602020502020306" pitchFamily="34" charset="0"/>
-                <a:cs typeface="Aldhabi" panose="020B0604020202020204" pitchFamily="2" charset="-78"/>
-              </a:rPr>
-              <a:t>Predicted</a:t>
-            </a:r>
-          </a:p>
-        </p:txBody>
-      </p:sp>
-      <p:sp>
-        <p:nvSpPr>
-          <p:cNvPr id="16" name="Freeform: Shape 15">
-            <a:extLst>
-              <a:ext uri="{FF2B5EF4-FFF2-40B4-BE49-F238E27FC236}">
-                <a16:creationId xmlns:a16="http://schemas.microsoft.com/office/drawing/2014/main" id="{BA37BA6A-519A-4DFE-BBCD-9EA638E5675F}"/>
-              </a:ext>
-            </a:extLst>
-          </p:cNvPr>
-          <p:cNvSpPr/>
-          <p:nvPr/>
-        </p:nvSpPr>
-        <p:spPr>
-          <a:xfrm>
-            <a:off x="4590473" y="2955636"/>
+            <a:off x="4590473" y="2520204"/>
             <a:ext cx="1219200" cy="812800"/>
           </a:xfrm>
           <a:custGeom>
@@ -10799,266 +10786,19 @@
       </p:cxnSp>
       <p:sp>
         <p:nvSpPr>
-          <p:cNvPr id="25" name="Freeform: Shape 24">
-            <a:extLst>
-              <a:ext uri="{FF2B5EF4-FFF2-40B4-BE49-F238E27FC236}">
-                <a16:creationId xmlns:a16="http://schemas.microsoft.com/office/drawing/2014/main" id="{C0A6942D-687C-44FA-B556-922C07635E4D}"/>
-              </a:ext>
-            </a:extLst>
-          </p:cNvPr>
-          <p:cNvSpPr/>
+          <p:cNvPr id="29" name="TextBox 28">
+            <a:extLst>
+              <a:ext uri="{FF2B5EF4-FFF2-40B4-BE49-F238E27FC236}">
+                <a16:creationId xmlns:a16="http://schemas.microsoft.com/office/drawing/2014/main" id="{A0E8B0C4-25AE-405C-B874-60A3F9D48B16}"/>
+              </a:ext>
+            </a:extLst>
+          </p:cNvPr>
+          <p:cNvSpPr txBox="1"/>
           <p:nvPr/>
         </p:nvSpPr>
         <p:spPr>
           <a:xfrm>
-            <a:off x="4572000" y="1920086"/>
-            <a:ext cx="609600" cy="1792932"/>
-          </a:xfrm>
-          <a:custGeom>
-            <a:avLst/>
-            <a:gdLst>
-              <a:gd name="connsiteX0" fmla="*/ 0 w 609600"/>
-              <a:gd name="connsiteY0" fmla="*/ 1792932 h 1792932"/>
-              <a:gd name="connsiteX1" fmla="*/ 110836 w 609600"/>
-              <a:gd name="connsiteY1" fmla="*/ 850823 h 1792932"/>
-              <a:gd name="connsiteX2" fmla="*/ 526473 w 609600"/>
-              <a:gd name="connsiteY2" fmla="*/ 56496 h 1792932"/>
-              <a:gd name="connsiteX3" fmla="*/ 609600 w 609600"/>
-              <a:gd name="connsiteY3" fmla="*/ 65732 h 1792932"/>
-            </a:gdLst>
-            <a:ahLst/>
-            <a:cxnLst>
-              <a:cxn ang="0">
-                <a:pos x="connsiteX0" y="connsiteY0"/>
-              </a:cxn>
-              <a:cxn ang="0">
-                <a:pos x="connsiteX1" y="connsiteY1"/>
-              </a:cxn>
-              <a:cxn ang="0">
-                <a:pos x="connsiteX2" y="connsiteY2"/>
-              </a:cxn>
-              <a:cxn ang="0">
-                <a:pos x="connsiteX3" y="connsiteY3"/>
-              </a:cxn>
-            </a:cxnLst>
-            <a:rect l="l" t="t" r="r" b="b"/>
-            <a:pathLst>
-              <a:path w="609600" h="1792932">
-                <a:moveTo>
-                  <a:pt x="0" y="1792932"/>
-                </a:moveTo>
-                <a:cubicBezTo>
-                  <a:pt x="11545" y="1466580"/>
-                  <a:pt x="23091" y="1140229"/>
-                  <a:pt x="110836" y="850823"/>
-                </a:cubicBezTo>
-                <a:cubicBezTo>
-                  <a:pt x="198581" y="561417"/>
-                  <a:pt x="443346" y="187344"/>
-                  <a:pt x="526473" y="56496"/>
-                </a:cubicBezTo>
-                <a:cubicBezTo>
-                  <a:pt x="609600" y="-74352"/>
-                  <a:pt x="568036" y="62653"/>
-                  <a:pt x="609600" y="65732"/>
-                </a:cubicBezTo>
-              </a:path>
-            </a:pathLst>
-          </a:custGeom>
-          <a:noFill/>
-          <a:ln w="38100">
-            <a:solidFill>
-              <a:srgbClr val="00B050"/>
-            </a:solidFill>
-          </a:ln>
-        </p:spPr>
-        <p:style>
-          <a:lnRef idx="2">
-            <a:schemeClr val="accent1">
-              <a:shade val="50000"/>
-            </a:schemeClr>
-          </a:lnRef>
-          <a:fillRef idx="1">
-            <a:schemeClr val="accent1"/>
-          </a:fillRef>
-          <a:effectRef idx="0">
-            <a:schemeClr val="accent1"/>
-          </a:effectRef>
-          <a:fontRef idx="minor">
-            <a:schemeClr val="lt1"/>
-          </a:fontRef>
-        </p:style>
-        <p:txBody>
-          <a:bodyPr rtlCol="0" anchor="ctr"/>
-          <a:lstStyle/>
-          <a:p>
-            <a:pPr algn="ctr"/>
-            <a:endParaRPr lang="en-US"/>
-          </a:p>
-        </p:txBody>
-      </p:sp>
-      <p:sp>
-        <p:nvSpPr>
-          <p:cNvPr id="27" name="Isosceles Triangle 26">
-            <a:extLst>
-              <a:ext uri="{FF2B5EF4-FFF2-40B4-BE49-F238E27FC236}">
-                <a16:creationId xmlns:a16="http://schemas.microsoft.com/office/drawing/2014/main" id="{368DCA57-F19A-487E-9F09-7623493A16FC}"/>
-              </a:ext>
-            </a:extLst>
-          </p:cNvPr>
-          <p:cNvSpPr/>
-          <p:nvPr/>
-        </p:nvSpPr>
-        <p:spPr>
-          <a:xfrm rot="2148464">
-            <a:off x="4969534" y="1965714"/>
-            <a:ext cx="164592" cy="164592"/>
-          </a:xfrm>
-          <a:prstGeom prst="triangle">
-            <a:avLst/>
-          </a:prstGeom>
-          <a:solidFill>
-            <a:srgbClr val="00B050"/>
-          </a:solidFill>
-          <a:ln w="38100">
-            <a:noFill/>
-          </a:ln>
-        </p:spPr>
-        <p:style>
-          <a:lnRef idx="2">
-            <a:schemeClr val="accent1">
-              <a:shade val="50000"/>
-            </a:schemeClr>
-          </a:lnRef>
-          <a:fillRef idx="1">
-            <a:schemeClr val="accent1"/>
-          </a:fillRef>
-          <a:effectRef idx="0">
-            <a:schemeClr val="accent1"/>
-          </a:effectRef>
-          <a:fontRef idx="minor">
-            <a:schemeClr val="lt1"/>
-          </a:fontRef>
-        </p:style>
-        <p:txBody>
-          <a:bodyPr rot="0" spcFirstLastPara="0" vertOverflow="overflow" horzOverflow="overflow" vert="horz" wrap="square" lIns="91440" tIns="45720" rIns="91440" bIns="45720" numCol="1" spcCol="0" rtlCol="0" fromWordArt="0" anchor="ctr" anchorCtr="0" forceAA="0" compatLnSpc="1">
-            <a:prstTxWarp prst="textNoShape">
-              <a:avLst/>
-            </a:prstTxWarp>
-            <a:noAutofit/>
-          </a:bodyPr>
-          <a:lstStyle/>
-          <a:p>
-            <a:pPr algn="ctr"/>
-            <a:endParaRPr lang="en-US"/>
-          </a:p>
-        </p:txBody>
-      </p:sp>
-      <p:sp>
-        <p:nvSpPr>
-          <p:cNvPr id="28" name="Freeform: Shape 27">
-            <a:extLst>
-              <a:ext uri="{FF2B5EF4-FFF2-40B4-BE49-F238E27FC236}">
-                <a16:creationId xmlns:a16="http://schemas.microsoft.com/office/drawing/2014/main" id="{DD6D370F-82CB-4953-A9B0-5BC83A5950EC}"/>
-              </a:ext>
-            </a:extLst>
-          </p:cNvPr>
-          <p:cNvSpPr/>
-          <p:nvPr/>
-        </p:nvSpPr>
-        <p:spPr>
-          <a:xfrm>
-            <a:off x="4618182" y="3149354"/>
-            <a:ext cx="415636" cy="175737"/>
-          </a:xfrm>
-          <a:custGeom>
-            <a:avLst/>
-            <a:gdLst>
-              <a:gd name="connsiteX0" fmla="*/ 415636 w 415636"/>
-              <a:gd name="connsiteY0" fmla="*/ 175737 h 175737"/>
-              <a:gd name="connsiteX1" fmla="*/ 221673 w 415636"/>
-              <a:gd name="connsiteY1" fmla="*/ 27955 h 175737"/>
-              <a:gd name="connsiteX2" fmla="*/ 0 w 415636"/>
-              <a:gd name="connsiteY2" fmla="*/ 246 h 175737"/>
-            </a:gdLst>
-            <a:ahLst/>
-            <a:cxnLst>
-              <a:cxn ang="0">
-                <a:pos x="connsiteX0" y="connsiteY0"/>
-              </a:cxn>
-              <a:cxn ang="0">
-                <a:pos x="connsiteX1" y="connsiteY1"/>
-              </a:cxn>
-              <a:cxn ang="0">
-                <a:pos x="connsiteX2" y="connsiteY2"/>
-              </a:cxn>
-            </a:cxnLst>
-            <a:rect l="l" t="t" r="r" b="b"/>
-            <a:pathLst>
-              <a:path w="415636" h="175737">
-                <a:moveTo>
-                  <a:pt x="415636" y="175737"/>
-                </a:moveTo>
-                <a:cubicBezTo>
-                  <a:pt x="353291" y="116470"/>
-                  <a:pt x="290946" y="57203"/>
-                  <a:pt x="221673" y="27955"/>
-                </a:cubicBezTo>
-                <a:cubicBezTo>
-                  <a:pt x="152400" y="-1294"/>
-                  <a:pt x="76200" y="-524"/>
-                  <a:pt x="0" y="246"/>
-                </a:cubicBezTo>
-              </a:path>
-            </a:pathLst>
-          </a:custGeom>
-          <a:noFill/>
-          <a:ln w="38100">
-            <a:solidFill>
-              <a:srgbClr val="00B050"/>
-            </a:solidFill>
-          </a:ln>
-        </p:spPr>
-        <p:style>
-          <a:lnRef idx="2">
-            <a:schemeClr val="accent1">
-              <a:shade val="50000"/>
-            </a:schemeClr>
-          </a:lnRef>
-          <a:fillRef idx="1">
-            <a:schemeClr val="accent1"/>
-          </a:fillRef>
-          <a:effectRef idx="0">
-            <a:schemeClr val="accent1"/>
-          </a:effectRef>
-          <a:fontRef idx="minor">
-            <a:schemeClr val="lt1"/>
-          </a:fontRef>
-        </p:style>
-        <p:txBody>
-          <a:bodyPr rtlCol="0" anchor="ctr"/>
-          <a:lstStyle/>
-          <a:p>
-            <a:pPr algn="ctr"/>
-            <a:endParaRPr lang="en-US"/>
-          </a:p>
-        </p:txBody>
-      </p:sp>
-      <p:sp>
-        <p:nvSpPr>
-          <p:cNvPr id="29" name="TextBox 28">
-            <a:extLst>
-              <a:ext uri="{FF2B5EF4-FFF2-40B4-BE49-F238E27FC236}">
-                <a16:creationId xmlns:a16="http://schemas.microsoft.com/office/drawing/2014/main" id="{A0E8B0C4-25AE-405C-B874-60A3F9D48B16}"/>
-              </a:ext>
-            </a:extLst>
-          </p:cNvPr>
-          <p:cNvSpPr txBox="1"/>
-          <p:nvPr/>
-        </p:nvSpPr>
-        <p:spPr>
-          <a:xfrm>
-            <a:off x="5141990" y="2297514"/>
+            <a:off x="5809673" y="2654856"/>
             <a:ext cx="332509" cy="369332"/>
           </a:xfrm>
           <a:prstGeom prst="rect">
@@ -11132,7 +10872,7 @@
         </p:nvSpPr>
         <p:spPr>
           <a:xfrm>
-            <a:off x="5458691" y="2464981"/>
+            <a:off x="6325249" y="3213248"/>
             <a:ext cx="332509" cy="369332"/>
           </a:xfrm>
           <a:prstGeom prst="rect">
@@ -11201,17 +10941,19 @@
               </a:ext>
             </a:extLst>
           </p:cNvPr>
-          <p:cNvCxnSpPr/>
+          <p:cNvCxnSpPr>
+            <a:cxnSpLocks/>
+          </p:cNvCxnSpPr>
           <p:nvPr/>
         </p:nvCxnSpPr>
         <p:spPr>
-          <a:xfrm rot="16200000" flipV="1">
-            <a:off x="5122022" y="1927592"/>
-            <a:ext cx="922430" cy="922430"/>
+          <a:xfrm rot="10800000">
+            <a:off x="6086765" y="2431698"/>
+            <a:ext cx="880207" cy="787718"/>
           </a:xfrm>
           <a:prstGeom prst="bentConnector3">
             <a:avLst>
-              <a:gd name="adj1" fmla="val 936"/>
+              <a:gd name="adj1" fmla="val 99469"/>
             </a:avLst>
           </a:prstGeom>
           <a:ln w="38100">
@@ -11252,7 +10994,7 @@
         </p:nvCxnSpPr>
         <p:spPr>
           <a:xfrm flipV="1">
-            <a:off x="5791200" y="2826328"/>
+            <a:off x="5791200" y="2390896"/>
             <a:ext cx="304800" cy="138546"/>
           </a:xfrm>
           <a:prstGeom prst="straightConnector1">
@@ -11291,8 +11033,8 @@
         </p:nvSpPr>
         <p:spPr>
           <a:xfrm>
-            <a:off x="6142182" y="2850022"/>
-            <a:ext cx="234779" cy="983069"/>
+            <a:off x="7017826" y="3182064"/>
+            <a:ext cx="234779" cy="437293"/>
           </a:xfrm>
           <a:prstGeom prst="rightBrace">
             <a:avLst/>
@@ -11336,7 +11078,7 @@
         </p:nvSpPr>
         <p:spPr>
           <a:xfrm>
-            <a:off x="4876800" y="4082941"/>
+            <a:off x="5309037" y="4071098"/>
             <a:ext cx="1022781" cy="377212"/>
           </a:xfrm>
           <a:prstGeom prst="rect">
@@ -11373,8 +11115,8 @@
         </p:nvSpPr>
         <p:spPr>
           <a:xfrm rot="5400000">
-            <a:off x="5256920" y="3184540"/>
-            <a:ext cx="200341" cy="1477818"/>
+            <a:off x="5733375" y="2747752"/>
+            <a:ext cx="174106" cy="2425946"/>
           </a:xfrm>
           <a:prstGeom prst="rightBrace">
             <a:avLst/>
@@ -11418,7 +11160,7 @@
         </p:nvSpPr>
         <p:spPr>
           <a:xfrm>
-            <a:off x="6453430" y="3162973"/>
+            <a:off x="7303459" y="3202940"/>
             <a:ext cx="1138861" cy="369332"/>
           </a:xfrm>
           <a:prstGeom prst="rect">
@@ -11441,45 +11183,6 @@
           </a:p>
         </p:txBody>
       </p:sp>
-      <p:cxnSp>
-        <p:nvCxnSpPr>
-          <p:cNvPr id="40" name="Straight Connector 39">
-            <a:extLst>
-              <a:ext uri="{FF2B5EF4-FFF2-40B4-BE49-F238E27FC236}">
-                <a16:creationId xmlns:a16="http://schemas.microsoft.com/office/drawing/2014/main" id="{67B3845E-A67D-4F30-BFC1-F3B4E5AEADFE}"/>
-              </a:ext>
-            </a:extLst>
-          </p:cNvPr>
-          <p:cNvCxnSpPr>
-            <a:stCxn id="9" idx="3"/>
-          </p:cNvCxnSpPr>
-          <p:nvPr/>
-        </p:nvCxnSpPr>
-        <p:spPr>
-          <a:xfrm>
-            <a:off x="4360539" y="3202464"/>
-            <a:ext cx="433350" cy="34758"/>
-          </a:xfrm>
-          <a:prstGeom prst="line">
-            <a:avLst/>
-          </a:prstGeom>
-          <a:ln w="38100"/>
-        </p:spPr>
-        <p:style>
-          <a:lnRef idx="1">
-            <a:schemeClr val="dk1"/>
-          </a:lnRef>
-          <a:fillRef idx="0">
-            <a:schemeClr val="dk1"/>
-          </a:fillRef>
-          <a:effectRef idx="0">
-            <a:schemeClr val="dk1"/>
-          </a:effectRef>
-          <a:fontRef idx="minor">
-            <a:schemeClr val="tx1"/>
-          </a:fontRef>
-        </p:style>
-      </p:cxnSp>
       <p:sp>
         <p:nvSpPr>
           <p:cNvPr id="41" name="TextBox 40">
@@ -11566,14 +11269,13 @@
             </a:extLst>
           </p:cNvPr>
           <p:cNvCxnSpPr>
-            <a:stCxn id="26" idx="7"/>
-            <a:endCxn id="25" idx="3"/>
+            <a:cxnSpLocks/>
           </p:cNvCxnSpPr>
           <p:nvPr/>
         </p:nvCxnSpPr>
         <p:spPr>
           <a:xfrm flipH="1" flipV="1">
-            <a:off x="5181600" y="1985818"/>
+            <a:off x="6096000" y="2398881"/>
             <a:ext cx="860541" cy="799411"/>
           </a:xfrm>
           <a:prstGeom prst="straightConnector1">
@@ -11615,7 +11317,7 @@
         </p:nvSpPr>
         <p:spPr>
           <a:xfrm flipH="1">
-            <a:off x="6022054" y="2765142"/>
+            <a:off x="6896241" y="3122367"/>
             <a:ext cx="137160" cy="137160"/>
           </a:xfrm>
           <a:prstGeom prst="ellipse">
@@ -11716,7 +11418,7 @@
         </p:blipFill>
         <p:spPr>
           <a:xfrm>
-            <a:off x="5728099" y="1056363"/>
+            <a:off x="5388732" y="1056363"/>
             <a:ext cx="496546" cy="496546"/>
           </a:xfrm>
           <a:prstGeom prst="rect">
@@ -11752,7 +11454,7 @@
         </p:blipFill>
         <p:spPr>
           <a:xfrm>
-            <a:off x="5728098" y="4872089"/>
+            <a:off x="5417015" y="4872089"/>
             <a:ext cx="496547" cy="496547"/>
           </a:xfrm>
           <a:prstGeom prst="rect">
@@ -11860,7 +11562,7 @@
         </p:blipFill>
         <p:spPr>
           <a:xfrm>
-            <a:off x="3286220" y="1056363"/>
+            <a:off x="3031696" y="1056363"/>
             <a:ext cx="496546" cy="496546"/>
           </a:xfrm>
           <a:prstGeom prst="rect">
@@ -11896,7 +11598,7 @@
         </p:blipFill>
         <p:spPr>
           <a:xfrm>
-            <a:off x="3286219" y="4872089"/>
+            <a:off x="3031695" y="4872089"/>
             <a:ext cx="496547" cy="496547"/>
           </a:xfrm>
           <a:prstGeom prst="rect">
@@ -11920,7 +11622,7 @@
         </p:nvCxnSpPr>
         <p:spPr>
           <a:xfrm flipH="1" flipV="1">
-            <a:off x="2761673" y="1302327"/>
+            <a:off x="2507149" y="1302327"/>
             <a:ext cx="524547" cy="2309"/>
           </a:xfrm>
           <a:prstGeom prst="straightConnector1">
@@ -11967,7 +11669,7 @@
         </p:nvCxnSpPr>
         <p:spPr>
           <a:xfrm flipH="1">
-            <a:off x="4775200" y="1304636"/>
+            <a:off x="4435833" y="1304636"/>
             <a:ext cx="952899" cy="0"/>
           </a:xfrm>
           <a:prstGeom prst="straightConnector1">
@@ -12011,7 +11713,7 @@
         </p:nvCxnSpPr>
         <p:spPr>
           <a:xfrm flipH="1" flipV="1">
-            <a:off x="5189552" y="1300018"/>
+            <a:off x="4850185" y="1300018"/>
             <a:ext cx="524547" cy="2309"/>
           </a:xfrm>
           <a:prstGeom prst="straightConnector1">
@@ -12191,7 +11893,7 @@
         </p:nvCxnSpPr>
         <p:spPr>
           <a:xfrm flipV="1">
-            <a:off x="3546764" y="3537527"/>
+            <a:off x="3292240" y="3537527"/>
             <a:ext cx="0" cy="498764"/>
           </a:xfrm>
           <a:prstGeom prst="straightConnector1">
@@ -12230,7 +11932,7 @@
         </p:nvCxnSpPr>
         <p:spPr>
           <a:xfrm flipV="1">
-            <a:off x="5952836" y="2930236"/>
+            <a:off x="5641753" y="2930236"/>
             <a:ext cx="0" cy="498764"/>
           </a:xfrm>
           <a:prstGeom prst="straightConnector1">
@@ -12425,13 +12127,14 @@
           <p:cNvCxnSpPr>
             <a:cxnSpLocks/>
             <a:stCxn id="9" idx="0"/>
+            <a:endCxn id="41" idx="1"/>
           </p:cNvCxnSpPr>
           <p:nvPr/>
         </p:nvCxnSpPr>
         <p:spPr>
-          <a:xfrm flipH="1" flipV="1">
-            <a:off x="2761230" y="3537525"/>
-            <a:ext cx="773263" cy="1334564"/>
+          <a:xfrm flipV="1">
+            <a:off x="3279969" y="3583244"/>
+            <a:ext cx="739535" cy="1288845"/>
           </a:xfrm>
           <a:prstGeom prst="straightConnector1">
             <a:avLst/>
@@ -12470,13 +12173,14 @@
           <p:cNvCxnSpPr>
             <a:cxnSpLocks/>
             <a:stCxn id="3" idx="0"/>
+            <a:endCxn id="42" idx="1"/>
           </p:cNvCxnSpPr>
           <p:nvPr/>
         </p:nvCxnSpPr>
         <p:spPr>
-          <a:xfrm flipH="1" flipV="1">
-            <a:off x="4893790" y="2930236"/>
-            <a:ext cx="1082582" cy="1941853"/>
+          <a:xfrm flipV="1">
+            <a:off x="5665289" y="2975952"/>
+            <a:ext cx="938803" cy="1896137"/>
           </a:xfrm>
           <a:prstGeom prst="straightConnector1">
             <a:avLst/>
@@ -12515,13 +12219,14 @@
           <p:cNvCxnSpPr>
             <a:cxnSpLocks/>
             <a:stCxn id="7" idx="0"/>
+            <a:endCxn id="43" idx="1"/>
           </p:cNvCxnSpPr>
           <p:nvPr/>
         </p:nvCxnSpPr>
         <p:spPr>
-          <a:xfrm flipH="1" flipV="1">
-            <a:off x="7089318" y="2246744"/>
-            <a:ext cx="1568190" cy="2625345"/>
+          <a:xfrm flipV="1">
+            <a:off x="8657508" y="2301525"/>
+            <a:ext cx="1517055" cy="2570564"/>
           </a:xfrm>
           <a:prstGeom prst="straightConnector1">
             <a:avLst/>
@@ -12548,12 +12253,429 @@
           </a:fontRef>
         </p:style>
       </p:cxnSp>
-      <p:sp>
-        <p:nvSpPr>
-          <p:cNvPr id="41" name="Oval 40">
-            <a:extLst>
-              <a:ext uri="{FF2B5EF4-FFF2-40B4-BE49-F238E27FC236}">
-                <a16:creationId xmlns:a16="http://schemas.microsoft.com/office/drawing/2014/main" id="{54D82313-371B-4C9C-A302-8D8B0FA32310}"/>
+      <p:cxnSp>
+        <p:nvCxnSpPr>
+          <p:cNvPr id="45" name="Straight Connector 44">
+            <a:extLst>
+              <a:ext uri="{FF2B5EF4-FFF2-40B4-BE49-F238E27FC236}">
+                <a16:creationId xmlns:a16="http://schemas.microsoft.com/office/drawing/2014/main" id="{0466A280-CCC1-4C5B-81B3-2B3D5CD8AB01}"/>
+              </a:ext>
+            </a:extLst>
+          </p:cNvPr>
+          <p:cNvCxnSpPr>
+            <a:stCxn id="9" idx="0"/>
+          </p:cNvCxnSpPr>
+          <p:nvPr/>
+        </p:nvCxnSpPr>
+        <p:spPr>
+          <a:xfrm flipV="1">
+            <a:off x="3279969" y="3901162"/>
+            <a:ext cx="12271" cy="970927"/>
+          </a:xfrm>
+          <a:prstGeom prst="line">
+            <a:avLst/>
+          </a:prstGeom>
+          <a:ln w="25400">
+            <a:prstDash val="sysDot"/>
+          </a:ln>
+        </p:spPr>
+        <p:style>
+          <a:lnRef idx="1">
+            <a:schemeClr val="dk1"/>
+          </a:lnRef>
+          <a:fillRef idx="0">
+            <a:schemeClr val="dk1"/>
+          </a:fillRef>
+          <a:effectRef idx="0">
+            <a:schemeClr val="dk1"/>
+          </a:effectRef>
+          <a:fontRef idx="minor">
+            <a:schemeClr val="tx1"/>
+          </a:fontRef>
+        </p:style>
+      </p:cxnSp>
+      <p:cxnSp>
+        <p:nvCxnSpPr>
+          <p:cNvPr id="46" name="Straight Connector 45">
+            <a:extLst>
+              <a:ext uri="{FF2B5EF4-FFF2-40B4-BE49-F238E27FC236}">
+                <a16:creationId xmlns:a16="http://schemas.microsoft.com/office/drawing/2014/main" id="{A2424B59-C6AF-4C6F-B950-341112D3847B}"/>
+              </a:ext>
+            </a:extLst>
+          </p:cNvPr>
+          <p:cNvCxnSpPr>
+            <a:cxnSpLocks/>
+          </p:cNvCxnSpPr>
+          <p:nvPr/>
+        </p:nvCxnSpPr>
+        <p:spPr>
+          <a:xfrm flipV="1">
+            <a:off x="5621786" y="3278910"/>
+            <a:ext cx="19967" cy="1579880"/>
+          </a:xfrm>
+          <a:prstGeom prst="line">
+            <a:avLst/>
+          </a:prstGeom>
+          <a:ln w="25400">
+            <a:prstDash val="sysDot"/>
+          </a:ln>
+        </p:spPr>
+        <p:style>
+          <a:lnRef idx="1">
+            <a:schemeClr val="dk1"/>
+          </a:lnRef>
+          <a:fillRef idx="0">
+            <a:schemeClr val="dk1"/>
+          </a:fillRef>
+          <a:effectRef idx="0">
+            <a:schemeClr val="dk1"/>
+          </a:effectRef>
+          <a:fontRef idx="minor">
+            <a:schemeClr val="tx1"/>
+          </a:fontRef>
+        </p:style>
+      </p:cxnSp>
+      <p:cxnSp>
+        <p:nvCxnSpPr>
+          <p:cNvPr id="48" name="Straight Connector 47">
+            <a:extLst>
+              <a:ext uri="{FF2B5EF4-FFF2-40B4-BE49-F238E27FC236}">
+                <a16:creationId xmlns:a16="http://schemas.microsoft.com/office/drawing/2014/main" id="{1266A70D-FB22-4170-A064-095C05308D6F}"/>
+              </a:ext>
+            </a:extLst>
+          </p:cNvPr>
+          <p:cNvCxnSpPr>
+            <a:cxnSpLocks/>
+          </p:cNvCxnSpPr>
+          <p:nvPr/>
+        </p:nvCxnSpPr>
+        <p:spPr>
+          <a:xfrm flipV="1">
+            <a:off x="8633559" y="2650836"/>
+            <a:ext cx="16296" cy="2223516"/>
+          </a:xfrm>
+          <a:prstGeom prst="line">
+            <a:avLst/>
+          </a:prstGeom>
+          <a:ln w="25400">
+            <a:prstDash val="sysDot"/>
+          </a:ln>
+        </p:spPr>
+        <p:style>
+          <a:lnRef idx="1">
+            <a:schemeClr val="dk1"/>
+          </a:lnRef>
+          <a:fillRef idx="0">
+            <a:schemeClr val="dk1"/>
+          </a:fillRef>
+          <a:effectRef idx="0">
+            <a:schemeClr val="dk1"/>
+          </a:effectRef>
+          <a:fontRef idx="minor">
+            <a:schemeClr val="tx1"/>
+          </a:fontRef>
+        </p:style>
+      </p:cxnSp>
+      <p:sp>
+        <p:nvSpPr>
+          <p:cNvPr id="59" name="TextBox 58">
+            <a:extLst>
+              <a:ext uri="{FF2B5EF4-FFF2-40B4-BE49-F238E27FC236}">
+                <a16:creationId xmlns:a16="http://schemas.microsoft.com/office/drawing/2014/main" id="{199E29FD-D9A8-4189-B1BD-6ABA92340B4B}"/>
+              </a:ext>
+            </a:extLst>
+          </p:cNvPr>
+          <p:cNvSpPr txBox="1"/>
+          <p:nvPr/>
+        </p:nvSpPr>
+        <p:spPr>
+          <a:xfrm>
+            <a:off x="3358970" y="363927"/>
+            <a:ext cx="4962994" cy="461665"/>
+          </a:xfrm>
+          <a:prstGeom prst="rect">
+            <a:avLst/>
+          </a:prstGeom>
+          <a:noFill/>
+        </p:spPr>
+        <p:txBody>
+          <a:bodyPr wrap="square" rtlCol="0">
+            <a:spAutoFit/>
+          </a:bodyPr>
+          <a:lstStyle/>
+          <a:p>
+            <a:pPr algn="ctr"/>
+            <a:r>
+              <a:rPr lang="en-US" sz="2400" dirty="0">
+                <a:latin typeface="Berlin Sans FB" panose="020E0602020502020306" pitchFamily="34" charset="0"/>
+              </a:rPr>
+              <a:t>Data Recorded from a Single Shot</a:t>
+            </a:r>
+          </a:p>
+        </p:txBody>
+      </p:sp>
+      <p:cxnSp>
+        <p:nvCxnSpPr>
+          <p:cNvPr id="61" name="Straight Connector 60">
+            <a:extLst>
+              <a:ext uri="{FF2B5EF4-FFF2-40B4-BE49-F238E27FC236}">
+                <a16:creationId xmlns:a16="http://schemas.microsoft.com/office/drawing/2014/main" id="{0E101305-D43C-44FA-A60F-B872A3074E53}"/>
+              </a:ext>
+            </a:extLst>
+          </p:cNvPr>
+          <p:cNvCxnSpPr/>
+          <p:nvPr/>
+        </p:nvCxnSpPr>
+        <p:spPr>
+          <a:xfrm>
+            <a:off x="4368800" y="969818"/>
+            <a:ext cx="0" cy="4562764"/>
+          </a:xfrm>
+          <a:prstGeom prst="line">
+            <a:avLst/>
+          </a:prstGeom>
+          <a:ln w="25400">
+            <a:solidFill>
+              <a:schemeClr val="dk1">
+                <a:alpha val="34000"/>
+              </a:schemeClr>
+            </a:solidFill>
+          </a:ln>
+        </p:spPr>
+        <p:style>
+          <a:lnRef idx="1">
+            <a:schemeClr val="dk1"/>
+          </a:lnRef>
+          <a:fillRef idx="0">
+            <a:schemeClr val="dk1"/>
+          </a:fillRef>
+          <a:effectRef idx="0">
+            <a:schemeClr val="dk1"/>
+          </a:effectRef>
+          <a:fontRef idx="minor">
+            <a:schemeClr val="tx1"/>
+          </a:fontRef>
+        </p:style>
+      </p:cxnSp>
+      <p:cxnSp>
+        <p:nvCxnSpPr>
+          <p:cNvPr id="62" name="Straight Connector 61">
+            <a:extLst>
+              <a:ext uri="{FF2B5EF4-FFF2-40B4-BE49-F238E27FC236}">
+                <a16:creationId xmlns:a16="http://schemas.microsoft.com/office/drawing/2014/main" id="{D9C02B61-6590-448D-8C47-E2B908C11557}"/>
+              </a:ext>
+            </a:extLst>
+          </p:cNvPr>
+          <p:cNvCxnSpPr/>
+          <p:nvPr/>
+        </p:nvCxnSpPr>
+        <p:spPr>
+          <a:xfrm>
+            <a:off x="6968836" y="997526"/>
+            <a:ext cx="0" cy="4562764"/>
+          </a:xfrm>
+          <a:prstGeom prst="line">
+            <a:avLst/>
+          </a:prstGeom>
+          <a:ln w="25400">
+            <a:solidFill>
+              <a:schemeClr val="dk1">
+                <a:alpha val="34000"/>
+              </a:schemeClr>
+            </a:solidFill>
+          </a:ln>
+        </p:spPr>
+        <p:style>
+          <a:lnRef idx="1">
+            <a:schemeClr val="dk1"/>
+          </a:lnRef>
+          <a:fillRef idx="0">
+            <a:schemeClr val="dk1"/>
+          </a:fillRef>
+          <a:effectRef idx="0">
+            <a:schemeClr val="dk1"/>
+          </a:effectRef>
+          <a:fontRef idx="minor">
+            <a:schemeClr val="tx1"/>
+          </a:fontRef>
+        </p:style>
+      </p:cxnSp>
+      <p:sp>
+        <p:nvSpPr>
+          <p:cNvPr id="37" name="TextBox 36">
+            <a:extLst>
+              <a:ext uri="{FF2B5EF4-FFF2-40B4-BE49-F238E27FC236}">
+                <a16:creationId xmlns:a16="http://schemas.microsoft.com/office/drawing/2014/main" id="{4538D20F-54D1-4D51-92B1-C96BBBE8B07B}"/>
+              </a:ext>
+            </a:extLst>
+          </p:cNvPr>
+          <p:cNvSpPr txBox="1"/>
+          <p:nvPr/>
+        </p:nvSpPr>
+        <p:spPr>
+          <a:xfrm>
+            <a:off x="4175280" y="5989755"/>
+            <a:ext cx="3602182" cy="646331"/>
+          </a:xfrm>
+          <a:prstGeom prst="rect">
+            <a:avLst/>
+          </a:prstGeom>
+          <a:noFill/>
+        </p:spPr>
+        <p:txBody>
+          <a:bodyPr wrap="square" rtlCol="0">
+            <a:spAutoFit/>
+          </a:bodyPr>
+          <a:lstStyle/>
+          <a:p>
+            <a:pPr algn="ctr"/>
+            <a:r>
+              <a:rPr lang="en-US" dirty="0">
+                <a:latin typeface="Berlin Sans FB" panose="020E0602020502020306" pitchFamily="34" charset="0"/>
+              </a:rPr>
+              <a:t>(Agent learns to hit any target at red point with red velocity)</a:t>
+            </a:r>
+          </a:p>
+        </p:txBody>
+      </p:sp>
+      <p:cxnSp>
+        <p:nvCxnSpPr>
+          <p:cNvPr id="28" name="Straight Arrow Connector 27">
+            <a:extLst>
+              <a:ext uri="{FF2B5EF4-FFF2-40B4-BE49-F238E27FC236}">
+                <a16:creationId xmlns:a16="http://schemas.microsoft.com/office/drawing/2014/main" id="{EEC71CE3-9B7D-4FFA-8847-05D0472A7A56}"/>
+              </a:ext>
+            </a:extLst>
+          </p:cNvPr>
+          <p:cNvCxnSpPr>
+            <a:cxnSpLocks/>
+          </p:cNvCxnSpPr>
+          <p:nvPr/>
+        </p:nvCxnSpPr>
+        <p:spPr>
+          <a:xfrm flipH="1">
+            <a:off x="3279968" y="3537526"/>
+            <a:ext cx="720437" cy="0"/>
+          </a:xfrm>
+          <a:prstGeom prst="straightConnector1">
+            <a:avLst/>
+          </a:prstGeom>
+          <a:ln w="38100">
+            <a:solidFill>
+              <a:srgbClr val="FF9393"/>
+            </a:solidFill>
+            <a:tailEnd type="triangle"/>
+          </a:ln>
+        </p:spPr>
+        <p:style>
+          <a:lnRef idx="1">
+            <a:schemeClr val="dk1"/>
+          </a:lnRef>
+          <a:fillRef idx="0">
+            <a:schemeClr val="dk1"/>
+          </a:fillRef>
+          <a:effectRef idx="0">
+            <a:schemeClr val="dk1"/>
+          </a:effectRef>
+          <a:fontRef idx="minor">
+            <a:schemeClr val="tx1"/>
+          </a:fontRef>
+        </p:style>
+      </p:cxnSp>
+      <p:cxnSp>
+        <p:nvCxnSpPr>
+          <p:cNvPr id="34" name="Straight Arrow Connector 33">
+            <a:extLst>
+              <a:ext uri="{FF2B5EF4-FFF2-40B4-BE49-F238E27FC236}">
+                <a16:creationId xmlns:a16="http://schemas.microsoft.com/office/drawing/2014/main" id="{679D05C4-14DD-4043-9A2D-74255F8AA5C1}"/>
+              </a:ext>
+            </a:extLst>
+          </p:cNvPr>
+          <p:cNvCxnSpPr>
+            <a:cxnSpLocks/>
+          </p:cNvCxnSpPr>
+          <p:nvPr/>
+        </p:nvCxnSpPr>
+        <p:spPr>
+          <a:xfrm flipH="1">
+            <a:off x="5625420" y="2930234"/>
+            <a:ext cx="978672" cy="0"/>
+          </a:xfrm>
+          <a:prstGeom prst="straightConnector1">
+            <a:avLst/>
+          </a:prstGeom>
+          <a:ln w="38100">
+            <a:solidFill>
+              <a:srgbClr val="FF9393"/>
+            </a:solidFill>
+            <a:tailEnd type="triangle"/>
+          </a:ln>
+        </p:spPr>
+        <p:style>
+          <a:lnRef idx="1">
+            <a:schemeClr val="dk1"/>
+          </a:lnRef>
+          <a:fillRef idx="0">
+            <a:schemeClr val="dk1"/>
+          </a:fillRef>
+          <a:effectRef idx="0">
+            <a:schemeClr val="dk1"/>
+          </a:effectRef>
+          <a:fontRef idx="minor">
+            <a:schemeClr val="tx1"/>
+          </a:fontRef>
+        </p:style>
+      </p:cxnSp>
+      <p:cxnSp>
+        <p:nvCxnSpPr>
+          <p:cNvPr id="44" name="Straight Arrow Connector 43">
+            <a:extLst>
+              <a:ext uri="{FF2B5EF4-FFF2-40B4-BE49-F238E27FC236}">
+                <a16:creationId xmlns:a16="http://schemas.microsoft.com/office/drawing/2014/main" id="{4A554D8D-E2A3-44E8-B3DA-C5721D758EC3}"/>
+              </a:ext>
+            </a:extLst>
+          </p:cNvPr>
+          <p:cNvCxnSpPr>
+            <a:cxnSpLocks/>
+          </p:cNvCxnSpPr>
+          <p:nvPr/>
+        </p:nvCxnSpPr>
+        <p:spPr>
+          <a:xfrm flipH="1" flipV="1">
+            <a:off x="8648461" y="2253555"/>
+            <a:ext cx="1508561" cy="4503"/>
+          </a:xfrm>
+          <a:prstGeom prst="straightConnector1">
+            <a:avLst/>
+          </a:prstGeom>
+          <a:ln w="38100">
+            <a:solidFill>
+              <a:srgbClr val="FF9393"/>
+            </a:solidFill>
+            <a:tailEnd type="triangle"/>
+          </a:ln>
+        </p:spPr>
+        <p:style>
+          <a:lnRef idx="1">
+            <a:schemeClr val="dk1"/>
+          </a:lnRef>
+          <a:fillRef idx="0">
+            <a:schemeClr val="dk1"/>
+          </a:fillRef>
+          <a:effectRef idx="0">
+            <a:schemeClr val="dk1"/>
+          </a:effectRef>
+          <a:fontRef idx="minor">
+            <a:schemeClr val="tx1"/>
+          </a:fontRef>
+        </p:style>
+      </p:cxnSp>
+      <p:sp>
+        <p:nvSpPr>
+          <p:cNvPr id="42" name="Oval 41">
+            <a:extLst>
+              <a:ext uri="{FF2B5EF4-FFF2-40B4-BE49-F238E27FC236}">
+                <a16:creationId xmlns:a16="http://schemas.microsoft.com/office/drawing/2014/main" id="{86EEB6BF-29F5-48D2-AB94-092ACC25E103}"/>
               </a:ext>
             </a:extLst>
           </p:cNvPr>
@@ -12562,7 +12684,7 @@
         </p:nvSpPr>
         <p:spPr>
           <a:xfrm flipV="1">
-            <a:off x="3482110" y="3472871"/>
+            <a:off x="6585155" y="2865580"/>
             <a:ext cx="129309" cy="129309"/>
           </a:xfrm>
           <a:prstGeom prst="ellipse">
@@ -12602,10 +12724,10 @@
       </p:sp>
       <p:sp>
         <p:nvSpPr>
-          <p:cNvPr id="42" name="Oval 41">
-            <a:extLst>
-              <a:ext uri="{FF2B5EF4-FFF2-40B4-BE49-F238E27FC236}">
-                <a16:creationId xmlns:a16="http://schemas.microsoft.com/office/drawing/2014/main" id="{86EEB6BF-29F5-48D2-AB94-092ACC25E103}"/>
+          <p:cNvPr id="41" name="Oval 40">
+            <a:extLst>
+              <a:ext uri="{FF2B5EF4-FFF2-40B4-BE49-F238E27FC236}">
+                <a16:creationId xmlns:a16="http://schemas.microsoft.com/office/drawing/2014/main" id="{54D82313-371B-4C9C-A302-8D8B0FA32310}"/>
               </a:ext>
             </a:extLst>
           </p:cNvPr>
@@ -12614,7 +12736,7 @@
         </p:nvSpPr>
         <p:spPr>
           <a:xfrm flipV="1">
-            <a:off x="5872462" y="2865580"/>
+            <a:off x="4000567" y="3472872"/>
             <a:ext cx="129309" cy="129309"/>
           </a:xfrm>
           <a:prstGeom prst="ellipse">
@@ -12666,7 +12788,7 @@
         </p:nvSpPr>
         <p:spPr>
           <a:xfrm flipV="1">
-            <a:off x="8583616" y="2188903"/>
+            <a:off x="10155626" y="2191153"/>
             <a:ext cx="129309" cy="129309"/>
           </a:xfrm>
           <a:prstGeom prst="ellipse">
@@ -12706,28 +12828,32 @@
       </p:sp>
       <p:cxnSp>
         <p:nvCxnSpPr>
-          <p:cNvPr id="45" name="Straight Connector 44">
-            <a:extLst>
-              <a:ext uri="{FF2B5EF4-FFF2-40B4-BE49-F238E27FC236}">
-                <a16:creationId xmlns:a16="http://schemas.microsoft.com/office/drawing/2014/main" id="{0466A280-CCC1-4C5B-81B3-2B3D5CD8AB01}"/>
+          <p:cNvPr id="47" name="Straight Arrow Connector 46">
+            <a:extLst>
+              <a:ext uri="{FF2B5EF4-FFF2-40B4-BE49-F238E27FC236}">
+                <a16:creationId xmlns:a16="http://schemas.microsoft.com/office/drawing/2014/main" id="{7A13DBD2-82F6-447D-8D40-200B645238DA}"/>
               </a:ext>
             </a:extLst>
           </p:cNvPr>
           <p:cNvCxnSpPr>
-            <a:stCxn id="9" idx="0"/>
+            <a:cxnSpLocks/>
+            <a:stCxn id="42" idx="2"/>
           </p:cNvCxnSpPr>
           <p:nvPr/>
         </p:nvCxnSpPr>
         <p:spPr>
-          <a:xfrm flipV="1">
-            <a:off x="3534493" y="3901162"/>
-            <a:ext cx="12271" cy="970927"/>
-          </a:xfrm>
-          <a:prstGeom prst="line">
-            <a:avLst/>
-          </a:prstGeom>
-          <a:ln w="25400">
-            <a:prstDash val="sysDot"/>
+          <a:xfrm flipH="1">
+            <a:off x="6134691" y="2930234"/>
+            <a:ext cx="450464" cy="1"/>
+          </a:xfrm>
+          <a:prstGeom prst="straightConnector1">
+            <a:avLst/>
+          </a:prstGeom>
+          <a:ln w="38100">
+            <a:solidFill>
+              <a:srgbClr val="FF9393"/>
+            </a:solidFill>
+            <a:tailEnd type="triangle"/>
           </a:ln>
         </p:spPr>
         <p:style>
@@ -12747,28 +12873,32 @@
       </p:cxnSp>
       <p:cxnSp>
         <p:nvCxnSpPr>
-          <p:cNvPr id="46" name="Straight Connector 45">
-            <a:extLst>
-              <a:ext uri="{FF2B5EF4-FFF2-40B4-BE49-F238E27FC236}">
-                <a16:creationId xmlns:a16="http://schemas.microsoft.com/office/drawing/2014/main" id="{A2424B59-C6AF-4C6F-B950-341112D3847B}"/>
+          <p:cNvPr id="49" name="Straight Arrow Connector 48">
+            <a:extLst>
+              <a:ext uri="{FF2B5EF4-FFF2-40B4-BE49-F238E27FC236}">
+                <a16:creationId xmlns:a16="http://schemas.microsoft.com/office/drawing/2014/main" id="{378C372E-EB7F-4681-B1C8-68377EF07FB6}"/>
               </a:ext>
             </a:extLst>
           </p:cNvPr>
           <p:cNvCxnSpPr>
             <a:cxnSpLocks/>
+            <a:stCxn id="43" idx="2"/>
           </p:cNvCxnSpPr>
           <p:nvPr/>
         </p:nvCxnSpPr>
         <p:spPr>
-          <a:xfrm flipV="1">
-            <a:off x="5932869" y="3278910"/>
-            <a:ext cx="19967" cy="1579880"/>
-          </a:xfrm>
-          <a:prstGeom prst="line">
-            <a:avLst/>
-          </a:prstGeom>
-          <a:ln w="25400">
-            <a:prstDash val="sysDot"/>
+          <a:xfrm flipH="1">
+            <a:off x="9172282" y="2255807"/>
+            <a:ext cx="983344" cy="6752"/>
+          </a:xfrm>
+          <a:prstGeom prst="straightConnector1">
+            <a:avLst/>
+          </a:prstGeom>
+          <a:ln w="38100">
+            <a:solidFill>
+              <a:srgbClr val="FF9393"/>
+            </a:solidFill>
+            <a:tailEnd type="triangle"/>
           </a:ln>
         </p:spPr>
         <p:style>
@@ -12788,313 +12918,23 @@
       </p:cxnSp>
       <p:cxnSp>
         <p:nvCxnSpPr>
-          <p:cNvPr id="48" name="Straight Connector 47">
-            <a:extLst>
-              <a:ext uri="{FF2B5EF4-FFF2-40B4-BE49-F238E27FC236}">
-                <a16:creationId xmlns:a16="http://schemas.microsoft.com/office/drawing/2014/main" id="{1266A70D-FB22-4170-A064-095C05308D6F}"/>
+          <p:cNvPr id="50" name="Straight Arrow Connector 49">
+            <a:extLst>
+              <a:ext uri="{FF2B5EF4-FFF2-40B4-BE49-F238E27FC236}">
+                <a16:creationId xmlns:a16="http://schemas.microsoft.com/office/drawing/2014/main" id="{15C32383-FFB9-42D7-B480-3ACD8D910F4E}"/>
               </a:ext>
             </a:extLst>
           </p:cNvPr>
           <p:cNvCxnSpPr>
             <a:cxnSpLocks/>
-          </p:cNvCxnSpPr>
-          <p:nvPr/>
-        </p:nvCxnSpPr>
-        <p:spPr>
-          <a:xfrm flipV="1">
-            <a:off x="8633559" y="2650836"/>
-            <a:ext cx="16296" cy="2223516"/>
-          </a:xfrm>
-          <a:prstGeom prst="line">
-            <a:avLst/>
-          </a:prstGeom>
-          <a:ln w="25400">
-            <a:prstDash val="sysDot"/>
-          </a:ln>
-        </p:spPr>
-        <p:style>
-          <a:lnRef idx="1">
-            <a:schemeClr val="dk1"/>
-          </a:lnRef>
-          <a:fillRef idx="0">
-            <a:schemeClr val="dk1"/>
-          </a:fillRef>
-          <a:effectRef idx="0">
-            <a:schemeClr val="dk1"/>
-          </a:effectRef>
-          <a:fontRef idx="minor">
-            <a:schemeClr val="tx1"/>
-          </a:fontRef>
-        </p:style>
-      </p:cxnSp>
-      <p:sp>
-        <p:nvSpPr>
-          <p:cNvPr id="59" name="TextBox 58">
-            <a:extLst>
-              <a:ext uri="{FF2B5EF4-FFF2-40B4-BE49-F238E27FC236}">
-                <a16:creationId xmlns:a16="http://schemas.microsoft.com/office/drawing/2014/main" id="{199E29FD-D9A8-4189-B1BD-6ABA92340B4B}"/>
-              </a:ext>
-            </a:extLst>
-          </p:cNvPr>
-          <p:cNvSpPr txBox="1"/>
-          <p:nvPr/>
-        </p:nvSpPr>
-        <p:spPr>
-          <a:xfrm>
-            <a:off x="3358970" y="363927"/>
-            <a:ext cx="4962994" cy="461665"/>
-          </a:xfrm>
-          <a:prstGeom prst="rect">
-            <a:avLst/>
-          </a:prstGeom>
-          <a:noFill/>
-        </p:spPr>
-        <p:txBody>
-          <a:bodyPr wrap="square" rtlCol="0">
-            <a:spAutoFit/>
-          </a:bodyPr>
-          <a:lstStyle/>
-          <a:p>
-            <a:pPr algn="ctr"/>
-            <a:r>
-              <a:rPr lang="en-US" sz="2400" dirty="0">
-                <a:latin typeface="Berlin Sans FB" panose="020E0602020502020306" pitchFamily="34" charset="0"/>
-              </a:rPr>
-              <a:t>Data Recorded from a Single Shot</a:t>
-            </a:r>
-          </a:p>
-        </p:txBody>
-      </p:sp>
-      <p:cxnSp>
-        <p:nvCxnSpPr>
-          <p:cNvPr id="61" name="Straight Connector 60">
-            <a:extLst>
-              <a:ext uri="{FF2B5EF4-FFF2-40B4-BE49-F238E27FC236}">
-                <a16:creationId xmlns:a16="http://schemas.microsoft.com/office/drawing/2014/main" id="{0E101305-D43C-44FA-A60F-B872A3074E53}"/>
-              </a:ext>
-            </a:extLst>
-          </p:cNvPr>
-          <p:cNvCxnSpPr/>
-          <p:nvPr/>
-        </p:nvCxnSpPr>
-        <p:spPr>
-          <a:xfrm>
-            <a:off x="4368800" y="969818"/>
-            <a:ext cx="0" cy="4562764"/>
-          </a:xfrm>
-          <a:prstGeom prst="line">
-            <a:avLst/>
-          </a:prstGeom>
-          <a:ln w="25400">
-            <a:solidFill>
-              <a:schemeClr val="dk1">
-                <a:alpha val="34000"/>
-              </a:schemeClr>
-            </a:solidFill>
-          </a:ln>
-        </p:spPr>
-        <p:style>
-          <a:lnRef idx="1">
-            <a:schemeClr val="dk1"/>
-          </a:lnRef>
-          <a:fillRef idx="0">
-            <a:schemeClr val="dk1"/>
-          </a:fillRef>
-          <a:effectRef idx="0">
-            <a:schemeClr val="dk1"/>
-          </a:effectRef>
-          <a:fontRef idx="minor">
-            <a:schemeClr val="tx1"/>
-          </a:fontRef>
-        </p:style>
-      </p:cxnSp>
-      <p:cxnSp>
-        <p:nvCxnSpPr>
-          <p:cNvPr id="62" name="Straight Connector 61">
-            <a:extLst>
-              <a:ext uri="{FF2B5EF4-FFF2-40B4-BE49-F238E27FC236}">
-                <a16:creationId xmlns:a16="http://schemas.microsoft.com/office/drawing/2014/main" id="{D9C02B61-6590-448D-8C47-E2B908C11557}"/>
-              </a:ext>
-            </a:extLst>
-          </p:cNvPr>
-          <p:cNvCxnSpPr/>
-          <p:nvPr/>
-        </p:nvCxnSpPr>
-        <p:spPr>
-          <a:xfrm>
-            <a:off x="6968836" y="997526"/>
-            <a:ext cx="0" cy="4562764"/>
-          </a:xfrm>
-          <a:prstGeom prst="line">
-            <a:avLst/>
-          </a:prstGeom>
-          <a:ln w="25400">
-            <a:solidFill>
-              <a:schemeClr val="dk1">
-                <a:alpha val="34000"/>
-              </a:schemeClr>
-            </a:solidFill>
-          </a:ln>
-        </p:spPr>
-        <p:style>
-          <a:lnRef idx="1">
-            <a:schemeClr val="dk1"/>
-          </a:lnRef>
-          <a:fillRef idx="0">
-            <a:schemeClr val="dk1"/>
-          </a:fillRef>
-          <a:effectRef idx="0">
-            <a:schemeClr val="dk1"/>
-          </a:effectRef>
-          <a:fontRef idx="minor">
-            <a:schemeClr val="tx1"/>
-          </a:fontRef>
-        </p:style>
-      </p:cxnSp>
-      <p:sp>
-        <p:nvSpPr>
-          <p:cNvPr id="37" name="TextBox 36">
-            <a:extLst>
-              <a:ext uri="{FF2B5EF4-FFF2-40B4-BE49-F238E27FC236}">
-                <a16:creationId xmlns:a16="http://schemas.microsoft.com/office/drawing/2014/main" id="{4538D20F-54D1-4D51-92B1-C96BBBE8B07B}"/>
-              </a:ext>
-            </a:extLst>
-          </p:cNvPr>
-          <p:cNvSpPr txBox="1"/>
-          <p:nvPr/>
-        </p:nvSpPr>
-        <p:spPr>
-          <a:xfrm>
-            <a:off x="4175280" y="5989755"/>
-            <a:ext cx="3602182" cy="646331"/>
-          </a:xfrm>
-          <a:prstGeom prst="rect">
-            <a:avLst/>
-          </a:prstGeom>
-          <a:noFill/>
-        </p:spPr>
-        <p:txBody>
-          <a:bodyPr wrap="square" rtlCol="0">
-            <a:spAutoFit/>
-          </a:bodyPr>
-          <a:lstStyle/>
-          <a:p>
-            <a:pPr algn="ctr"/>
-            <a:r>
-              <a:rPr lang="en-US" dirty="0">
-                <a:latin typeface="Berlin Sans FB" panose="020E0602020502020306" pitchFamily="34" charset="0"/>
-              </a:rPr>
-              <a:t>(Agent learns to hit any target at red point with red velocity)</a:t>
-            </a:r>
-          </a:p>
-        </p:txBody>
-      </p:sp>
-      <p:cxnSp>
-        <p:nvCxnSpPr>
-          <p:cNvPr id="28" name="Straight Arrow Connector 27">
-            <a:extLst>
-              <a:ext uri="{FF2B5EF4-FFF2-40B4-BE49-F238E27FC236}">
-                <a16:creationId xmlns:a16="http://schemas.microsoft.com/office/drawing/2014/main" id="{EEC71CE3-9B7D-4FFA-8847-05D0472A7A56}"/>
-              </a:ext>
-            </a:extLst>
-          </p:cNvPr>
-          <p:cNvCxnSpPr>
-            <a:stCxn id="41" idx="2"/>
-          </p:cNvCxnSpPr>
-          <p:nvPr/>
-        </p:nvCxnSpPr>
-        <p:spPr>
-          <a:xfrm flipH="1">
-            <a:off x="2761673" y="3537525"/>
-            <a:ext cx="720437" cy="0"/>
-          </a:xfrm>
-          <a:prstGeom prst="straightConnector1">
-            <a:avLst/>
-          </a:prstGeom>
-          <a:ln w="38100">
-            <a:solidFill>
-              <a:srgbClr val="FF9393"/>
-            </a:solidFill>
-            <a:tailEnd type="triangle"/>
-          </a:ln>
-        </p:spPr>
-        <p:style>
-          <a:lnRef idx="1">
-            <a:schemeClr val="dk1"/>
-          </a:lnRef>
-          <a:fillRef idx="0">
-            <a:schemeClr val="dk1"/>
-          </a:fillRef>
-          <a:effectRef idx="0">
-            <a:schemeClr val="dk1"/>
-          </a:effectRef>
-          <a:fontRef idx="minor">
-            <a:schemeClr val="tx1"/>
-          </a:fontRef>
-        </p:style>
-      </p:cxnSp>
-      <p:cxnSp>
-        <p:nvCxnSpPr>
-          <p:cNvPr id="34" name="Straight Arrow Connector 33">
-            <a:extLst>
-              <a:ext uri="{FF2B5EF4-FFF2-40B4-BE49-F238E27FC236}">
-                <a16:creationId xmlns:a16="http://schemas.microsoft.com/office/drawing/2014/main" id="{679D05C4-14DD-4043-9A2D-74255F8AA5C1}"/>
-              </a:ext>
-            </a:extLst>
-          </p:cNvPr>
-          <p:cNvCxnSpPr>
-            <a:stCxn id="42" idx="2"/>
-          </p:cNvCxnSpPr>
-          <p:nvPr/>
-        </p:nvCxnSpPr>
-        <p:spPr>
-          <a:xfrm flipH="1">
-            <a:off x="4893790" y="2930234"/>
-            <a:ext cx="978672" cy="0"/>
-          </a:xfrm>
-          <a:prstGeom prst="straightConnector1">
-            <a:avLst/>
-          </a:prstGeom>
-          <a:ln w="38100">
-            <a:solidFill>
-              <a:srgbClr val="FF9393"/>
-            </a:solidFill>
-            <a:tailEnd type="triangle"/>
-          </a:ln>
-        </p:spPr>
-        <p:style>
-          <a:lnRef idx="1">
-            <a:schemeClr val="dk1"/>
-          </a:lnRef>
-          <a:fillRef idx="0">
-            <a:schemeClr val="dk1"/>
-          </a:fillRef>
-          <a:effectRef idx="0">
-            <a:schemeClr val="dk1"/>
-          </a:effectRef>
-          <a:fontRef idx="minor">
-            <a:schemeClr val="tx1"/>
-          </a:fontRef>
-        </p:style>
-      </p:cxnSp>
-      <p:cxnSp>
-        <p:nvCxnSpPr>
-          <p:cNvPr id="44" name="Straight Arrow Connector 43">
-            <a:extLst>
-              <a:ext uri="{FF2B5EF4-FFF2-40B4-BE49-F238E27FC236}">
-                <a16:creationId xmlns:a16="http://schemas.microsoft.com/office/drawing/2014/main" id="{4A554D8D-E2A3-44E8-B3DA-C5721D758EC3}"/>
-              </a:ext>
-            </a:extLst>
-          </p:cNvPr>
-          <p:cNvCxnSpPr>
             <a:stCxn id="43" idx="2"/>
           </p:cNvCxnSpPr>
           <p:nvPr/>
         </p:nvCxnSpPr>
         <p:spPr>
           <a:xfrm flipH="1" flipV="1">
-            <a:off x="7075055" y="2249054"/>
-            <a:ext cx="1508561" cy="4503"/>
+            <a:off x="9663956" y="2244089"/>
+            <a:ext cx="491670" cy="11718"/>
           </a:xfrm>
           <a:prstGeom prst="straightConnector1">
             <a:avLst/>

--- a/docs/images/FinalReportCharts.pptx
+++ b/docs/images/FinalReportCharts.pptx
@@ -8870,6 +8870,50 @@
           <a:chExt cx="0" cy="0"/>
         </a:xfrm>
       </p:grpSpPr>
+      <p:cxnSp>
+        <p:nvCxnSpPr>
+          <p:cNvPr id="34" name="Straight Connector 33">
+            <a:extLst>
+              <a:ext uri="{FF2B5EF4-FFF2-40B4-BE49-F238E27FC236}">
+                <a16:creationId xmlns:a16="http://schemas.microsoft.com/office/drawing/2014/main" id="{5E79EF99-ECFF-4E5C-84C9-FD3AB1DAB073}"/>
+              </a:ext>
+            </a:extLst>
+          </p:cNvPr>
+          <p:cNvCxnSpPr>
+            <a:cxnSpLocks/>
+          </p:cNvCxnSpPr>
+          <p:nvPr/>
+        </p:nvCxnSpPr>
+        <p:spPr>
+          <a:xfrm flipH="1">
+            <a:off x="6096000" y="2771880"/>
+            <a:ext cx="913906" cy="952111"/>
+          </a:xfrm>
+          <a:prstGeom prst="line">
+            <a:avLst/>
+          </a:prstGeom>
+          <a:ln w="38100">
+            <a:solidFill>
+              <a:srgbClr val="FF9393"/>
+            </a:solidFill>
+            <a:prstDash val="sysDot"/>
+          </a:ln>
+        </p:spPr>
+        <p:style>
+          <a:lnRef idx="1">
+            <a:schemeClr val="dk1"/>
+          </a:lnRef>
+          <a:fillRef idx="0">
+            <a:schemeClr val="dk1"/>
+          </a:fillRef>
+          <a:effectRef idx="0">
+            <a:schemeClr val="dk1"/>
+          </a:effectRef>
+          <a:fontRef idx="minor">
+            <a:schemeClr val="tx1"/>
+          </a:fontRef>
+        </p:style>
+      </p:cxnSp>
       <p:pic>
         <p:nvPicPr>
           <p:cNvPr id="3" name="Picture 2" descr="A close up of a logo&#10;&#10;Description automatically generated">
@@ -9167,36 +9211,288 @@
           </a:fontRef>
         </p:style>
       </p:cxnSp>
-      <p:cxnSp>
-        <p:nvCxnSpPr>
-          <p:cNvPr id="24" name="Straight Arrow Connector 23">
-            <a:extLst>
-              <a:ext uri="{FF2B5EF4-FFF2-40B4-BE49-F238E27FC236}">
-                <a16:creationId xmlns:a16="http://schemas.microsoft.com/office/drawing/2014/main" id="{38586971-8BC1-4F85-BE4A-EA8BCF6D8E68}"/>
-              </a:ext>
-            </a:extLst>
-          </p:cNvPr>
-          <p:cNvCxnSpPr>
-            <a:cxnSpLocks/>
-            <a:stCxn id="5" idx="0"/>
-            <a:endCxn id="40" idx="3"/>
-          </p:cNvCxnSpPr>
-          <p:nvPr/>
-        </p:nvCxnSpPr>
-        <p:spPr>
-          <a:xfrm flipV="1">
-            <a:off x="6096000" y="2755321"/>
-            <a:ext cx="913905" cy="680223"/>
-          </a:xfrm>
-          <a:prstGeom prst="straightConnector1">
-            <a:avLst/>
-          </a:prstGeom>
-          <a:ln w="38100">
-            <a:solidFill>
-              <a:srgbClr val="00B050"/>
-            </a:solidFill>
-            <a:tailEnd type="triangle"/>
-          </a:ln>
+      <p:sp>
+        <p:nvSpPr>
+          <p:cNvPr id="26" name="TextBox 25">
+            <a:extLst>
+              <a:ext uri="{FF2B5EF4-FFF2-40B4-BE49-F238E27FC236}">
+                <a16:creationId xmlns:a16="http://schemas.microsoft.com/office/drawing/2014/main" id="{FEAD5956-366A-4FFB-B949-ED278C3DB9DB}"/>
+              </a:ext>
+            </a:extLst>
+          </p:cNvPr>
+          <p:cNvSpPr txBox="1"/>
+          <p:nvPr/>
+        </p:nvSpPr>
+        <p:spPr>
+          <a:xfrm>
+            <a:off x="5299544" y="1514741"/>
+            <a:ext cx="332509" cy="369332"/>
+          </a:xfrm>
+          <a:prstGeom prst="rect">
+            <a:avLst/>
+          </a:prstGeom>
+          <a:noFill/>
+        </p:spPr>
+        <p:txBody>
+          <a:bodyPr wrap="square" rtlCol="0">
+            <a:spAutoFit/>
+          </a:bodyPr>
+          <a:lstStyle/>
+          <a:p>
+            <a:r>
+              <a:rPr lang="en-US" dirty="0">
+                <a:latin typeface="Berlin Sans FB" panose="020E0602020502020306" pitchFamily="34" charset="0"/>
+              </a:rPr>
+              <a:t>X</a:t>
+            </a:r>
+          </a:p>
+        </p:txBody>
+      </p:sp>
+      <p:sp>
+        <p:nvSpPr>
+          <p:cNvPr id="27" name="TextBox 26">
+            <a:extLst>
+              <a:ext uri="{FF2B5EF4-FFF2-40B4-BE49-F238E27FC236}">
+                <a16:creationId xmlns:a16="http://schemas.microsoft.com/office/drawing/2014/main" id="{11A85277-8939-4057-BC7A-94D9E97E5C2A}"/>
+              </a:ext>
+            </a:extLst>
+          </p:cNvPr>
+          <p:cNvSpPr txBox="1"/>
+          <p:nvPr/>
+        </p:nvSpPr>
+        <p:spPr>
+          <a:xfrm>
+            <a:off x="4740708" y="956072"/>
+            <a:ext cx="332509" cy="369332"/>
+          </a:xfrm>
+          <a:prstGeom prst="rect">
+            <a:avLst/>
+          </a:prstGeom>
+          <a:noFill/>
+        </p:spPr>
+        <p:txBody>
+          <a:bodyPr wrap="square" rtlCol="0">
+            <a:spAutoFit/>
+          </a:bodyPr>
+          <a:lstStyle/>
+          <a:p>
+            <a:r>
+              <a:rPr lang="en-US" dirty="0">
+                <a:latin typeface="Berlin Sans FB" panose="020E0602020502020306" pitchFamily="34" charset="0"/>
+              </a:rPr>
+              <a:t>Z</a:t>
+            </a:r>
+          </a:p>
+        </p:txBody>
+      </p:sp>
+      <p:sp>
+        <p:nvSpPr>
+          <p:cNvPr id="28" name="TextBox 27">
+            <a:extLst>
+              <a:ext uri="{FF2B5EF4-FFF2-40B4-BE49-F238E27FC236}">
+                <a16:creationId xmlns:a16="http://schemas.microsoft.com/office/drawing/2014/main" id="{94260F3A-6740-4664-9237-24034FB1FF87}"/>
+              </a:ext>
+            </a:extLst>
+          </p:cNvPr>
+          <p:cNvSpPr txBox="1"/>
+          <p:nvPr/>
+        </p:nvSpPr>
+        <p:spPr>
+          <a:xfrm>
+            <a:off x="6430398" y="1954457"/>
+            <a:ext cx="332509" cy="369332"/>
+          </a:xfrm>
+          <a:prstGeom prst="rect">
+            <a:avLst/>
+          </a:prstGeom>
+          <a:noFill/>
+        </p:spPr>
+        <p:txBody>
+          <a:bodyPr wrap="square" rtlCol="0">
+            <a:spAutoFit/>
+          </a:bodyPr>
+          <a:lstStyle/>
+          <a:p>
+            <a:r>
+              <a:rPr lang="en-US" dirty="0">
+                <a:latin typeface="Berlin Sans FB" panose="020E0602020502020306" pitchFamily="34" charset="0"/>
+              </a:rPr>
+              <a:t>X</a:t>
+            </a:r>
+          </a:p>
+        </p:txBody>
+      </p:sp>
+      <p:sp>
+        <p:nvSpPr>
+          <p:cNvPr id="29" name="TextBox 28">
+            <a:extLst>
+              <a:ext uri="{FF2B5EF4-FFF2-40B4-BE49-F238E27FC236}">
+                <a16:creationId xmlns:a16="http://schemas.microsoft.com/office/drawing/2014/main" id="{5B893C08-E787-4DFA-A7EB-8FCA7FF5E474}"/>
+              </a:ext>
+            </a:extLst>
+          </p:cNvPr>
+          <p:cNvSpPr txBox="1"/>
+          <p:nvPr/>
+        </p:nvSpPr>
+        <p:spPr>
+          <a:xfrm>
+            <a:off x="7064347" y="2262238"/>
+            <a:ext cx="332509" cy="369332"/>
+          </a:xfrm>
+          <a:prstGeom prst="rect">
+            <a:avLst/>
+          </a:prstGeom>
+          <a:noFill/>
+        </p:spPr>
+        <p:txBody>
+          <a:bodyPr wrap="square" rtlCol="0">
+            <a:spAutoFit/>
+          </a:bodyPr>
+          <a:lstStyle/>
+          <a:p>
+            <a:r>
+              <a:rPr lang="en-US" dirty="0">
+                <a:latin typeface="Berlin Sans FB" panose="020E0602020502020306" pitchFamily="34" charset="0"/>
+              </a:rPr>
+              <a:t>Z</a:t>
+            </a:r>
+          </a:p>
+        </p:txBody>
+      </p:sp>
+      <p:sp>
+        <p:nvSpPr>
+          <p:cNvPr id="30" name="TextBox 29">
+            <a:extLst>
+              <a:ext uri="{FF2B5EF4-FFF2-40B4-BE49-F238E27FC236}">
+                <a16:creationId xmlns:a16="http://schemas.microsoft.com/office/drawing/2014/main" id="{07EA26F1-E4D4-4B76-948B-110304B71278}"/>
+              </a:ext>
+            </a:extLst>
+          </p:cNvPr>
+          <p:cNvSpPr txBox="1"/>
+          <p:nvPr/>
+        </p:nvSpPr>
+        <p:spPr>
+          <a:xfrm>
+            <a:off x="4443017" y="2618803"/>
+            <a:ext cx="1022781" cy="377212"/>
+          </a:xfrm>
+          <a:prstGeom prst="rect">
+            <a:avLst/>
+          </a:prstGeom>
+          <a:noFill/>
+        </p:spPr>
+        <p:txBody>
+          <a:bodyPr wrap="square" rtlCol="0">
+            <a:spAutoFit/>
+          </a:bodyPr>
+          <a:lstStyle/>
+          <a:p>
+            <a:r>
+              <a:rPr lang="en-US" dirty="0">
+                <a:latin typeface="Berlin Sans FB" panose="020E0602020502020306" pitchFamily="34" charset="0"/>
+              </a:rPr>
+              <a:t>Distance</a:t>
+            </a:r>
+          </a:p>
+        </p:txBody>
+      </p:sp>
+      <p:sp>
+        <p:nvSpPr>
+          <p:cNvPr id="31" name="TextBox 30">
+            <a:extLst>
+              <a:ext uri="{FF2B5EF4-FFF2-40B4-BE49-F238E27FC236}">
+                <a16:creationId xmlns:a16="http://schemas.microsoft.com/office/drawing/2014/main" id="{34A0B5A9-FD36-4C48-8C7D-71CCF917D4D6}"/>
+              </a:ext>
+            </a:extLst>
+          </p:cNvPr>
+          <p:cNvSpPr txBox="1"/>
+          <p:nvPr/>
+        </p:nvSpPr>
+        <p:spPr>
+          <a:xfrm>
+            <a:off x="4801214" y="610230"/>
+            <a:ext cx="2589572" cy="377212"/>
+          </a:xfrm>
+          <a:prstGeom prst="rect">
+            <a:avLst/>
+          </a:prstGeom>
+          <a:noFill/>
+        </p:spPr>
+        <p:txBody>
+          <a:bodyPr wrap="square" rtlCol="0">
+            <a:spAutoFit/>
+          </a:bodyPr>
+          <a:lstStyle/>
+          <a:p>
+            <a:pPr algn="ctr"/>
+            <a:r>
+              <a:rPr lang="en-US" dirty="0">
+                <a:latin typeface="Berlin Sans FB" panose="020E0602020502020306" pitchFamily="34" charset="0"/>
+              </a:rPr>
+              <a:t>&lt;Distance, X, Z&gt;</a:t>
+            </a:r>
+          </a:p>
+        </p:txBody>
+      </p:sp>
+      <p:sp>
+        <p:nvSpPr>
+          <p:cNvPr id="32" name="TextBox 31">
+            <a:extLst>
+              <a:ext uri="{FF2B5EF4-FFF2-40B4-BE49-F238E27FC236}">
+                <a16:creationId xmlns:a16="http://schemas.microsoft.com/office/drawing/2014/main" id="{7450B5AD-9054-48CF-90D4-A43DA07E9548}"/>
+              </a:ext>
+            </a:extLst>
+          </p:cNvPr>
+          <p:cNvSpPr txBox="1"/>
+          <p:nvPr/>
+        </p:nvSpPr>
+        <p:spPr>
+          <a:xfrm>
+            <a:off x="4294909" y="319890"/>
+            <a:ext cx="3602182" cy="369332"/>
+          </a:xfrm>
+          <a:prstGeom prst="rect">
+            <a:avLst/>
+          </a:prstGeom>
+          <a:noFill/>
+        </p:spPr>
+        <p:txBody>
+          <a:bodyPr wrap="square" rtlCol="0">
+            <a:spAutoFit/>
+          </a:bodyPr>
+          <a:lstStyle/>
+          <a:p>
+            <a:pPr algn="ctr"/>
+            <a:r>
+              <a:rPr lang="en-US" dirty="0">
+                <a:latin typeface="Berlin Sans FB" panose="020E0602020502020306" pitchFamily="34" charset="0"/>
+              </a:rPr>
+              <a:t>Horizontal Velocity Compensation</a:t>
+            </a:r>
+          </a:p>
+        </p:txBody>
+      </p:sp>
+      <p:sp>
+        <p:nvSpPr>
+          <p:cNvPr id="39" name="Right Brace 38">
+            <a:extLst>
+              <a:ext uri="{FF2B5EF4-FFF2-40B4-BE49-F238E27FC236}">
+                <a16:creationId xmlns:a16="http://schemas.microsoft.com/office/drawing/2014/main" id="{17FB830E-F433-46B8-A69E-F798FF63FF29}"/>
+              </a:ext>
+            </a:extLst>
+          </p:cNvPr>
+          <p:cNvSpPr/>
+          <p:nvPr/>
+        </p:nvSpPr>
+        <p:spPr>
+          <a:xfrm rot="10800000">
+            <a:off x="5536014" y="2255694"/>
+            <a:ext cx="258546" cy="1173306"/>
+          </a:xfrm>
+          <a:prstGeom prst="rightBrace">
+            <a:avLst/>
+          </a:prstGeom>
+          <a:ln w="34925"/>
         </p:spPr>
         <p:style>
           <a:lnRef idx="1">
@@ -9212,13 +9508,21 @@
             <a:schemeClr val="tx1"/>
           </a:fontRef>
         </p:style>
-      </p:cxnSp>
-      <p:sp>
-        <p:nvSpPr>
-          <p:cNvPr id="25" name="Freeform: Shape 24">
-            <a:extLst>
-              <a:ext uri="{FF2B5EF4-FFF2-40B4-BE49-F238E27FC236}">
-                <a16:creationId xmlns:a16="http://schemas.microsoft.com/office/drawing/2014/main" id="{97B52342-36B5-4AC2-8286-BED4AB138160}"/>
+        <p:txBody>
+          <a:bodyPr rtlCol="0" anchor="ctr"/>
+          <a:lstStyle/>
+          <a:p>
+            <a:pPr algn="ctr"/>
+            <a:endParaRPr lang="en-US"/>
+          </a:p>
+        </p:txBody>
+      </p:sp>
+      <p:sp>
+        <p:nvSpPr>
+          <p:cNvPr id="40" name="Oval 39">
+            <a:extLst>
+              <a:ext uri="{FF2B5EF4-FFF2-40B4-BE49-F238E27FC236}">
+                <a16:creationId xmlns:a16="http://schemas.microsoft.com/office/drawing/2014/main" id="{ABAC2E05-2DAE-454D-A468-FE0A4271A594}"/>
               </a:ext>
             </a:extLst>
           </p:cNvPr>
@@ -9226,56 +9530,18 @@
           <p:nvPr/>
         </p:nvSpPr>
         <p:spPr>
-          <a:xfrm rot="2356535">
-            <a:off x="6095998" y="3080887"/>
-            <a:ext cx="281523" cy="86039"/>
-          </a:xfrm>
-          <a:custGeom>
-            <a:avLst/>
-            <a:gdLst>
-              <a:gd name="connsiteX0" fmla="*/ 212436 w 212436"/>
-              <a:gd name="connsiteY0" fmla="*/ 64713 h 64713"/>
-              <a:gd name="connsiteX1" fmla="*/ 101600 w 212436"/>
-              <a:gd name="connsiteY1" fmla="*/ 59 h 64713"/>
-              <a:gd name="connsiteX2" fmla="*/ 0 w 212436"/>
-              <a:gd name="connsiteY2" fmla="*/ 55477 h 64713"/>
-            </a:gdLst>
-            <a:ahLst/>
-            <a:cxnLst>
-              <a:cxn ang="0">
-                <a:pos x="connsiteX0" y="connsiteY0"/>
-              </a:cxn>
-              <a:cxn ang="0">
-                <a:pos x="connsiteX1" y="connsiteY1"/>
-              </a:cxn>
-              <a:cxn ang="0">
-                <a:pos x="connsiteX2" y="connsiteY2"/>
-              </a:cxn>
-            </a:cxnLst>
-            <a:rect l="l" t="t" r="r" b="b"/>
-            <a:pathLst>
-              <a:path w="212436" h="64713">
-                <a:moveTo>
-                  <a:pt x="212436" y="64713"/>
-                </a:moveTo>
-                <a:cubicBezTo>
-                  <a:pt x="174721" y="33155"/>
-                  <a:pt x="137006" y="1598"/>
-                  <a:pt x="101600" y="59"/>
-                </a:cubicBezTo>
-                <a:cubicBezTo>
-                  <a:pt x="66194" y="-1480"/>
-                  <a:pt x="33097" y="26998"/>
-                  <a:pt x="0" y="55477"/>
-                </a:cubicBezTo>
-              </a:path>
-            </a:pathLst>
-          </a:custGeom>
-          <a:noFill/>
-          <a:ln w="25400">
-            <a:solidFill>
-              <a:srgbClr val="00B050"/>
-            </a:solidFill>
+          <a:xfrm>
+            <a:off x="6993346" y="2658808"/>
+            <a:ext cx="113072" cy="113072"/>
+          </a:xfrm>
+          <a:prstGeom prst="ellipse">
+            <a:avLst/>
+          </a:prstGeom>
+          <a:solidFill>
+            <a:srgbClr val="FF0000"/>
+          </a:solidFill>
+          <a:ln w="38100">
+            <a:noFill/>
           </a:ln>
         </p:spPr>
         <p:style>
@@ -9295,448 +9561,6 @@
           </a:fontRef>
         </p:style>
         <p:txBody>
-          <a:bodyPr rtlCol="0" anchor="ctr"/>
-          <a:lstStyle/>
-          <a:p>
-            <a:pPr algn="ctr"/>
-            <a:endParaRPr lang="en-US"/>
-          </a:p>
-        </p:txBody>
-      </p:sp>
-      <p:sp>
-        <p:nvSpPr>
-          <p:cNvPr id="26" name="TextBox 25">
-            <a:extLst>
-              <a:ext uri="{FF2B5EF4-FFF2-40B4-BE49-F238E27FC236}">
-                <a16:creationId xmlns:a16="http://schemas.microsoft.com/office/drawing/2014/main" id="{FEAD5956-366A-4FFB-B949-ED278C3DB9DB}"/>
-              </a:ext>
-            </a:extLst>
-          </p:cNvPr>
-          <p:cNvSpPr txBox="1"/>
-          <p:nvPr/>
-        </p:nvSpPr>
-        <p:spPr>
-          <a:xfrm>
-            <a:off x="5299544" y="1514741"/>
-            <a:ext cx="332509" cy="369332"/>
-          </a:xfrm>
-          <a:prstGeom prst="rect">
-            <a:avLst/>
-          </a:prstGeom>
-          <a:noFill/>
-        </p:spPr>
-        <p:txBody>
-          <a:bodyPr wrap="square" rtlCol="0">
-            <a:spAutoFit/>
-          </a:bodyPr>
-          <a:lstStyle/>
-          <a:p>
-            <a:r>
-              <a:rPr lang="en-US" dirty="0">
-                <a:latin typeface="Berlin Sans FB" panose="020E0602020502020306" pitchFamily="34" charset="0"/>
-              </a:rPr>
-              <a:t>X</a:t>
-            </a:r>
-          </a:p>
-        </p:txBody>
-      </p:sp>
-      <p:sp>
-        <p:nvSpPr>
-          <p:cNvPr id="27" name="TextBox 26">
-            <a:extLst>
-              <a:ext uri="{FF2B5EF4-FFF2-40B4-BE49-F238E27FC236}">
-                <a16:creationId xmlns:a16="http://schemas.microsoft.com/office/drawing/2014/main" id="{11A85277-8939-4057-BC7A-94D9E97E5C2A}"/>
-              </a:ext>
-            </a:extLst>
-          </p:cNvPr>
-          <p:cNvSpPr txBox="1"/>
-          <p:nvPr/>
-        </p:nvSpPr>
-        <p:spPr>
-          <a:xfrm>
-            <a:off x="4740708" y="956072"/>
-            <a:ext cx="332509" cy="369332"/>
-          </a:xfrm>
-          <a:prstGeom prst="rect">
-            <a:avLst/>
-          </a:prstGeom>
-          <a:noFill/>
-        </p:spPr>
-        <p:txBody>
-          <a:bodyPr wrap="square" rtlCol="0">
-            <a:spAutoFit/>
-          </a:bodyPr>
-          <a:lstStyle/>
-          <a:p>
-            <a:r>
-              <a:rPr lang="en-US" dirty="0">
-                <a:latin typeface="Berlin Sans FB" panose="020E0602020502020306" pitchFamily="34" charset="0"/>
-              </a:rPr>
-              <a:t>Z</a:t>
-            </a:r>
-          </a:p>
-        </p:txBody>
-      </p:sp>
-      <p:sp>
-        <p:nvSpPr>
-          <p:cNvPr id="28" name="TextBox 27">
-            <a:extLst>
-              <a:ext uri="{FF2B5EF4-FFF2-40B4-BE49-F238E27FC236}">
-                <a16:creationId xmlns:a16="http://schemas.microsoft.com/office/drawing/2014/main" id="{94260F3A-6740-4664-9237-24034FB1FF87}"/>
-              </a:ext>
-            </a:extLst>
-          </p:cNvPr>
-          <p:cNvSpPr txBox="1"/>
-          <p:nvPr/>
-        </p:nvSpPr>
-        <p:spPr>
-          <a:xfrm>
-            <a:off x="6430398" y="1954457"/>
-            <a:ext cx="332509" cy="369332"/>
-          </a:xfrm>
-          <a:prstGeom prst="rect">
-            <a:avLst/>
-          </a:prstGeom>
-          <a:noFill/>
-        </p:spPr>
-        <p:txBody>
-          <a:bodyPr wrap="square" rtlCol="0">
-            <a:spAutoFit/>
-          </a:bodyPr>
-          <a:lstStyle/>
-          <a:p>
-            <a:r>
-              <a:rPr lang="en-US" dirty="0">
-                <a:latin typeface="Berlin Sans FB" panose="020E0602020502020306" pitchFamily="34" charset="0"/>
-              </a:rPr>
-              <a:t>X</a:t>
-            </a:r>
-          </a:p>
-        </p:txBody>
-      </p:sp>
-      <p:sp>
-        <p:nvSpPr>
-          <p:cNvPr id="29" name="TextBox 28">
-            <a:extLst>
-              <a:ext uri="{FF2B5EF4-FFF2-40B4-BE49-F238E27FC236}">
-                <a16:creationId xmlns:a16="http://schemas.microsoft.com/office/drawing/2014/main" id="{5B893C08-E787-4DFA-A7EB-8FCA7FF5E474}"/>
-              </a:ext>
-            </a:extLst>
-          </p:cNvPr>
-          <p:cNvSpPr txBox="1"/>
-          <p:nvPr/>
-        </p:nvSpPr>
-        <p:spPr>
-          <a:xfrm>
-            <a:off x="7064347" y="2262238"/>
-            <a:ext cx="332509" cy="369332"/>
-          </a:xfrm>
-          <a:prstGeom prst="rect">
-            <a:avLst/>
-          </a:prstGeom>
-          <a:noFill/>
-        </p:spPr>
-        <p:txBody>
-          <a:bodyPr wrap="square" rtlCol="0">
-            <a:spAutoFit/>
-          </a:bodyPr>
-          <a:lstStyle/>
-          <a:p>
-            <a:r>
-              <a:rPr lang="en-US" dirty="0">
-                <a:latin typeface="Berlin Sans FB" panose="020E0602020502020306" pitchFamily="34" charset="0"/>
-              </a:rPr>
-              <a:t>Z</a:t>
-            </a:r>
-          </a:p>
-        </p:txBody>
-      </p:sp>
-      <p:sp>
-        <p:nvSpPr>
-          <p:cNvPr id="30" name="TextBox 29">
-            <a:extLst>
-              <a:ext uri="{FF2B5EF4-FFF2-40B4-BE49-F238E27FC236}">
-                <a16:creationId xmlns:a16="http://schemas.microsoft.com/office/drawing/2014/main" id="{07EA26F1-E4D4-4B76-948B-110304B71278}"/>
-              </a:ext>
-            </a:extLst>
-          </p:cNvPr>
-          <p:cNvSpPr txBox="1"/>
-          <p:nvPr/>
-        </p:nvSpPr>
-        <p:spPr>
-          <a:xfrm>
-            <a:off x="6538491" y="3471939"/>
-            <a:ext cx="1022781" cy="377212"/>
-          </a:xfrm>
-          <a:prstGeom prst="rect">
-            <a:avLst/>
-          </a:prstGeom>
-          <a:noFill/>
-        </p:spPr>
-        <p:txBody>
-          <a:bodyPr wrap="square" rtlCol="0">
-            <a:spAutoFit/>
-          </a:bodyPr>
-          <a:lstStyle/>
-          <a:p>
-            <a:r>
-              <a:rPr lang="en-US" dirty="0">
-                <a:latin typeface="Berlin Sans FB" panose="020E0602020502020306" pitchFamily="34" charset="0"/>
-              </a:rPr>
-              <a:t>Distance</a:t>
-            </a:r>
-          </a:p>
-        </p:txBody>
-      </p:sp>
-      <p:sp>
-        <p:nvSpPr>
-          <p:cNvPr id="31" name="TextBox 30">
-            <a:extLst>
-              <a:ext uri="{FF2B5EF4-FFF2-40B4-BE49-F238E27FC236}">
-                <a16:creationId xmlns:a16="http://schemas.microsoft.com/office/drawing/2014/main" id="{34A0B5A9-FD36-4C48-8C7D-71CCF917D4D6}"/>
-              </a:ext>
-            </a:extLst>
-          </p:cNvPr>
-          <p:cNvSpPr txBox="1"/>
-          <p:nvPr/>
-        </p:nvSpPr>
-        <p:spPr>
-          <a:xfrm>
-            <a:off x="4801214" y="610230"/>
-            <a:ext cx="2589572" cy="377212"/>
-          </a:xfrm>
-          <a:prstGeom prst="rect">
-            <a:avLst/>
-          </a:prstGeom>
-          <a:noFill/>
-        </p:spPr>
-        <p:txBody>
-          <a:bodyPr wrap="square" rtlCol="0">
-            <a:spAutoFit/>
-          </a:bodyPr>
-          <a:lstStyle/>
-          <a:p>
-            <a:pPr algn="ctr"/>
-            <a:r>
-              <a:rPr lang="en-US" dirty="0">
-                <a:latin typeface="Berlin Sans FB" panose="020E0602020502020306" pitchFamily="34" charset="0"/>
-              </a:rPr>
-              <a:t>&lt;Distance, X, Z&gt;</a:t>
-            </a:r>
-          </a:p>
-        </p:txBody>
-      </p:sp>
-      <p:sp>
-        <p:nvSpPr>
-          <p:cNvPr id="32" name="TextBox 31">
-            <a:extLst>
-              <a:ext uri="{FF2B5EF4-FFF2-40B4-BE49-F238E27FC236}">
-                <a16:creationId xmlns:a16="http://schemas.microsoft.com/office/drawing/2014/main" id="{7450B5AD-9054-48CF-90D4-A43DA07E9548}"/>
-              </a:ext>
-            </a:extLst>
-          </p:cNvPr>
-          <p:cNvSpPr txBox="1"/>
-          <p:nvPr/>
-        </p:nvSpPr>
-        <p:spPr>
-          <a:xfrm>
-            <a:off x="4294909" y="319890"/>
-            <a:ext cx="3602182" cy="369332"/>
-          </a:xfrm>
-          <a:prstGeom prst="rect">
-            <a:avLst/>
-          </a:prstGeom>
-          <a:noFill/>
-        </p:spPr>
-        <p:txBody>
-          <a:bodyPr wrap="square" rtlCol="0">
-            <a:spAutoFit/>
-          </a:bodyPr>
-          <a:lstStyle/>
-          <a:p>
-            <a:pPr algn="ctr"/>
-            <a:r>
-              <a:rPr lang="en-US" dirty="0">
-                <a:latin typeface="Berlin Sans FB" panose="020E0602020502020306" pitchFamily="34" charset="0"/>
-              </a:rPr>
-              <a:t>Horizontal Velocity Compensation</a:t>
-            </a:r>
-          </a:p>
-        </p:txBody>
-      </p:sp>
-      <p:sp>
-        <p:nvSpPr>
-          <p:cNvPr id="33" name="TextBox 32">
-            <a:extLst>
-              <a:ext uri="{FF2B5EF4-FFF2-40B4-BE49-F238E27FC236}">
-                <a16:creationId xmlns:a16="http://schemas.microsoft.com/office/drawing/2014/main" id="{C26F7162-634F-4937-A9FF-5309C658FB98}"/>
-              </a:ext>
-            </a:extLst>
-          </p:cNvPr>
-          <p:cNvSpPr txBox="1"/>
-          <p:nvPr/>
-        </p:nvSpPr>
-        <p:spPr>
-          <a:xfrm>
-            <a:off x="4390632" y="3239622"/>
-            <a:ext cx="1219341" cy="369332"/>
-          </a:xfrm>
-          <a:prstGeom prst="rect">
-            <a:avLst/>
-          </a:prstGeom>
-          <a:noFill/>
-          <a:ln w="38100">
-            <a:solidFill>
-              <a:schemeClr val="dk1"/>
-            </a:solidFill>
-          </a:ln>
-        </p:spPr>
-        <p:txBody>
-          <a:bodyPr wrap="square" rtlCol="0">
-            <a:spAutoFit/>
-          </a:bodyPr>
-          <a:lstStyle/>
-          <a:p>
-            <a:pPr algn="ctr"/>
-            <a:r>
-              <a:rPr lang="en-US" dirty="0">
-                <a:latin typeface="Berlin Sans FB" panose="020E0602020502020306" pitchFamily="34" charset="0"/>
-              </a:rPr>
-              <a:t>Predicted</a:t>
-            </a:r>
-          </a:p>
-        </p:txBody>
-      </p:sp>
-      <p:cxnSp>
-        <p:nvCxnSpPr>
-          <p:cNvPr id="35" name="Straight Connector 34">
-            <a:extLst>
-              <a:ext uri="{FF2B5EF4-FFF2-40B4-BE49-F238E27FC236}">
-                <a16:creationId xmlns:a16="http://schemas.microsoft.com/office/drawing/2014/main" id="{D88DE4D6-F24B-44FE-8B52-9D6FA59A82D6}"/>
-              </a:ext>
-            </a:extLst>
-          </p:cNvPr>
-          <p:cNvCxnSpPr>
-            <a:cxnSpLocks/>
-            <a:stCxn id="33" idx="3"/>
-            <a:endCxn id="25" idx="1"/>
-          </p:cNvCxnSpPr>
-          <p:nvPr/>
-        </p:nvCxnSpPr>
-        <p:spPr>
-          <a:xfrm flipV="1">
-            <a:off x="5609973" y="3086791"/>
-            <a:ext cx="649233" cy="337497"/>
-          </a:xfrm>
-          <a:prstGeom prst="line">
-            <a:avLst/>
-          </a:prstGeom>
-          <a:ln w="38100"/>
-        </p:spPr>
-        <p:style>
-          <a:lnRef idx="1">
-            <a:schemeClr val="dk1"/>
-          </a:lnRef>
-          <a:fillRef idx="0">
-            <a:schemeClr val="dk1"/>
-          </a:fillRef>
-          <a:effectRef idx="0">
-            <a:schemeClr val="dk1"/>
-          </a:effectRef>
-          <a:fontRef idx="minor">
-            <a:schemeClr val="tx1"/>
-          </a:fontRef>
-        </p:style>
-      </p:cxnSp>
-      <p:sp>
-        <p:nvSpPr>
-          <p:cNvPr id="39" name="Right Brace 38">
-            <a:extLst>
-              <a:ext uri="{FF2B5EF4-FFF2-40B4-BE49-F238E27FC236}">
-                <a16:creationId xmlns:a16="http://schemas.microsoft.com/office/drawing/2014/main" id="{17FB830E-F433-46B8-A69E-F798FF63FF29}"/>
-              </a:ext>
-            </a:extLst>
-          </p:cNvPr>
-          <p:cNvSpPr/>
-          <p:nvPr/>
-        </p:nvSpPr>
-        <p:spPr>
-          <a:xfrm rot="3234985">
-            <a:off x="6571780" y="2709602"/>
-            <a:ext cx="258546" cy="1173306"/>
-          </a:xfrm>
-          <a:prstGeom prst="rightBrace">
-            <a:avLst/>
-          </a:prstGeom>
-          <a:ln w="34925"/>
-        </p:spPr>
-        <p:style>
-          <a:lnRef idx="1">
-            <a:schemeClr val="dk1"/>
-          </a:lnRef>
-          <a:fillRef idx="0">
-            <a:schemeClr val="dk1"/>
-          </a:fillRef>
-          <a:effectRef idx="0">
-            <a:schemeClr val="dk1"/>
-          </a:effectRef>
-          <a:fontRef idx="minor">
-            <a:schemeClr val="tx1"/>
-          </a:fontRef>
-        </p:style>
-        <p:txBody>
-          <a:bodyPr rtlCol="0" anchor="ctr"/>
-          <a:lstStyle/>
-          <a:p>
-            <a:pPr algn="ctr"/>
-            <a:endParaRPr lang="en-US"/>
-          </a:p>
-        </p:txBody>
-      </p:sp>
-      <p:sp>
-        <p:nvSpPr>
-          <p:cNvPr id="40" name="Oval 39">
-            <a:extLst>
-              <a:ext uri="{FF2B5EF4-FFF2-40B4-BE49-F238E27FC236}">
-                <a16:creationId xmlns:a16="http://schemas.microsoft.com/office/drawing/2014/main" id="{ABAC2E05-2DAE-454D-A468-FE0A4271A594}"/>
-              </a:ext>
-            </a:extLst>
-          </p:cNvPr>
-          <p:cNvSpPr/>
-          <p:nvPr/>
-        </p:nvSpPr>
-        <p:spPr>
-          <a:xfrm>
-            <a:off x="6993346" y="2658808"/>
-            <a:ext cx="113072" cy="113072"/>
-          </a:xfrm>
-          <a:prstGeom prst="ellipse">
-            <a:avLst/>
-          </a:prstGeom>
-          <a:solidFill>
-            <a:srgbClr val="FF0000"/>
-          </a:solidFill>
-          <a:ln w="38100">
-            <a:noFill/>
-          </a:ln>
-        </p:spPr>
-        <p:style>
-          <a:lnRef idx="2">
-            <a:schemeClr val="accent1">
-              <a:shade val="50000"/>
-            </a:schemeClr>
-          </a:lnRef>
-          <a:fillRef idx="1">
-            <a:schemeClr val="accent1"/>
-          </a:fillRef>
-          <a:effectRef idx="0">
-            <a:schemeClr val="accent1"/>
-          </a:effectRef>
-          <a:fontRef idx="minor">
-            <a:schemeClr val="lt1"/>
-          </a:fontRef>
-        </p:style>
-        <p:txBody>
           <a:bodyPr rot="0" spcFirstLastPara="0" vertOverflow="overflow" horzOverflow="overflow" vert="horz" wrap="square" lIns="91440" tIns="45720" rIns="91440" bIns="45720" numCol="1" spcCol="0" rtlCol="0" fromWordArt="0" anchor="ctr" anchorCtr="0" forceAA="0" compatLnSpc="1">
             <a:prstTxWarp prst="textNoShape">
               <a:avLst/>
@@ -9783,7 +9607,7 @@
               <a:rPr lang="en-US" dirty="0">
                 <a:latin typeface="Berlin Sans FB" panose="020E0602020502020306" pitchFamily="34" charset="0"/>
               </a:rPr>
-              <a:t>(Agent learns to hit any target at red point with red velocity)</a:t>
+              <a:t>(Given a red observation, shoot along the black line)</a:t>
             </a:r>
           </a:p>
         </p:txBody>
@@ -10495,6 +10319,51 @@
       </p:grpSpPr>
       <p:cxnSp>
         <p:nvCxnSpPr>
+          <p:cNvPr id="23" name="Straight Connector 22">
+            <a:extLst>
+              <a:ext uri="{FF2B5EF4-FFF2-40B4-BE49-F238E27FC236}">
+                <a16:creationId xmlns:a16="http://schemas.microsoft.com/office/drawing/2014/main" id="{58A145B3-1DA1-405F-9403-BA5F24EDA592}"/>
+              </a:ext>
+            </a:extLst>
+          </p:cNvPr>
+          <p:cNvCxnSpPr>
+            <a:cxnSpLocks/>
+            <a:stCxn id="26" idx="5"/>
+          </p:cNvCxnSpPr>
+          <p:nvPr/>
+        </p:nvCxnSpPr>
+        <p:spPr>
+          <a:xfrm flipH="1">
+            <a:off x="4306692" y="3239440"/>
+            <a:ext cx="2609636" cy="384656"/>
+          </a:xfrm>
+          <a:prstGeom prst="line">
+            <a:avLst/>
+          </a:prstGeom>
+          <a:ln w="38100">
+            <a:solidFill>
+              <a:srgbClr val="FF9393"/>
+            </a:solidFill>
+            <a:prstDash val="sysDot"/>
+          </a:ln>
+        </p:spPr>
+        <p:style>
+          <a:lnRef idx="1">
+            <a:schemeClr val="dk1"/>
+          </a:lnRef>
+          <a:fillRef idx="0">
+            <a:schemeClr val="dk1"/>
+          </a:fillRef>
+          <a:effectRef idx="0">
+            <a:schemeClr val="dk1"/>
+          </a:effectRef>
+          <a:fontRef idx="minor">
+            <a:schemeClr val="tx1"/>
+          </a:fontRef>
+        </p:style>
+      </p:cxnSp>
+      <p:cxnSp>
+        <p:nvCxnSpPr>
           <p:cNvPr id="22" name="Straight Connector 21">
             <a:extLst>
               <a:ext uri="{FF2B5EF4-FFF2-40B4-BE49-F238E27FC236}">
@@ -11254,7 +11123,7 @@
               <a:rPr lang="en-US" dirty="0">
                 <a:latin typeface="Berlin Sans FB" panose="020E0602020502020306" pitchFamily="34" charset="0"/>
               </a:rPr>
-              <a:t>(Agent learns to hit any target at red point with red velocity)</a:t>
+              <a:t>(Given a red observation, shoot along the black line)</a:t>
             </a:r>
           </a:p>
         </p:txBody>
@@ -12117,144 +11986,6 @@
       </p:cxnSp>
       <p:cxnSp>
         <p:nvCxnSpPr>
-          <p:cNvPr id="36" name="Straight Arrow Connector 35">
-            <a:extLst>
-              <a:ext uri="{FF2B5EF4-FFF2-40B4-BE49-F238E27FC236}">
-                <a16:creationId xmlns:a16="http://schemas.microsoft.com/office/drawing/2014/main" id="{907E2D3B-539F-4159-9A91-A22B4B35EF93}"/>
-              </a:ext>
-            </a:extLst>
-          </p:cNvPr>
-          <p:cNvCxnSpPr>
-            <a:cxnSpLocks/>
-            <a:stCxn id="9" idx="0"/>
-            <a:endCxn id="41" idx="1"/>
-          </p:cNvCxnSpPr>
-          <p:nvPr/>
-        </p:nvCxnSpPr>
-        <p:spPr>
-          <a:xfrm flipV="1">
-            <a:off x="3279969" y="3583244"/>
-            <a:ext cx="739535" cy="1288845"/>
-          </a:xfrm>
-          <a:prstGeom prst="straightConnector1">
-            <a:avLst/>
-          </a:prstGeom>
-          <a:ln w="50800">
-            <a:solidFill>
-              <a:srgbClr val="00B050"/>
-            </a:solidFill>
-            <a:tailEnd type="triangle"/>
-          </a:ln>
-        </p:spPr>
-        <p:style>
-          <a:lnRef idx="1">
-            <a:schemeClr val="dk1"/>
-          </a:lnRef>
-          <a:fillRef idx="0">
-            <a:schemeClr val="dk1"/>
-          </a:fillRef>
-          <a:effectRef idx="0">
-            <a:schemeClr val="dk1"/>
-          </a:effectRef>
-          <a:fontRef idx="minor">
-            <a:schemeClr val="tx1"/>
-          </a:fontRef>
-        </p:style>
-      </p:cxnSp>
-      <p:cxnSp>
-        <p:nvCxnSpPr>
-          <p:cNvPr id="38" name="Straight Arrow Connector 37">
-            <a:extLst>
-              <a:ext uri="{FF2B5EF4-FFF2-40B4-BE49-F238E27FC236}">
-                <a16:creationId xmlns:a16="http://schemas.microsoft.com/office/drawing/2014/main" id="{45BC26FD-7A92-4939-8E03-E02215170ADB}"/>
-              </a:ext>
-            </a:extLst>
-          </p:cNvPr>
-          <p:cNvCxnSpPr>
-            <a:cxnSpLocks/>
-            <a:stCxn id="3" idx="0"/>
-            <a:endCxn id="42" idx="1"/>
-          </p:cNvCxnSpPr>
-          <p:nvPr/>
-        </p:nvCxnSpPr>
-        <p:spPr>
-          <a:xfrm flipV="1">
-            <a:off x="5665289" y="2975952"/>
-            <a:ext cx="938803" cy="1896137"/>
-          </a:xfrm>
-          <a:prstGeom prst="straightConnector1">
-            <a:avLst/>
-          </a:prstGeom>
-          <a:ln w="50800">
-            <a:solidFill>
-              <a:srgbClr val="00B050"/>
-            </a:solidFill>
-            <a:tailEnd type="triangle"/>
-          </a:ln>
-        </p:spPr>
-        <p:style>
-          <a:lnRef idx="1">
-            <a:schemeClr val="dk1"/>
-          </a:lnRef>
-          <a:fillRef idx="0">
-            <a:schemeClr val="dk1"/>
-          </a:fillRef>
-          <a:effectRef idx="0">
-            <a:schemeClr val="dk1"/>
-          </a:effectRef>
-          <a:fontRef idx="minor">
-            <a:schemeClr val="tx1"/>
-          </a:fontRef>
-        </p:style>
-      </p:cxnSp>
-      <p:cxnSp>
-        <p:nvCxnSpPr>
-          <p:cNvPr id="40" name="Straight Arrow Connector 39">
-            <a:extLst>
-              <a:ext uri="{FF2B5EF4-FFF2-40B4-BE49-F238E27FC236}">
-                <a16:creationId xmlns:a16="http://schemas.microsoft.com/office/drawing/2014/main" id="{0FD0D25D-55C8-4F4A-AB0F-82408D78603B}"/>
-              </a:ext>
-            </a:extLst>
-          </p:cNvPr>
-          <p:cNvCxnSpPr>
-            <a:cxnSpLocks/>
-            <a:stCxn id="7" idx="0"/>
-            <a:endCxn id="43" idx="1"/>
-          </p:cNvCxnSpPr>
-          <p:nvPr/>
-        </p:nvCxnSpPr>
-        <p:spPr>
-          <a:xfrm flipV="1">
-            <a:off x="8657508" y="2301525"/>
-            <a:ext cx="1517055" cy="2570564"/>
-          </a:xfrm>
-          <a:prstGeom prst="straightConnector1">
-            <a:avLst/>
-          </a:prstGeom>
-          <a:ln w="50800">
-            <a:solidFill>
-              <a:srgbClr val="00B050"/>
-            </a:solidFill>
-            <a:tailEnd type="triangle"/>
-          </a:ln>
-        </p:spPr>
-        <p:style>
-          <a:lnRef idx="1">
-            <a:schemeClr val="dk1"/>
-          </a:lnRef>
-          <a:fillRef idx="0">
-            <a:schemeClr val="dk1"/>
-          </a:fillRef>
-          <a:effectRef idx="0">
-            <a:schemeClr val="dk1"/>
-          </a:effectRef>
-          <a:fontRef idx="minor">
-            <a:schemeClr val="tx1"/>
-          </a:fontRef>
-        </p:style>
-      </p:cxnSp>
-      <p:cxnSp>
-        <p:nvCxnSpPr>
           <p:cNvPr id="45" name="Straight Connector 44">
             <a:extLst>
               <a:ext uri="{FF2B5EF4-FFF2-40B4-BE49-F238E27FC236}">
@@ -12533,7 +12264,7 @@
               <a:rPr lang="en-US" dirty="0">
                 <a:latin typeface="Berlin Sans FB" panose="020E0602020502020306" pitchFamily="34" charset="0"/>
               </a:rPr>
-              <a:t>(Agent learns to hit any target at red point with red velocity)</a:t>
+              <a:t>(Given a red observation, shoot along the black line)</a:t>
             </a:r>
           </a:p>
         </p:txBody>
@@ -12944,6 +12675,141 @@
               <a:srgbClr val="FF9393"/>
             </a:solidFill>
             <a:tailEnd type="triangle"/>
+          </a:ln>
+        </p:spPr>
+        <p:style>
+          <a:lnRef idx="1">
+            <a:schemeClr val="dk1"/>
+          </a:lnRef>
+          <a:fillRef idx="0">
+            <a:schemeClr val="dk1"/>
+          </a:fillRef>
+          <a:effectRef idx="0">
+            <a:schemeClr val="dk1"/>
+          </a:effectRef>
+          <a:fontRef idx="minor">
+            <a:schemeClr val="tx1"/>
+          </a:fontRef>
+        </p:style>
+      </p:cxnSp>
+      <p:cxnSp>
+        <p:nvCxnSpPr>
+          <p:cNvPr id="5" name="Straight Connector 4">
+            <a:extLst>
+              <a:ext uri="{FF2B5EF4-FFF2-40B4-BE49-F238E27FC236}">
+                <a16:creationId xmlns:a16="http://schemas.microsoft.com/office/drawing/2014/main" id="{5EB9848C-DACF-4698-96E0-5B0A26F7A7A6}"/>
+              </a:ext>
+            </a:extLst>
+          </p:cNvPr>
+          <p:cNvCxnSpPr>
+            <a:stCxn id="41" idx="1"/>
+            <a:endCxn id="9" idx="0"/>
+          </p:cNvCxnSpPr>
+          <p:nvPr/>
+        </p:nvCxnSpPr>
+        <p:spPr>
+          <a:xfrm flipH="1">
+            <a:off x="3279969" y="3583244"/>
+            <a:ext cx="739535" cy="1288845"/>
+          </a:xfrm>
+          <a:prstGeom prst="line">
+            <a:avLst/>
+          </a:prstGeom>
+          <a:ln w="38100">
+            <a:solidFill>
+              <a:srgbClr val="FF9393"/>
+            </a:solidFill>
+            <a:prstDash val="sysDot"/>
+          </a:ln>
+        </p:spPr>
+        <p:style>
+          <a:lnRef idx="1">
+            <a:schemeClr val="dk1"/>
+          </a:lnRef>
+          <a:fillRef idx="0">
+            <a:schemeClr val="dk1"/>
+          </a:fillRef>
+          <a:effectRef idx="0">
+            <a:schemeClr val="dk1"/>
+          </a:effectRef>
+          <a:fontRef idx="minor">
+            <a:schemeClr val="tx1"/>
+          </a:fontRef>
+        </p:style>
+      </p:cxnSp>
+      <p:cxnSp>
+        <p:nvCxnSpPr>
+          <p:cNvPr id="51" name="Straight Connector 50">
+            <a:extLst>
+              <a:ext uri="{FF2B5EF4-FFF2-40B4-BE49-F238E27FC236}">
+                <a16:creationId xmlns:a16="http://schemas.microsoft.com/office/drawing/2014/main" id="{2FA85254-07BB-4096-9743-BA74A3F129E9}"/>
+              </a:ext>
+            </a:extLst>
+          </p:cNvPr>
+          <p:cNvCxnSpPr>
+            <a:cxnSpLocks/>
+            <a:stCxn id="42" idx="1"/>
+          </p:cNvCxnSpPr>
+          <p:nvPr/>
+        </p:nvCxnSpPr>
+        <p:spPr>
+          <a:xfrm flipH="1">
+            <a:off x="5620390" y="2975952"/>
+            <a:ext cx="983702" cy="1927869"/>
+          </a:xfrm>
+          <a:prstGeom prst="line">
+            <a:avLst/>
+          </a:prstGeom>
+          <a:ln w="38100">
+            <a:solidFill>
+              <a:srgbClr val="FF9393"/>
+            </a:solidFill>
+            <a:prstDash val="sysDot"/>
+          </a:ln>
+        </p:spPr>
+        <p:style>
+          <a:lnRef idx="1">
+            <a:schemeClr val="dk1"/>
+          </a:lnRef>
+          <a:fillRef idx="0">
+            <a:schemeClr val="dk1"/>
+          </a:fillRef>
+          <a:effectRef idx="0">
+            <a:schemeClr val="dk1"/>
+          </a:effectRef>
+          <a:fontRef idx="minor">
+            <a:schemeClr val="tx1"/>
+          </a:fontRef>
+        </p:style>
+      </p:cxnSp>
+      <p:cxnSp>
+        <p:nvCxnSpPr>
+          <p:cNvPr id="52" name="Straight Connector 51">
+            <a:extLst>
+              <a:ext uri="{FF2B5EF4-FFF2-40B4-BE49-F238E27FC236}">
+                <a16:creationId xmlns:a16="http://schemas.microsoft.com/office/drawing/2014/main" id="{7BE6A787-7A51-473B-ADCE-FC6458A808E4}"/>
+              </a:ext>
+            </a:extLst>
+          </p:cNvPr>
+          <p:cNvCxnSpPr>
+            <a:cxnSpLocks/>
+            <a:stCxn id="43" idx="0"/>
+          </p:cNvCxnSpPr>
+          <p:nvPr/>
+        </p:nvCxnSpPr>
+        <p:spPr>
+          <a:xfrm flipH="1">
+            <a:off x="8663979" y="2320462"/>
+            <a:ext cx="1556302" cy="2583359"/>
+          </a:xfrm>
+          <a:prstGeom prst="line">
+            <a:avLst/>
+          </a:prstGeom>
+          <a:ln w="38100">
+            <a:solidFill>
+              <a:srgbClr val="FF9393"/>
+            </a:solidFill>
+            <a:prstDash val="sysDot"/>
           </a:ln>
         </p:spPr>
         <p:style>
@@ -13200,7 +13066,7 @@
             <a:avLst/>
           </a:prstGeom>
           <a:solidFill>
-            <a:srgbClr val="00B050"/>
+            <a:srgbClr val="FF0000"/>
           </a:solidFill>
           <a:ln w="38100">
             <a:noFill/>
@@ -13252,7 +13118,7 @@
             <a:avLst/>
           </a:prstGeom>
           <a:solidFill>
-            <a:srgbClr val="00B050"/>
+            <a:srgbClr val="FF0000"/>
           </a:solidFill>
           <a:ln w="38100">
             <a:noFill/>
@@ -13304,7 +13170,7 @@
             <a:avLst/>
           </a:prstGeom>
           <a:solidFill>
-            <a:srgbClr val="00B050"/>
+            <a:srgbClr val="FF0000"/>
           </a:solidFill>
           <a:ln w="38100">
             <a:noFill/>
@@ -13356,7 +13222,7 @@
             <a:avLst/>
           </a:prstGeom>
           <a:solidFill>
-            <a:srgbClr val="00B050"/>
+            <a:srgbClr val="FF0000"/>
           </a:solidFill>
           <a:ln w="38100">
             <a:noFill/>
@@ -13408,7 +13274,7 @@
             <a:avLst/>
           </a:prstGeom>
           <a:solidFill>
-            <a:srgbClr val="00B050"/>
+            <a:srgbClr val="FF0000"/>
           </a:solidFill>
           <a:ln w="38100">
             <a:noFill/>
@@ -13460,7 +13326,7 @@
             <a:avLst/>
           </a:prstGeom>
           <a:solidFill>
-            <a:srgbClr val="00B050"/>
+            <a:srgbClr val="FF0000"/>
           </a:solidFill>
           <a:ln w="38100">
             <a:noFill/>
@@ -13512,7 +13378,7 @@
             <a:avLst/>
           </a:prstGeom>
           <a:solidFill>
-            <a:srgbClr val="00B050"/>
+            <a:srgbClr val="FF0000"/>
           </a:solidFill>
           <a:ln w="38100">
             <a:noFill/>
@@ -13564,7 +13430,7 @@
             <a:avLst/>
           </a:prstGeom>
           <a:solidFill>
-            <a:srgbClr val="00B050"/>
+            <a:srgbClr val="FF0000"/>
           </a:solidFill>
           <a:ln w="38100">
             <a:noFill/>
@@ -13616,7 +13482,7 @@
             <a:avLst/>
           </a:prstGeom>
           <a:solidFill>
-            <a:srgbClr val="00B050"/>
+            <a:srgbClr val="FF0000"/>
           </a:solidFill>
           <a:ln w="38100">
             <a:noFill/>
@@ -13668,7 +13534,7 @@
             <a:avLst/>
           </a:prstGeom>
           <a:solidFill>
-            <a:srgbClr val="00B050"/>
+            <a:srgbClr val="FF0000"/>
           </a:solidFill>
           <a:ln w="38100">
             <a:noFill/>
@@ -13720,7 +13586,7 @@
             <a:avLst/>
           </a:prstGeom>
           <a:solidFill>
-            <a:srgbClr val="00B050"/>
+            <a:srgbClr val="FF0000"/>
           </a:solidFill>
           <a:ln w="38100">
             <a:noFill/>
@@ -13772,7 +13638,7 @@
             <a:avLst/>
           </a:prstGeom>
           <a:solidFill>
-            <a:srgbClr val="00B050"/>
+            <a:srgbClr val="FF0000"/>
           </a:solidFill>
           <a:ln w="38100">
             <a:noFill/>
@@ -13824,7 +13690,7 @@
             <a:avLst/>
           </a:prstGeom>
           <a:solidFill>
-            <a:srgbClr val="00B050"/>
+            <a:srgbClr val="FF0000"/>
           </a:solidFill>
           <a:ln w="38100">
             <a:noFill/>
@@ -13876,7 +13742,7 @@
             <a:avLst/>
           </a:prstGeom>
           <a:solidFill>
-            <a:srgbClr val="00B050"/>
+            <a:srgbClr val="FF0000"/>
           </a:solidFill>
           <a:ln w="38100">
             <a:noFill/>
@@ -13928,7 +13794,7 @@
             <a:avLst/>
           </a:prstGeom>
           <a:solidFill>
-            <a:srgbClr val="00B050"/>
+            <a:srgbClr val="FF0000"/>
           </a:solidFill>
           <a:ln w="38100">
             <a:noFill/>
@@ -13980,7 +13846,7 @@
             <a:avLst/>
           </a:prstGeom>
           <a:solidFill>
-            <a:srgbClr val="00B050"/>
+            <a:srgbClr val="FF0000"/>
           </a:solidFill>
           <a:ln w="38100">
             <a:noFill/>
@@ -14032,7 +13898,7 @@
             <a:avLst/>
           </a:prstGeom>
           <a:solidFill>
-            <a:srgbClr val="00B050"/>
+            <a:srgbClr val="FF0000"/>
           </a:solidFill>
           <a:ln w="38100">
             <a:noFill/>
@@ -14084,7 +13950,7 @@
             <a:avLst/>
           </a:prstGeom>
           <a:solidFill>
-            <a:srgbClr val="00B050"/>
+            <a:srgbClr val="FF0000"/>
           </a:solidFill>
           <a:ln w="38100">
             <a:noFill/>
@@ -14136,7 +14002,7 @@
             <a:avLst/>
           </a:prstGeom>
           <a:solidFill>
-            <a:srgbClr val="00B050"/>
+            <a:srgbClr val="FF0000"/>
           </a:solidFill>
           <a:ln w="38100">
             <a:noFill/>
@@ -14188,7 +14054,7 @@
             <a:avLst/>
           </a:prstGeom>
           <a:solidFill>
-            <a:srgbClr val="00B050"/>
+            <a:srgbClr val="FF0000"/>
           </a:solidFill>
           <a:ln w="38100">
             <a:noFill/>
@@ -14240,7 +14106,7 @@
             <a:avLst/>
           </a:prstGeom>
           <a:solidFill>
-            <a:srgbClr val="00B050"/>
+            <a:srgbClr val="FF0000"/>
           </a:solidFill>
           <a:ln w="38100">
             <a:noFill/>
@@ -14292,7 +14158,7 @@
             <a:avLst/>
           </a:prstGeom>
           <a:solidFill>
-            <a:srgbClr val="00B050"/>
+            <a:srgbClr val="FF0000"/>
           </a:solidFill>
           <a:ln w="38100">
             <a:noFill/>
@@ -14356,7 +14222,7 @@
               <a:rPr lang="en-US" dirty="0">
                 <a:latin typeface="Berlin Sans FB" panose="020E0602020502020306" pitchFamily="34" charset="0"/>
               </a:rPr>
-              <a:t>Agent learns how to hit targets at each green point in a single shot</a:t>
+              <a:t>Agent learns how to hit targets at each red point in a single shot</a:t>
             </a:r>
           </a:p>
         </p:txBody>
